--- a/2018-1-15-Rosenberg-UT-Knoxville-talk.pptx
+++ b/2018-1-15-Rosenberg-UT-Knoxville-talk.pptx
@@ -5,18 +5,50 @@
     <p:sldMasterId id="2147483660" r:id="rId1"/>
   </p:sldMasterIdLst>
   <p:notesMasterIdLst>
-    <p:notesMasterId r:id="rId11"/>
+    <p:notesMasterId r:id="rId43"/>
   </p:notesMasterIdLst>
   <p:sldIdLst>
     <p:sldId id="256" r:id="rId2"/>
-    <p:sldId id="359" r:id="rId3"/>
-    <p:sldId id="361" r:id="rId4"/>
-    <p:sldId id="368" r:id="rId5"/>
-    <p:sldId id="366" r:id="rId6"/>
-    <p:sldId id="360" r:id="rId7"/>
-    <p:sldId id="367" r:id="rId8"/>
-    <p:sldId id="365" r:id="rId9"/>
-    <p:sldId id="364" r:id="rId10"/>
+    <p:sldId id="372" r:id="rId3"/>
+    <p:sldId id="359" r:id="rId4"/>
+    <p:sldId id="361" r:id="rId5"/>
+    <p:sldId id="368" r:id="rId6"/>
+    <p:sldId id="369" r:id="rId7"/>
+    <p:sldId id="370" r:id="rId8"/>
+    <p:sldId id="366" r:id="rId9"/>
+    <p:sldId id="371" r:id="rId10"/>
+    <p:sldId id="373" r:id="rId11"/>
+    <p:sldId id="374" r:id="rId12"/>
+    <p:sldId id="375" r:id="rId13"/>
+    <p:sldId id="402" r:id="rId14"/>
+    <p:sldId id="376" r:id="rId15"/>
+    <p:sldId id="377" r:id="rId16"/>
+    <p:sldId id="401" r:id="rId17"/>
+    <p:sldId id="403" r:id="rId18"/>
+    <p:sldId id="379" r:id="rId19"/>
+    <p:sldId id="380" r:id="rId20"/>
+    <p:sldId id="381" r:id="rId21"/>
+    <p:sldId id="382" r:id="rId22"/>
+    <p:sldId id="383" r:id="rId23"/>
+    <p:sldId id="384" r:id="rId24"/>
+    <p:sldId id="385" r:id="rId25"/>
+    <p:sldId id="378" r:id="rId26"/>
+    <p:sldId id="386" r:id="rId27"/>
+    <p:sldId id="387" r:id="rId28"/>
+    <p:sldId id="388" r:id="rId29"/>
+    <p:sldId id="389" r:id="rId30"/>
+    <p:sldId id="392" r:id="rId31"/>
+    <p:sldId id="390" r:id="rId32"/>
+    <p:sldId id="393" r:id="rId33"/>
+    <p:sldId id="391" r:id="rId34"/>
+    <p:sldId id="394" r:id="rId35"/>
+    <p:sldId id="395" r:id="rId36"/>
+    <p:sldId id="398" r:id="rId37"/>
+    <p:sldId id="397" r:id="rId38"/>
+    <p:sldId id="396" r:id="rId39"/>
+    <p:sldId id="399" r:id="rId40"/>
+    <p:sldId id="400" r:id="rId41"/>
+    <p:sldId id="360" r:id="rId42"/>
   </p:sldIdLst>
   <p:sldSz cx="9144000" cy="6858000" type="screen4x3"/>
   <p:notesSz cx="6858000" cy="9144000"/>
@@ -616,6 +648,1046 @@
 </p:notes>
 </file>
 
+<file path=ppt/notesSlides/notesSlide10.xml><?xml version="1.0" encoding="utf-8"?>
+<p:notes xmlns:a="http://schemas.openxmlformats.org/drawingml/2006/main" xmlns:r="http://schemas.openxmlformats.org/officeDocument/2006/relationships" xmlns:p="http://schemas.openxmlformats.org/presentationml/2006/main">
+  <p:cSld>
+    <p:spTree>
+      <p:nvGrpSpPr>
+        <p:cNvPr id="1" name=""/>
+        <p:cNvGrpSpPr/>
+        <p:nvPr/>
+      </p:nvGrpSpPr>
+      <p:grpSpPr>
+        <a:xfrm>
+          <a:off x="0" y="0"/>
+          <a:ext cx="0" cy="0"/>
+          <a:chOff x="0" y="0"/>
+          <a:chExt cx="0" cy="0"/>
+        </a:xfrm>
+      </p:grpSpPr>
+      <p:sp>
+        <p:nvSpPr>
+          <p:cNvPr id="2" name="Slide Image Placeholder 1"/>
+          <p:cNvSpPr>
+            <a:spLocks noGrp="1" noRot="1" noChangeAspect="1"/>
+          </p:cNvSpPr>
+          <p:nvPr>
+            <p:ph type="sldImg"/>
+          </p:nvPr>
+        </p:nvSpPr>
+        <p:spPr/>
+      </p:sp>
+      <p:sp>
+        <p:nvSpPr>
+          <p:cNvPr id="3" name="Notes Placeholder 2"/>
+          <p:cNvSpPr>
+            <a:spLocks noGrp="1"/>
+          </p:cNvSpPr>
+          <p:nvPr>
+            <p:ph type="body" idx="1"/>
+          </p:nvPr>
+        </p:nvSpPr>
+        <p:spPr/>
+        <p:txBody>
+          <a:bodyPr/>
+          <a:lstStyle/>
+          <a:p>
+            <a:pPr marL="0" marR="0" indent="0" algn="l" defTabSz="457200" rtl="0" eaLnBrk="1" fontAlgn="auto" latinLnBrk="0" hangingPunct="1">
+              <a:lnSpc>
+                <a:spcPct val="100000"/>
+              </a:lnSpc>
+              <a:spcBef>
+                <a:spcPts val="0"/>
+              </a:spcBef>
+              <a:spcAft>
+                <a:spcPts val="0"/>
+              </a:spcAft>
+              <a:buClrTx/>
+              <a:buSzTx/>
+              <a:buFontTx/>
+              <a:buNone/>
+              <a:tabLst/>
+              <a:defRPr/>
+            </a:pPr>
+            <a:r>
+              <a:rPr lang="en-US" dirty="0" smtClean="0"/>
+              <a:t>Demonstrate how data can be used to empower teachers and students.</a:t>
+            </a:r>
+          </a:p>
+        </p:txBody>
+      </p:sp>
+      <p:sp>
+        <p:nvSpPr>
+          <p:cNvPr id="4" name="Slide Number Placeholder 3"/>
+          <p:cNvSpPr>
+            <a:spLocks noGrp="1"/>
+          </p:cNvSpPr>
+          <p:nvPr>
+            <p:ph type="sldNum" sz="quarter" idx="10"/>
+          </p:nvPr>
+        </p:nvSpPr>
+        <p:spPr/>
+        <p:txBody>
+          <a:bodyPr/>
+          <a:lstStyle/>
+          <a:p>
+            <a:fld id="{03B05A7B-0B3D-5342-87EA-AE22C601F6D1}" type="slidenum">
+              <a:rPr lang="en-US" smtClean="0"/>
+              <a:t>15</a:t>
+            </a:fld>
+            <a:endParaRPr lang="en-US"/>
+          </a:p>
+        </p:txBody>
+      </p:sp>
+    </p:spTree>
+    <p:extLst>
+      <p:ext uri="{BB962C8B-B14F-4D97-AF65-F5344CB8AC3E}">
+        <p14:creationId xmlns:p14="http://schemas.microsoft.com/office/powerpoint/2010/main" val="1509009430"/>
+      </p:ext>
+    </p:extLst>
+  </p:cSld>
+  <p:clrMapOvr>
+    <a:masterClrMapping/>
+  </p:clrMapOvr>
+</p:notes>
+</file>
+
+<file path=ppt/notesSlides/notesSlide11.xml><?xml version="1.0" encoding="utf-8"?>
+<p:notes xmlns:a="http://schemas.openxmlformats.org/drawingml/2006/main" xmlns:r="http://schemas.openxmlformats.org/officeDocument/2006/relationships" xmlns:p="http://schemas.openxmlformats.org/presentationml/2006/main">
+  <p:cSld>
+    <p:spTree>
+      <p:nvGrpSpPr>
+        <p:cNvPr id="1" name=""/>
+        <p:cNvGrpSpPr/>
+        <p:nvPr/>
+      </p:nvGrpSpPr>
+      <p:grpSpPr>
+        <a:xfrm>
+          <a:off x="0" y="0"/>
+          <a:ext cx="0" cy="0"/>
+          <a:chOff x="0" y="0"/>
+          <a:chExt cx="0" cy="0"/>
+        </a:xfrm>
+      </p:grpSpPr>
+      <p:sp>
+        <p:nvSpPr>
+          <p:cNvPr id="2" name="Slide Image Placeholder 1"/>
+          <p:cNvSpPr>
+            <a:spLocks noGrp="1" noRot="1" noChangeAspect="1"/>
+          </p:cNvSpPr>
+          <p:nvPr>
+            <p:ph type="sldImg"/>
+          </p:nvPr>
+        </p:nvSpPr>
+        <p:spPr/>
+      </p:sp>
+      <p:sp>
+        <p:nvSpPr>
+          <p:cNvPr id="3" name="Notes Placeholder 2"/>
+          <p:cNvSpPr>
+            <a:spLocks noGrp="1"/>
+          </p:cNvSpPr>
+          <p:nvPr>
+            <p:ph type="body" idx="1"/>
+          </p:nvPr>
+        </p:nvSpPr>
+        <p:spPr/>
+        <p:txBody>
+          <a:bodyPr/>
+          <a:lstStyle/>
+          <a:p>
+            <a:pPr marL="0" marR="0" indent="0" algn="l" defTabSz="457200" rtl="0" eaLnBrk="1" fontAlgn="auto" latinLnBrk="0" hangingPunct="1">
+              <a:lnSpc>
+                <a:spcPct val="100000"/>
+              </a:lnSpc>
+              <a:spcBef>
+                <a:spcPts val="0"/>
+              </a:spcBef>
+              <a:spcAft>
+                <a:spcPts val="0"/>
+              </a:spcAft>
+              <a:buClrTx/>
+              <a:buSzTx/>
+              <a:buFontTx/>
+              <a:buNone/>
+              <a:tabLst/>
+              <a:defRPr/>
+            </a:pPr>
+            <a:r>
+              <a:rPr lang="en-US" dirty="0" smtClean="0"/>
+              <a:t>Demonstrate how data can be used to empower teachers and students.</a:t>
+            </a:r>
+          </a:p>
+        </p:txBody>
+      </p:sp>
+      <p:sp>
+        <p:nvSpPr>
+          <p:cNvPr id="4" name="Slide Number Placeholder 3"/>
+          <p:cNvSpPr>
+            <a:spLocks noGrp="1"/>
+          </p:cNvSpPr>
+          <p:nvPr>
+            <p:ph type="sldNum" sz="quarter" idx="10"/>
+          </p:nvPr>
+        </p:nvSpPr>
+        <p:spPr/>
+        <p:txBody>
+          <a:bodyPr/>
+          <a:lstStyle/>
+          <a:p>
+            <a:fld id="{03B05A7B-0B3D-5342-87EA-AE22C601F6D1}" type="slidenum">
+              <a:rPr lang="en-US" smtClean="0"/>
+              <a:t>16</a:t>
+            </a:fld>
+            <a:endParaRPr lang="en-US"/>
+          </a:p>
+        </p:txBody>
+      </p:sp>
+    </p:spTree>
+    <p:extLst>
+      <p:ext uri="{BB962C8B-B14F-4D97-AF65-F5344CB8AC3E}">
+        <p14:creationId xmlns:p14="http://schemas.microsoft.com/office/powerpoint/2010/main" val="2024552701"/>
+      </p:ext>
+    </p:extLst>
+  </p:cSld>
+  <p:clrMapOvr>
+    <a:masterClrMapping/>
+  </p:clrMapOvr>
+</p:notes>
+</file>
+
+<file path=ppt/notesSlides/notesSlide12.xml><?xml version="1.0" encoding="utf-8"?>
+<p:notes xmlns:a="http://schemas.openxmlformats.org/drawingml/2006/main" xmlns:r="http://schemas.openxmlformats.org/officeDocument/2006/relationships" xmlns:p="http://schemas.openxmlformats.org/presentationml/2006/main">
+  <p:cSld>
+    <p:spTree>
+      <p:nvGrpSpPr>
+        <p:cNvPr id="1" name=""/>
+        <p:cNvGrpSpPr/>
+        <p:nvPr/>
+      </p:nvGrpSpPr>
+      <p:grpSpPr>
+        <a:xfrm>
+          <a:off x="0" y="0"/>
+          <a:ext cx="0" cy="0"/>
+          <a:chOff x="0" y="0"/>
+          <a:chExt cx="0" cy="0"/>
+        </a:xfrm>
+      </p:grpSpPr>
+      <p:sp>
+        <p:nvSpPr>
+          <p:cNvPr id="2" name="Slide Image Placeholder 1"/>
+          <p:cNvSpPr>
+            <a:spLocks noGrp="1" noRot="1" noChangeAspect="1"/>
+          </p:cNvSpPr>
+          <p:nvPr>
+            <p:ph type="sldImg"/>
+          </p:nvPr>
+        </p:nvSpPr>
+        <p:spPr/>
+      </p:sp>
+      <p:sp>
+        <p:nvSpPr>
+          <p:cNvPr id="3" name="Notes Placeholder 2"/>
+          <p:cNvSpPr>
+            <a:spLocks noGrp="1"/>
+          </p:cNvSpPr>
+          <p:nvPr>
+            <p:ph type="body" idx="1"/>
+          </p:nvPr>
+        </p:nvSpPr>
+        <p:spPr/>
+        <p:txBody>
+          <a:bodyPr/>
+          <a:lstStyle/>
+          <a:p>
+            <a:pPr marL="0" marR="0" indent="0" algn="l" defTabSz="457200" rtl="0" eaLnBrk="1" fontAlgn="auto" latinLnBrk="0" hangingPunct="1">
+              <a:lnSpc>
+                <a:spcPct val="100000"/>
+              </a:lnSpc>
+              <a:spcBef>
+                <a:spcPts val="0"/>
+              </a:spcBef>
+              <a:spcAft>
+                <a:spcPts val="0"/>
+              </a:spcAft>
+              <a:buClrTx/>
+              <a:buSzTx/>
+              <a:buFontTx/>
+              <a:buNone/>
+              <a:tabLst/>
+              <a:defRPr/>
+            </a:pPr>
+            <a:r>
+              <a:rPr lang="en-US" dirty="0" smtClean="0"/>
+              <a:t>Demonstrate how data can be used to empower teachers and students.</a:t>
+            </a:r>
+          </a:p>
+        </p:txBody>
+      </p:sp>
+      <p:sp>
+        <p:nvSpPr>
+          <p:cNvPr id="4" name="Slide Number Placeholder 3"/>
+          <p:cNvSpPr>
+            <a:spLocks noGrp="1"/>
+          </p:cNvSpPr>
+          <p:nvPr>
+            <p:ph type="sldNum" sz="quarter" idx="10"/>
+          </p:nvPr>
+        </p:nvSpPr>
+        <p:spPr/>
+        <p:txBody>
+          <a:bodyPr/>
+          <a:lstStyle/>
+          <a:p>
+            <a:fld id="{03B05A7B-0B3D-5342-87EA-AE22C601F6D1}" type="slidenum">
+              <a:rPr lang="en-US" smtClean="0"/>
+              <a:t>17</a:t>
+            </a:fld>
+            <a:endParaRPr lang="en-US"/>
+          </a:p>
+        </p:txBody>
+      </p:sp>
+    </p:spTree>
+    <p:extLst>
+      <p:ext uri="{BB962C8B-B14F-4D97-AF65-F5344CB8AC3E}">
+        <p14:creationId xmlns:p14="http://schemas.microsoft.com/office/powerpoint/2010/main" val="580792583"/>
+      </p:ext>
+    </p:extLst>
+  </p:cSld>
+  <p:clrMapOvr>
+    <a:masterClrMapping/>
+  </p:clrMapOvr>
+</p:notes>
+</file>
+
+<file path=ppt/notesSlides/notesSlide13.xml><?xml version="1.0" encoding="utf-8"?>
+<p:notes xmlns:a="http://schemas.openxmlformats.org/drawingml/2006/main" xmlns:r="http://schemas.openxmlformats.org/officeDocument/2006/relationships" xmlns:p="http://schemas.openxmlformats.org/presentationml/2006/main">
+  <p:cSld>
+    <p:spTree>
+      <p:nvGrpSpPr>
+        <p:cNvPr id="1" name=""/>
+        <p:cNvGrpSpPr/>
+        <p:nvPr/>
+      </p:nvGrpSpPr>
+      <p:grpSpPr>
+        <a:xfrm>
+          <a:off x="0" y="0"/>
+          <a:ext cx="0" cy="0"/>
+          <a:chOff x="0" y="0"/>
+          <a:chExt cx="0" cy="0"/>
+        </a:xfrm>
+      </p:grpSpPr>
+      <p:sp>
+        <p:nvSpPr>
+          <p:cNvPr id="2" name="Slide Image Placeholder 1"/>
+          <p:cNvSpPr>
+            <a:spLocks noGrp="1" noRot="1" noChangeAspect="1"/>
+          </p:cNvSpPr>
+          <p:nvPr>
+            <p:ph type="sldImg"/>
+          </p:nvPr>
+        </p:nvSpPr>
+        <p:spPr/>
+      </p:sp>
+      <p:sp>
+        <p:nvSpPr>
+          <p:cNvPr id="3" name="Notes Placeholder 2"/>
+          <p:cNvSpPr>
+            <a:spLocks noGrp="1"/>
+          </p:cNvSpPr>
+          <p:nvPr>
+            <p:ph type="body" idx="1"/>
+          </p:nvPr>
+        </p:nvSpPr>
+        <p:spPr/>
+        <p:txBody>
+          <a:bodyPr/>
+          <a:lstStyle/>
+          <a:p>
+            <a:pPr marL="0" marR="0" indent="0" algn="l" defTabSz="457200" rtl="0" eaLnBrk="1" fontAlgn="auto" latinLnBrk="0" hangingPunct="1">
+              <a:lnSpc>
+                <a:spcPct val="100000"/>
+              </a:lnSpc>
+              <a:spcBef>
+                <a:spcPts val="0"/>
+              </a:spcBef>
+              <a:spcAft>
+                <a:spcPts val="0"/>
+              </a:spcAft>
+              <a:buClrTx/>
+              <a:buSzTx/>
+              <a:buFontTx/>
+              <a:buNone/>
+              <a:tabLst/>
+              <a:defRPr/>
+            </a:pPr>
+            <a:r>
+              <a:rPr lang="en-US" dirty="0" smtClean="0"/>
+              <a:t>Demonstrate how data can be used to empower teachers and students.</a:t>
+            </a:r>
+          </a:p>
+        </p:txBody>
+      </p:sp>
+      <p:sp>
+        <p:nvSpPr>
+          <p:cNvPr id="4" name="Slide Number Placeholder 3"/>
+          <p:cNvSpPr>
+            <a:spLocks noGrp="1"/>
+          </p:cNvSpPr>
+          <p:nvPr>
+            <p:ph type="sldNum" sz="quarter" idx="10"/>
+          </p:nvPr>
+        </p:nvSpPr>
+        <p:spPr/>
+        <p:txBody>
+          <a:bodyPr/>
+          <a:lstStyle/>
+          <a:p>
+            <a:fld id="{03B05A7B-0B3D-5342-87EA-AE22C601F6D1}" type="slidenum">
+              <a:rPr lang="en-US" smtClean="0"/>
+              <a:t>19</a:t>
+            </a:fld>
+            <a:endParaRPr lang="en-US"/>
+          </a:p>
+        </p:txBody>
+      </p:sp>
+    </p:spTree>
+    <p:extLst>
+      <p:ext uri="{BB962C8B-B14F-4D97-AF65-F5344CB8AC3E}">
+        <p14:creationId xmlns:p14="http://schemas.microsoft.com/office/powerpoint/2010/main" val="551835206"/>
+      </p:ext>
+    </p:extLst>
+  </p:cSld>
+  <p:clrMapOvr>
+    <a:masterClrMapping/>
+  </p:clrMapOvr>
+</p:notes>
+</file>
+
+<file path=ppt/notesSlides/notesSlide14.xml><?xml version="1.0" encoding="utf-8"?>
+<p:notes xmlns:a="http://schemas.openxmlformats.org/drawingml/2006/main" xmlns:r="http://schemas.openxmlformats.org/officeDocument/2006/relationships" xmlns:p="http://schemas.openxmlformats.org/presentationml/2006/main">
+  <p:cSld>
+    <p:spTree>
+      <p:nvGrpSpPr>
+        <p:cNvPr id="1" name=""/>
+        <p:cNvGrpSpPr/>
+        <p:nvPr/>
+      </p:nvGrpSpPr>
+      <p:grpSpPr>
+        <a:xfrm>
+          <a:off x="0" y="0"/>
+          <a:ext cx="0" cy="0"/>
+          <a:chOff x="0" y="0"/>
+          <a:chExt cx="0" cy="0"/>
+        </a:xfrm>
+      </p:grpSpPr>
+      <p:sp>
+        <p:nvSpPr>
+          <p:cNvPr id="2" name="Slide Image Placeholder 1"/>
+          <p:cNvSpPr>
+            <a:spLocks noGrp="1" noRot="1" noChangeAspect="1"/>
+          </p:cNvSpPr>
+          <p:nvPr>
+            <p:ph type="sldImg"/>
+          </p:nvPr>
+        </p:nvSpPr>
+        <p:spPr/>
+      </p:sp>
+      <p:sp>
+        <p:nvSpPr>
+          <p:cNvPr id="3" name="Notes Placeholder 2"/>
+          <p:cNvSpPr>
+            <a:spLocks noGrp="1"/>
+          </p:cNvSpPr>
+          <p:nvPr>
+            <p:ph type="body" idx="1"/>
+          </p:nvPr>
+        </p:nvSpPr>
+        <p:spPr/>
+        <p:txBody>
+          <a:bodyPr/>
+          <a:lstStyle/>
+          <a:p>
+            <a:pPr marL="0" marR="0" indent="0" algn="l" defTabSz="457200" rtl="0" eaLnBrk="1" fontAlgn="auto" latinLnBrk="0" hangingPunct="1">
+              <a:lnSpc>
+                <a:spcPct val="100000"/>
+              </a:lnSpc>
+              <a:spcBef>
+                <a:spcPts val="0"/>
+              </a:spcBef>
+              <a:spcAft>
+                <a:spcPts val="0"/>
+              </a:spcAft>
+              <a:buClrTx/>
+              <a:buSzTx/>
+              <a:buFontTx/>
+              <a:buNone/>
+              <a:tabLst/>
+              <a:defRPr/>
+            </a:pPr>
+            <a:r>
+              <a:rPr lang="en-US" dirty="0" smtClean="0"/>
+              <a:t>Demonstrate how data can be used to empower teachers and students.</a:t>
+            </a:r>
+          </a:p>
+        </p:txBody>
+      </p:sp>
+      <p:sp>
+        <p:nvSpPr>
+          <p:cNvPr id="4" name="Slide Number Placeholder 3"/>
+          <p:cNvSpPr>
+            <a:spLocks noGrp="1"/>
+          </p:cNvSpPr>
+          <p:nvPr>
+            <p:ph type="sldNum" sz="quarter" idx="10"/>
+          </p:nvPr>
+        </p:nvSpPr>
+        <p:spPr/>
+        <p:txBody>
+          <a:bodyPr/>
+          <a:lstStyle/>
+          <a:p>
+            <a:fld id="{03B05A7B-0B3D-5342-87EA-AE22C601F6D1}" type="slidenum">
+              <a:rPr lang="en-US" smtClean="0"/>
+              <a:t>20</a:t>
+            </a:fld>
+            <a:endParaRPr lang="en-US"/>
+          </a:p>
+        </p:txBody>
+      </p:sp>
+    </p:spTree>
+    <p:extLst>
+      <p:ext uri="{BB962C8B-B14F-4D97-AF65-F5344CB8AC3E}">
+        <p14:creationId xmlns:p14="http://schemas.microsoft.com/office/powerpoint/2010/main" val="895003540"/>
+      </p:ext>
+    </p:extLst>
+  </p:cSld>
+  <p:clrMapOvr>
+    <a:masterClrMapping/>
+  </p:clrMapOvr>
+</p:notes>
+</file>
+
+<file path=ppt/notesSlides/notesSlide15.xml><?xml version="1.0" encoding="utf-8"?>
+<p:notes xmlns:a="http://schemas.openxmlformats.org/drawingml/2006/main" xmlns:r="http://schemas.openxmlformats.org/officeDocument/2006/relationships" xmlns:p="http://schemas.openxmlformats.org/presentationml/2006/main">
+  <p:cSld>
+    <p:spTree>
+      <p:nvGrpSpPr>
+        <p:cNvPr id="1" name=""/>
+        <p:cNvGrpSpPr/>
+        <p:nvPr/>
+      </p:nvGrpSpPr>
+      <p:grpSpPr>
+        <a:xfrm>
+          <a:off x="0" y="0"/>
+          <a:ext cx="0" cy="0"/>
+          <a:chOff x="0" y="0"/>
+          <a:chExt cx="0" cy="0"/>
+        </a:xfrm>
+      </p:grpSpPr>
+      <p:sp>
+        <p:nvSpPr>
+          <p:cNvPr id="2" name="Slide Image Placeholder 1"/>
+          <p:cNvSpPr>
+            <a:spLocks noGrp="1" noRot="1" noChangeAspect="1"/>
+          </p:cNvSpPr>
+          <p:nvPr>
+            <p:ph type="sldImg"/>
+          </p:nvPr>
+        </p:nvSpPr>
+        <p:spPr/>
+      </p:sp>
+      <p:sp>
+        <p:nvSpPr>
+          <p:cNvPr id="3" name="Notes Placeholder 2"/>
+          <p:cNvSpPr>
+            <a:spLocks noGrp="1"/>
+          </p:cNvSpPr>
+          <p:nvPr>
+            <p:ph type="body" idx="1"/>
+          </p:nvPr>
+        </p:nvSpPr>
+        <p:spPr/>
+        <p:txBody>
+          <a:bodyPr/>
+          <a:lstStyle/>
+          <a:p>
+            <a:pPr marL="0" marR="0" indent="0" algn="l" defTabSz="457200" rtl="0" eaLnBrk="1" fontAlgn="auto" latinLnBrk="0" hangingPunct="1">
+              <a:lnSpc>
+                <a:spcPct val="100000"/>
+              </a:lnSpc>
+              <a:spcBef>
+                <a:spcPts val="0"/>
+              </a:spcBef>
+              <a:spcAft>
+                <a:spcPts val="0"/>
+              </a:spcAft>
+              <a:buClrTx/>
+              <a:buSzTx/>
+              <a:buFontTx/>
+              <a:buNone/>
+              <a:tabLst/>
+              <a:defRPr/>
+            </a:pPr>
+            <a:r>
+              <a:rPr lang="en-US" dirty="0" smtClean="0"/>
+              <a:t>Demonstrate how data can be used to empower teachers and students.</a:t>
+            </a:r>
+          </a:p>
+        </p:txBody>
+      </p:sp>
+      <p:sp>
+        <p:nvSpPr>
+          <p:cNvPr id="4" name="Slide Number Placeholder 3"/>
+          <p:cNvSpPr>
+            <a:spLocks noGrp="1"/>
+          </p:cNvSpPr>
+          <p:nvPr>
+            <p:ph type="sldNum" sz="quarter" idx="10"/>
+          </p:nvPr>
+        </p:nvSpPr>
+        <p:spPr/>
+        <p:txBody>
+          <a:bodyPr/>
+          <a:lstStyle/>
+          <a:p>
+            <a:fld id="{03B05A7B-0B3D-5342-87EA-AE22C601F6D1}" type="slidenum">
+              <a:rPr lang="en-US" smtClean="0"/>
+              <a:t>21</a:t>
+            </a:fld>
+            <a:endParaRPr lang="en-US"/>
+          </a:p>
+        </p:txBody>
+      </p:sp>
+    </p:spTree>
+    <p:extLst>
+      <p:ext uri="{BB962C8B-B14F-4D97-AF65-F5344CB8AC3E}">
+        <p14:creationId xmlns:p14="http://schemas.microsoft.com/office/powerpoint/2010/main" val="68512918"/>
+      </p:ext>
+    </p:extLst>
+  </p:cSld>
+  <p:clrMapOvr>
+    <a:masterClrMapping/>
+  </p:clrMapOvr>
+</p:notes>
+</file>
+
+<file path=ppt/notesSlides/notesSlide16.xml><?xml version="1.0" encoding="utf-8"?>
+<p:notes xmlns:a="http://schemas.openxmlformats.org/drawingml/2006/main" xmlns:r="http://schemas.openxmlformats.org/officeDocument/2006/relationships" xmlns:p="http://schemas.openxmlformats.org/presentationml/2006/main">
+  <p:cSld>
+    <p:spTree>
+      <p:nvGrpSpPr>
+        <p:cNvPr id="1" name=""/>
+        <p:cNvGrpSpPr/>
+        <p:nvPr/>
+      </p:nvGrpSpPr>
+      <p:grpSpPr>
+        <a:xfrm>
+          <a:off x="0" y="0"/>
+          <a:ext cx="0" cy="0"/>
+          <a:chOff x="0" y="0"/>
+          <a:chExt cx="0" cy="0"/>
+        </a:xfrm>
+      </p:grpSpPr>
+      <p:sp>
+        <p:nvSpPr>
+          <p:cNvPr id="2" name="Slide Image Placeholder 1"/>
+          <p:cNvSpPr>
+            <a:spLocks noGrp="1" noRot="1" noChangeAspect="1"/>
+          </p:cNvSpPr>
+          <p:nvPr>
+            <p:ph type="sldImg"/>
+          </p:nvPr>
+        </p:nvSpPr>
+        <p:spPr/>
+      </p:sp>
+      <p:sp>
+        <p:nvSpPr>
+          <p:cNvPr id="3" name="Notes Placeholder 2"/>
+          <p:cNvSpPr>
+            <a:spLocks noGrp="1"/>
+          </p:cNvSpPr>
+          <p:nvPr>
+            <p:ph type="body" idx="1"/>
+          </p:nvPr>
+        </p:nvSpPr>
+        <p:spPr/>
+        <p:txBody>
+          <a:bodyPr/>
+          <a:lstStyle/>
+          <a:p>
+            <a:pPr marL="0" marR="0" indent="0" algn="l" defTabSz="457200" rtl="0" eaLnBrk="1" fontAlgn="auto" latinLnBrk="0" hangingPunct="1">
+              <a:lnSpc>
+                <a:spcPct val="100000"/>
+              </a:lnSpc>
+              <a:spcBef>
+                <a:spcPts val="0"/>
+              </a:spcBef>
+              <a:spcAft>
+                <a:spcPts val="0"/>
+              </a:spcAft>
+              <a:buClrTx/>
+              <a:buSzTx/>
+              <a:buFontTx/>
+              <a:buNone/>
+              <a:tabLst/>
+              <a:defRPr/>
+            </a:pPr>
+            <a:r>
+              <a:rPr lang="en-US" dirty="0" smtClean="0"/>
+              <a:t>Demonstrate how data can be used to empower teachers and students.</a:t>
+            </a:r>
+          </a:p>
+        </p:txBody>
+      </p:sp>
+      <p:sp>
+        <p:nvSpPr>
+          <p:cNvPr id="4" name="Slide Number Placeholder 3"/>
+          <p:cNvSpPr>
+            <a:spLocks noGrp="1"/>
+          </p:cNvSpPr>
+          <p:nvPr>
+            <p:ph type="sldNum" sz="quarter" idx="10"/>
+          </p:nvPr>
+        </p:nvSpPr>
+        <p:spPr/>
+        <p:txBody>
+          <a:bodyPr/>
+          <a:lstStyle/>
+          <a:p>
+            <a:fld id="{03B05A7B-0B3D-5342-87EA-AE22C601F6D1}" type="slidenum">
+              <a:rPr lang="en-US" smtClean="0"/>
+              <a:t>22</a:t>
+            </a:fld>
+            <a:endParaRPr lang="en-US"/>
+          </a:p>
+        </p:txBody>
+      </p:sp>
+    </p:spTree>
+    <p:extLst>
+      <p:ext uri="{BB962C8B-B14F-4D97-AF65-F5344CB8AC3E}">
+        <p14:creationId xmlns:p14="http://schemas.microsoft.com/office/powerpoint/2010/main" val="1488107643"/>
+      </p:ext>
+    </p:extLst>
+  </p:cSld>
+  <p:clrMapOvr>
+    <a:masterClrMapping/>
+  </p:clrMapOvr>
+</p:notes>
+</file>
+
+<file path=ppt/notesSlides/notesSlide17.xml><?xml version="1.0" encoding="utf-8"?>
+<p:notes xmlns:a="http://schemas.openxmlformats.org/drawingml/2006/main" xmlns:r="http://schemas.openxmlformats.org/officeDocument/2006/relationships" xmlns:p="http://schemas.openxmlformats.org/presentationml/2006/main">
+  <p:cSld>
+    <p:spTree>
+      <p:nvGrpSpPr>
+        <p:cNvPr id="1" name=""/>
+        <p:cNvGrpSpPr/>
+        <p:nvPr/>
+      </p:nvGrpSpPr>
+      <p:grpSpPr>
+        <a:xfrm>
+          <a:off x="0" y="0"/>
+          <a:ext cx="0" cy="0"/>
+          <a:chOff x="0" y="0"/>
+          <a:chExt cx="0" cy="0"/>
+        </a:xfrm>
+      </p:grpSpPr>
+      <p:sp>
+        <p:nvSpPr>
+          <p:cNvPr id="2" name="Slide Image Placeholder 1"/>
+          <p:cNvSpPr>
+            <a:spLocks noGrp="1" noRot="1" noChangeAspect="1"/>
+          </p:cNvSpPr>
+          <p:nvPr>
+            <p:ph type="sldImg"/>
+          </p:nvPr>
+        </p:nvSpPr>
+        <p:spPr/>
+      </p:sp>
+      <p:sp>
+        <p:nvSpPr>
+          <p:cNvPr id="3" name="Notes Placeholder 2"/>
+          <p:cNvSpPr>
+            <a:spLocks noGrp="1"/>
+          </p:cNvSpPr>
+          <p:nvPr>
+            <p:ph type="body" idx="1"/>
+          </p:nvPr>
+        </p:nvSpPr>
+        <p:spPr/>
+        <p:txBody>
+          <a:bodyPr/>
+          <a:lstStyle/>
+          <a:p>
+            <a:pPr marL="0" marR="0" indent="0" algn="l" defTabSz="457200" rtl="0" eaLnBrk="1" fontAlgn="auto" latinLnBrk="0" hangingPunct="1">
+              <a:lnSpc>
+                <a:spcPct val="100000"/>
+              </a:lnSpc>
+              <a:spcBef>
+                <a:spcPts val="0"/>
+              </a:spcBef>
+              <a:spcAft>
+                <a:spcPts val="0"/>
+              </a:spcAft>
+              <a:buClrTx/>
+              <a:buSzTx/>
+              <a:buFontTx/>
+              <a:buNone/>
+              <a:tabLst/>
+              <a:defRPr/>
+            </a:pPr>
+            <a:r>
+              <a:rPr lang="en-US" dirty="0" smtClean="0"/>
+              <a:t>Demonstrate how data can be used to empower teachers and students.</a:t>
+            </a:r>
+          </a:p>
+        </p:txBody>
+      </p:sp>
+      <p:sp>
+        <p:nvSpPr>
+          <p:cNvPr id="4" name="Slide Number Placeholder 3"/>
+          <p:cNvSpPr>
+            <a:spLocks noGrp="1"/>
+          </p:cNvSpPr>
+          <p:nvPr>
+            <p:ph type="sldNum" sz="quarter" idx="10"/>
+          </p:nvPr>
+        </p:nvSpPr>
+        <p:spPr/>
+        <p:txBody>
+          <a:bodyPr/>
+          <a:lstStyle/>
+          <a:p>
+            <a:fld id="{03B05A7B-0B3D-5342-87EA-AE22C601F6D1}" type="slidenum">
+              <a:rPr lang="en-US" smtClean="0"/>
+              <a:t>23</a:t>
+            </a:fld>
+            <a:endParaRPr lang="en-US"/>
+          </a:p>
+        </p:txBody>
+      </p:sp>
+    </p:spTree>
+    <p:extLst>
+      <p:ext uri="{BB962C8B-B14F-4D97-AF65-F5344CB8AC3E}">
+        <p14:creationId xmlns:p14="http://schemas.microsoft.com/office/powerpoint/2010/main" val="1887982718"/>
+      </p:ext>
+    </p:extLst>
+  </p:cSld>
+  <p:clrMapOvr>
+    <a:masterClrMapping/>
+  </p:clrMapOvr>
+</p:notes>
+</file>
+
+<file path=ppt/notesSlides/notesSlide18.xml><?xml version="1.0" encoding="utf-8"?>
+<p:notes xmlns:a="http://schemas.openxmlformats.org/drawingml/2006/main" xmlns:r="http://schemas.openxmlformats.org/officeDocument/2006/relationships" xmlns:p="http://schemas.openxmlformats.org/presentationml/2006/main">
+  <p:cSld>
+    <p:spTree>
+      <p:nvGrpSpPr>
+        <p:cNvPr id="1" name=""/>
+        <p:cNvGrpSpPr/>
+        <p:nvPr/>
+      </p:nvGrpSpPr>
+      <p:grpSpPr>
+        <a:xfrm>
+          <a:off x="0" y="0"/>
+          <a:ext cx="0" cy="0"/>
+          <a:chOff x="0" y="0"/>
+          <a:chExt cx="0" cy="0"/>
+        </a:xfrm>
+      </p:grpSpPr>
+      <p:sp>
+        <p:nvSpPr>
+          <p:cNvPr id="2" name="Slide Image Placeholder 1"/>
+          <p:cNvSpPr>
+            <a:spLocks noGrp="1" noRot="1" noChangeAspect="1"/>
+          </p:cNvSpPr>
+          <p:nvPr>
+            <p:ph type="sldImg"/>
+          </p:nvPr>
+        </p:nvSpPr>
+        <p:spPr/>
+      </p:sp>
+      <p:sp>
+        <p:nvSpPr>
+          <p:cNvPr id="3" name="Notes Placeholder 2"/>
+          <p:cNvSpPr>
+            <a:spLocks noGrp="1"/>
+          </p:cNvSpPr>
+          <p:nvPr>
+            <p:ph type="body" idx="1"/>
+          </p:nvPr>
+        </p:nvSpPr>
+        <p:spPr/>
+        <p:txBody>
+          <a:bodyPr/>
+          <a:lstStyle/>
+          <a:p>
+            <a:pPr marL="0" marR="0" indent="0" algn="l" defTabSz="457200" rtl="0" eaLnBrk="1" fontAlgn="auto" latinLnBrk="0" hangingPunct="1">
+              <a:lnSpc>
+                <a:spcPct val="100000"/>
+              </a:lnSpc>
+              <a:spcBef>
+                <a:spcPts val="0"/>
+              </a:spcBef>
+              <a:spcAft>
+                <a:spcPts val="0"/>
+              </a:spcAft>
+              <a:buClrTx/>
+              <a:buSzTx/>
+              <a:buFontTx/>
+              <a:buNone/>
+              <a:tabLst/>
+              <a:defRPr/>
+            </a:pPr>
+            <a:r>
+              <a:rPr lang="en-US" dirty="0" smtClean="0"/>
+              <a:t>Demonstrate how data can be used to empower teachers and students.</a:t>
+            </a:r>
+          </a:p>
+        </p:txBody>
+      </p:sp>
+      <p:sp>
+        <p:nvSpPr>
+          <p:cNvPr id="4" name="Slide Number Placeholder 3"/>
+          <p:cNvSpPr>
+            <a:spLocks noGrp="1"/>
+          </p:cNvSpPr>
+          <p:nvPr>
+            <p:ph type="sldNum" sz="quarter" idx="10"/>
+          </p:nvPr>
+        </p:nvSpPr>
+        <p:spPr/>
+        <p:txBody>
+          <a:bodyPr/>
+          <a:lstStyle/>
+          <a:p>
+            <a:fld id="{03B05A7B-0B3D-5342-87EA-AE22C601F6D1}" type="slidenum">
+              <a:rPr lang="en-US" smtClean="0"/>
+              <a:t>24</a:t>
+            </a:fld>
+            <a:endParaRPr lang="en-US"/>
+          </a:p>
+        </p:txBody>
+      </p:sp>
+    </p:spTree>
+    <p:extLst>
+      <p:ext uri="{BB962C8B-B14F-4D97-AF65-F5344CB8AC3E}">
+        <p14:creationId xmlns:p14="http://schemas.microsoft.com/office/powerpoint/2010/main" val="1671264492"/>
+      </p:ext>
+    </p:extLst>
+  </p:cSld>
+  <p:clrMapOvr>
+    <a:masterClrMapping/>
+  </p:clrMapOvr>
+</p:notes>
+</file>
+
+<file path=ppt/notesSlides/notesSlide19.xml><?xml version="1.0" encoding="utf-8"?>
+<p:notes xmlns:a="http://schemas.openxmlformats.org/drawingml/2006/main" xmlns:r="http://schemas.openxmlformats.org/officeDocument/2006/relationships" xmlns:p="http://schemas.openxmlformats.org/presentationml/2006/main">
+  <p:cSld>
+    <p:spTree>
+      <p:nvGrpSpPr>
+        <p:cNvPr id="1" name=""/>
+        <p:cNvGrpSpPr/>
+        <p:nvPr/>
+      </p:nvGrpSpPr>
+      <p:grpSpPr>
+        <a:xfrm>
+          <a:off x="0" y="0"/>
+          <a:ext cx="0" cy="0"/>
+          <a:chOff x="0" y="0"/>
+          <a:chExt cx="0" cy="0"/>
+        </a:xfrm>
+      </p:grpSpPr>
+      <p:sp>
+        <p:nvSpPr>
+          <p:cNvPr id="2" name="Slide Image Placeholder 1"/>
+          <p:cNvSpPr>
+            <a:spLocks noGrp="1" noRot="1" noChangeAspect="1"/>
+          </p:cNvSpPr>
+          <p:nvPr>
+            <p:ph type="sldImg"/>
+          </p:nvPr>
+        </p:nvSpPr>
+        <p:spPr/>
+      </p:sp>
+      <p:sp>
+        <p:nvSpPr>
+          <p:cNvPr id="3" name="Notes Placeholder 2"/>
+          <p:cNvSpPr>
+            <a:spLocks noGrp="1"/>
+          </p:cNvSpPr>
+          <p:nvPr>
+            <p:ph type="body" idx="1"/>
+          </p:nvPr>
+        </p:nvSpPr>
+        <p:spPr/>
+        <p:txBody>
+          <a:bodyPr/>
+          <a:lstStyle/>
+          <a:p>
+            <a:pPr marL="0" marR="0" indent="0" algn="l" defTabSz="457200" rtl="0" eaLnBrk="1" fontAlgn="auto" latinLnBrk="0" hangingPunct="1">
+              <a:lnSpc>
+                <a:spcPct val="100000"/>
+              </a:lnSpc>
+              <a:spcBef>
+                <a:spcPts val="0"/>
+              </a:spcBef>
+              <a:spcAft>
+                <a:spcPts val="0"/>
+              </a:spcAft>
+              <a:buClrTx/>
+              <a:buSzTx/>
+              <a:buFontTx/>
+              <a:buNone/>
+              <a:tabLst/>
+              <a:defRPr/>
+            </a:pPr>
+            <a:r>
+              <a:rPr lang="en-US" dirty="0" smtClean="0"/>
+              <a:t>Demonstrate how data can be used to empower teachers and students.</a:t>
+            </a:r>
+          </a:p>
+        </p:txBody>
+      </p:sp>
+      <p:sp>
+        <p:nvSpPr>
+          <p:cNvPr id="4" name="Slide Number Placeholder 3"/>
+          <p:cNvSpPr>
+            <a:spLocks noGrp="1"/>
+          </p:cNvSpPr>
+          <p:nvPr>
+            <p:ph type="sldNum" sz="quarter" idx="10"/>
+          </p:nvPr>
+        </p:nvSpPr>
+        <p:spPr/>
+        <p:txBody>
+          <a:bodyPr/>
+          <a:lstStyle/>
+          <a:p>
+            <a:fld id="{03B05A7B-0B3D-5342-87EA-AE22C601F6D1}" type="slidenum">
+              <a:rPr lang="en-US" smtClean="0"/>
+              <a:t>25</a:t>
+            </a:fld>
+            <a:endParaRPr lang="en-US"/>
+          </a:p>
+        </p:txBody>
+      </p:sp>
+    </p:spTree>
+    <p:extLst>
+      <p:ext uri="{BB962C8B-B14F-4D97-AF65-F5344CB8AC3E}">
+        <p14:creationId xmlns:p14="http://schemas.microsoft.com/office/powerpoint/2010/main" val="1523382056"/>
+      </p:ext>
+    </p:extLst>
+  </p:cSld>
+  <p:clrMapOvr>
+    <a:masterClrMapping/>
+  </p:clrMapOvr>
+</p:notes>
+</file>
+
 <file path=ppt/notesSlides/notesSlide2.xml><?xml version="1.0" encoding="utf-8"?>
 <p:notes xmlns:a="http://schemas.openxmlformats.org/drawingml/2006/main" xmlns:r="http://schemas.openxmlformats.org/officeDocument/2006/relationships" xmlns:p="http://schemas.openxmlformats.org/presentationml/2006/main">
   <p:cSld>
@@ -660,7 +1732,27 @@
           <a:bodyPr/>
           <a:lstStyle/>
           <a:p>
-            <a:endParaRPr lang="en-US" dirty="0"/>
+            <a:pPr marL="0" marR="0" indent="0" algn="l" defTabSz="457200" rtl="0" eaLnBrk="1" fontAlgn="auto" latinLnBrk="0" hangingPunct="1">
+              <a:lnSpc>
+                <a:spcPct val="100000"/>
+              </a:lnSpc>
+              <a:spcBef>
+                <a:spcPts val="0"/>
+              </a:spcBef>
+              <a:spcAft>
+                <a:spcPts val="0"/>
+              </a:spcAft>
+              <a:buClrTx/>
+              <a:buSzTx/>
+              <a:buFontTx/>
+              <a:buNone/>
+              <a:tabLst/>
+              <a:defRPr/>
+            </a:pPr>
+            <a:r>
+              <a:rPr lang="en-US" dirty="0" smtClean="0"/>
+              <a:t>Demonstrate how new types of data can help us to ask new questions and enrich or return to old questions in education</a:t>
+            </a:r>
           </a:p>
         </p:txBody>
       </p:sp>
@@ -681,7 +1773,7 @@
           <a:p>
             <a:fld id="{03B05A7B-0B3D-5342-87EA-AE22C601F6D1}" type="slidenum">
               <a:rPr lang="en-US" smtClean="0"/>
-              <a:t>8</a:t>
+              <a:t>6</a:t>
             </a:fld>
             <a:endParaRPr lang="en-US"/>
           </a:p>
@@ -690,7 +1782,1983 @@
     </p:spTree>
     <p:extLst>
       <p:ext uri="{BB962C8B-B14F-4D97-AF65-F5344CB8AC3E}">
-        <p14:creationId xmlns:p14="http://schemas.microsoft.com/office/powerpoint/2010/main" val="380546825"/>
+        <p14:creationId xmlns:p14="http://schemas.microsoft.com/office/powerpoint/2010/main" val="487409735"/>
+      </p:ext>
+    </p:extLst>
+  </p:cSld>
+  <p:clrMapOvr>
+    <a:masterClrMapping/>
+  </p:clrMapOvr>
+</p:notes>
+</file>
+
+<file path=ppt/notesSlides/notesSlide20.xml><?xml version="1.0" encoding="utf-8"?>
+<p:notes xmlns:a="http://schemas.openxmlformats.org/drawingml/2006/main" xmlns:r="http://schemas.openxmlformats.org/officeDocument/2006/relationships" xmlns:p="http://schemas.openxmlformats.org/presentationml/2006/main">
+  <p:cSld>
+    <p:spTree>
+      <p:nvGrpSpPr>
+        <p:cNvPr id="1" name=""/>
+        <p:cNvGrpSpPr/>
+        <p:nvPr/>
+      </p:nvGrpSpPr>
+      <p:grpSpPr>
+        <a:xfrm>
+          <a:off x="0" y="0"/>
+          <a:ext cx="0" cy="0"/>
+          <a:chOff x="0" y="0"/>
+          <a:chExt cx="0" cy="0"/>
+        </a:xfrm>
+      </p:grpSpPr>
+      <p:sp>
+        <p:nvSpPr>
+          <p:cNvPr id="2" name="Slide Image Placeholder 1"/>
+          <p:cNvSpPr>
+            <a:spLocks noGrp="1" noRot="1" noChangeAspect="1"/>
+          </p:cNvSpPr>
+          <p:nvPr>
+            <p:ph type="sldImg"/>
+          </p:nvPr>
+        </p:nvSpPr>
+        <p:spPr/>
+      </p:sp>
+      <p:sp>
+        <p:nvSpPr>
+          <p:cNvPr id="3" name="Notes Placeholder 2"/>
+          <p:cNvSpPr>
+            <a:spLocks noGrp="1"/>
+          </p:cNvSpPr>
+          <p:nvPr>
+            <p:ph type="body" idx="1"/>
+          </p:nvPr>
+        </p:nvSpPr>
+        <p:spPr/>
+        <p:txBody>
+          <a:bodyPr/>
+          <a:lstStyle/>
+          <a:p>
+            <a:pPr marL="0" marR="0" indent="0" algn="l" defTabSz="457200" rtl="0" eaLnBrk="1" fontAlgn="auto" latinLnBrk="0" hangingPunct="1">
+              <a:lnSpc>
+                <a:spcPct val="100000"/>
+              </a:lnSpc>
+              <a:spcBef>
+                <a:spcPts val="0"/>
+              </a:spcBef>
+              <a:spcAft>
+                <a:spcPts val="0"/>
+              </a:spcAft>
+              <a:buClrTx/>
+              <a:buSzTx/>
+              <a:buFontTx/>
+              <a:buNone/>
+              <a:tabLst/>
+              <a:defRPr/>
+            </a:pPr>
+            <a:r>
+              <a:rPr lang="en-US" dirty="0" smtClean="0"/>
+              <a:t>Demonstrate how data can be used to empower teachers and students.</a:t>
+            </a:r>
+          </a:p>
+        </p:txBody>
+      </p:sp>
+      <p:sp>
+        <p:nvSpPr>
+          <p:cNvPr id="4" name="Slide Number Placeholder 3"/>
+          <p:cNvSpPr>
+            <a:spLocks noGrp="1"/>
+          </p:cNvSpPr>
+          <p:nvPr>
+            <p:ph type="sldNum" sz="quarter" idx="10"/>
+          </p:nvPr>
+        </p:nvSpPr>
+        <p:spPr/>
+        <p:txBody>
+          <a:bodyPr/>
+          <a:lstStyle/>
+          <a:p>
+            <a:fld id="{03B05A7B-0B3D-5342-87EA-AE22C601F6D1}" type="slidenum">
+              <a:rPr lang="en-US" smtClean="0"/>
+              <a:t>27</a:t>
+            </a:fld>
+            <a:endParaRPr lang="en-US"/>
+          </a:p>
+        </p:txBody>
+      </p:sp>
+    </p:spTree>
+    <p:extLst>
+      <p:ext uri="{BB962C8B-B14F-4D97-AF65-F5344CB8AC3E}">
+        <p14:creationId xmlns:p14="http://schemas.microsoft.com/office/powerpoint/2010/main" val="1156161939"/>
+      </p:ext>
+    </p:extLst>
+  </p:cSld>
+  <p:clrMapOvr>
+    <a:masterClrMapping/>
+  </p:clrMapOvr>
+</p:notes>
+</file>
+
+<file path=ppt/notesSlides/notesSlide21.xml><?xml version="1.0" encoding="utf-8"?>
+<p:notes xmlns:a="http://schemas.openxmlformats.org/drawingml/2006/main" xmlns:r="http://schemas.openxmlformats.org/officeDocument/2006/relationships" xmlns:p="http://schemas.openxmlformats.org/presentationml/2006/main">
+  <p:cSld>
+    <p:spTree>
+      <p:nvGrpSpPr>
+        <p:cNvPr id="1" name=""/>
+        <p:cNvGrpSpPr/>
+        <p:nvPr/>
+      </p:nvGrpSpPr>
+      <p:grpSpPr>
+        <a:xfrm>
+          <a:off x="0" y="0"/>
+          <a:ext cx="0" cy="0"/>
+          <a:chOff x="0" y="0"/>
+          <a:chExt cx="0" cy="0"/>
+        </a:xfrm>
+      </p:grpSpPr>
+      <p:sp>
+        <p:nvSpPr>
+          <p:cNvPr id="2" name="Slide Image Placeholder 1"/>
+          <p:cNvSpPr>
+            <a:spLocks noGrp="1" noRot="1" noChangeAspect="1"/>
+          </p:cNvSpPr>
+          <p:nvPr>
+            <p:ph type="sldImg"/>
+          </p:nvPr>
+        </p:nvSpPr>
+        <p:spPr/>
+      </p:sp>
+      <p:sp>
+        <p:nvSpPr>
+          <p:cNvPr id="3" name="Notes Placeholder 2"/>
+          <p:cNvSpPr>
+            <a:spLocks noGrp="1"/>
+          </p:cNvSpPr>
+          <p:nvPr>
+            <p:ph type="body" idx="1"/>
+          </p:nvPr>
+        </p:nvSpPr>
+        <p:spPr/>
+        <p:txBody>
+          <a:bodyPr/>
+          <a:lstStyle/>
+          <a:p>
+            <a:pPr marL="0" marR="0" indent="0" algn="l" defTabSz="457200" rtl="0" eaLnBrk="1" fontAlgn="auto" latinLnBrk="0" hangingPunct="1">
+              <a:lnSpc>
+                <a:spcPct val="100000"/>
+              </a:lnSpc>
+              <a:spcBef>
+                <a:spcPts val="0"/>
+              </a:spcBef>
+              <a:spcAft>
+                <a:spcPts val="0"/>
+              </a:spcAft>
+              <a:buClrTx/>
+              <a:buSzTx/>
+              <a:buFontTx/>
+              <a:buNone/>
+              <a:tabLst/>
+              <a:defRPr/>
+            </a:pPr>
+            <a:r>
+              <a:rPr lang="en-US" dirty="0" smtClean="0"/>
+              <a:t>Demonstrate how data can be used to empower teachers and students.</a:t>
+            </a:r>
+          </a:p>
+        </p:txBody>
+      </p:sp>
+      <p:sp>
+        <p:nvSpPr>
+          <p:cNvPr id="4" name="Slide Number Placeholder 3"/>
+          <p:cNvSpPr>
+            <a:spLocks noGrp="1"/>
+          </p:cNvSpPr>
+          <p:nvPr>
+            <p:ph type="sldNum" sz="quarter" idx="10"/>
+          </p:nvPr>
+        </p:nvSpPr>
+        <p:spPr/>
+        <p:txBody>
+          <a:bodyPr/>
+          <a:lstStyle/>
+          <a:p>
+            <a:fld id="{03B05A7B-0B3D-5342-87EA-AE22C601F6D1}" type="slidenum">
+              <a:rPr lang="en-US" smtClean="0"/>
+              <a:t>28</a:t>
+            </a:fld>
+            <a:endParaRPr lang="en-US"/>
+          </a:p>
+        </p:txBody>
+      </p:sp>
+    </p:spTree>
+    <p:extLst>
+      <p:ext uri="{BB962C8B-B14F-4D97-AF65-F5344CB8AC3E}">
+        <p14:creationId xmlns:p14="http://schemas.microsoft.com/office/powerpoint/2010/main" val="463475055"/>
+      </p:ext>
+    </p:extLst>
+  </p:cSld>
+  <p:clrMapOvr>
+    <a:masterClrMapping/>
+  </p:clrMapOvr>
+</p:notes>
+</file>
+
+<file path=ppt/notesSlides/notesSlide22.xml><?xml version="1.0" encoding="utf-8"?>
+<p:notes xmlns:a="http://schemas.openxmlformats.org/drawingml/2006/main" xmlns:r="http://schemas.openxmlformats.org/officeDocument/2006/relationships" xmlns:p="http://schemas.openxmlformats.org/presentationml/2006/main">
+  <p:cSld>
+    <p:spTree>
+      <p:nvGrpSpPr>
+        <p:cNvPr id="1" name=""/>
+        <p:cNvGrpSpPr/>
+        <p:nvPr/>
+      </p:nvGrpSpPr>
+      <p:grpSpPr>
+        <a:xfrm>
+          <a:off x="0" y="0"/>
+          <a:ext cx="0" cy="0"/>
+          <a:chOff x="0" y="0"/>
+          <a:chExt cx="0" cy="0"/>
+        </a:xfrm>
+      </p:grpSpPr>
+      <p:sp>
+        <p:nvSpPr>
+          <p:cNvPr id="2" name="Slide Image Placeholder 1"/>
+          <p:cNvSpPr>
+            <a:spLocks noGrp="1" noRot="1" noChangeAspect="1"/>
+          </p:cNvSpPr>
+          <p:nvPr>
+            <p:ph type="sldImg"/>
+          </p:nvPr>
+        </p:nvSpPr>
+        <p:spPr/>
+      </p:sp>
+      <p:sp>
+        <p:nvSpPr>
+          <p:cNvPr id="3" name="Notes Placeholder 2"/>
+          <p:cNvSpPr>
+            <a:spLocks noGrp="1"/>
+          </p:cNvSpPr>
+          <p:nvPr>
+            <p:ph type="body" idx="1"/>
+          </p:nvPr>
+        </p:nvSpPr>
+        <p:spPr/>
+        <p:txBody>
+          <a:bodyPr/>
+          <a:lstStyle/>
+          <a:p>
+            <a:pPr marL="0" marR="0" indent="0" algn="l" defTabSz="457200" rtl="0" eaLnBrk="1" fontAlgn="auto" latinLnBrk="0" hangingPunct="1">
+              <a:lnSpc>
+                <a:spcPct val="100000"/>
+              </a:lnSpc>
+              <a:spcBef>
+                <a:spcPts val="0"/>
+              </a:spcBef>
+              <a:spcAft>
+                <a:spcPts val="0"/>
+              </a:spcAft>
+              <a:buClrTx/>
+              <a:buSzTx/>
+              <a:buFontTx/>
+              <a:buNone/>
+              <a:tabLst/>
+              <a:defRPr/>
+            </a:pPr>
+            <a:r>
+              <a:rPr lang="en-US" dirty="0" smtClean="0"/>
+              <a:t>Demonstrate how data can be used to empower teachers and students.</a:t>
+            </a:r>
+          </a:p>
+        </p:txBody>
+      </p:sp>
+      <p:sp>
+        <p:nvSpPr>
+          <p:cNvPr id="4" name="Slide Number Placeholder 3"/>
+          <p:cNvSpPr>
+            <a:spLocks noGrp="1"/>
+          </p:cNvSpPr>
+          <p:nvPr>
+            <p:ph type="sldNum" sz="quarter" idx="10"/>
+          </p:nvPr>
+        </p:nvSpPr>
+        <p:spPr/>
+        <p:txBody>
+          <a:bodyPr/>
+          <a:lstStyle/>
+          <a:p>
+            <a:fld id="{03B05A7B-0B3D-5342-87EA-AE22C601F6D1}" type="slidenum">
+              <a:rPr lang="en-US" smtClean="0"/>
+              <a:t>29</a:t>
+            </a:fld>
+            <a:endParaRPr lang="en-US"/>
+          </a:p>
+        </p:txBody>
+      </p:sp>
+    </p:spTree>
+    <p:extLst>
+      <p:ext uri="{BB962C8B-B14F-4D97-AF65-F5344CB8AC3E}">
+        <p14:creationId xmlns:p14="http://schemas.microsoft.com/office/powerpoint/2010/main" val="152479436"/>
+      </p:ext>
+    </p:extLst>
+  </p:cSld>
+  <p:clrMapOvr>
+    <a:masterClrMapping/>
+  </p:clrMapOvr>
+</p:notes>
+</file>
+
+<file path=ppt/notesSlides/notesSlide23.xml><?xml version="1.0" encoding="utf-8"?>
+<p:notes xmlns:a="http://schemas.openxmlformats.org/drawingml/2006/main" xmlns:r="http://schemas.openxmlformats.org/officeDocument/2006/relationships" xmlns:p="http://schemas.openxmlformats.org/presentationml/2006/main">
+  <p:cSld>
+    <p:spTree>
+      <p:nvGrpSpPr>
+        <p:cNvPr id="1" name=""/>
+        <p:cNvGrpSpPr/>
+        <p:nvPr/>
+      </p:nvGrpSpPr>
+      <p:grpSpPr>
+        <a:xfrm>
+          <a:off x="0" y="0"/>
+          <a:ext cx="0" cy="0"/>
+          <a:chOff x="0" y="0"/>
+          <a:chExt cx="0" cy="0"/>
+        </a:xfrm>
+      </p:grpSpPr>
+      <p:sp>
+        <p:nvSpPr>
+          <p:cNvPr id="2" name="Slide Image Placeholder 1"/>
+          <p:cNvSpPr>
+            <a:spLocks noGrp="1" noRot="1" noChangeAspect="1"/>
+          </p:cNvSpPr>
+          <p:nvPr>
+            <p:ph type="sldImg"/>
+          </p:nvPr>
+        </p:nvSpPr>
+        <p:spPr/>
+      </p:sp>
+      <p:sp>
+        <p:nvSpPr>
+          <p:cNvPr id="3" name="Notes Placeholder 2"/>
+          <p:cNvSpPr>
+            <a:spLocks noGrp="1"/>
+          </p:cNvSpPr>
+          <p:nvPr>
+            <p:ph type="body" idx="1"/>
+          </p:nvPr>
+        </p:nvSpPr>
+        <p:spPr/>
+        <p:txBody>
+          <a:bodyPr/>
+          <a:lstStyle/>
+          <a:p>
+            <a:pPr marL="0" marR="0" indent="0" algn="l" defTabSz="457200" rtl="0" eaLnBrk="1" fontAlgn="auto" latinLnBrk="0" hangingPunct="1">
+              <a:lnSpc>
+                <a:spcPct val="100000"/>
+              </a:lnSpc>
+              <a:spcBef>
+                <a:spcPts val="0"/>
+              </a:spcBef>
+              <a:spcAft>
+                <a:spcPts val="0"/>
+              </a:spcAft>
+              <a:buClrTx/>
+              <a:buSzTx/>
+              <a:buFontTx/>
+              <a:buNone/>
+              <a:tabLst/>
+              <a:defRPr/>
+            </a:pPr>
+            <a:r>
+              <a:rPr lang="en-US" dirty="0" smtClean="0"/>
+              <a:t>Demonstrate how data can be used to empower teachers and students.</a:t>
+            </a:r>
+          </a:p>
+        </p:txBody>
+      </p:sp>
+      <p:sp>
+        <p:nvSpPr>
+          <p:cNvPr id="4" name="Slide Number Placeholder 3"/>
+          <p:cNvSpPr>
+            <a:spLocks noGrp="1"/>
+          </p:cNvSpPr>
+          <p:nvPr>
+            <p:ph type="sldNum" sz="quarter" idx="10"/>
+          </p:nvPr>
+        </p:nvSpPr>
+        <p:spPr/>
+        <p:txBody>
+          <a:bodyPr/>
+          <a:lstStyle/>
+          <a:p>
+            <a:fld id="{03B05A7B-0B3D-5342-87EA-AE22C601F6D1}" type="slidenum">
+              <a:rPr lang="en-US" smtClean="0"/>
+              <a:t>30</a:t>
+            </a:fld>
+            <a:endParaRPr lang="en-US"/>
+          </a:p>
+        </p:txBody>
+      </p:sp>
+    </p:spTree>
+    <p:extLst>
+      <p:ext uri="{BB962C8B-B14F-4D97-AF65-F5344CB8AC3E}">
+        <p14:creationId xmlns:p14="http://schemas.microsoft.com/office/powerpoint/2010/main" val="2059924379"/>
+      </p:ext>
+    </p:extLst>
+  </p:cSld>
+  <p:clrMapOvr>
+    <a:masterClrMapping/>
+  </p:clrMapOvr>
+</p:notes>
+</file>
+
+<file path=ppt/notesSlides/notesSlide24.xml><?xml version="1.0" encoding="utf-8"?>
+<p:notes xmlns:a="http://schemas.openxmlformats.org/drawingml/2006/main" xmlns:r="http://schemas.openxmlformats.org/officeDocument/2006/relationships" xmlns:p="http://schemas.openxmlformats.org/presentationml/2006/main">
+  <p:cSld>
+    <p:spTree>
+      <p:nvGrpSpPr>
+        <p:cNvPr id="1" name=""/>
+        <p:cNvGrpSpPr/>
+        <p:nvPr/>
+      </p:nvGrpSpPr>
+      <p:grpSpPr>
+        <a:xfrm>
+          <a:off x="0" y="0"/>
+          <a:ext cx="0" cy="0"/>
+          <a:chOff x="0" y="0"/>
+          <a:chExt cx="0" cy="0"/>
+        </a:xfrm>
+      </p:grpSpPr>
+      <p:sp>
+        <p:nvSpPr>
+          <p:cNvPr id="2" name="Slide Image Placeholder 1"/>
+          <p:cNvSpPr>
+            <a:spLocks noGrp="1" noRot="1" noChangeAspect="1"/>
+          </p:cNvSpPr>
+          <p:nvPr>
+            <p:ph type="sldImg"/>
+          </p:nvPr>
+        </p:nvSpPr>
+        <p:spPr/>
+      </p:sp>
+      <p:sp>
+        <p:nvSpPr>
+          <p:cNvPr id="3" name="Notes Placeholder 2"/>
+          <p:cNvSpPr>
+            <a:spLocks noGrp="1"/>
+          </p:cNvSpPr>
+          <p:nvPr>
+            <p:ph type="body" idx="1"/>
+          </p:nvPr>
+        </p:nvSpPr>
+        <p:spPr/>
+        <p:txBody>
+          <a:bodyPr/>
+          <a:lstStyle/>
+          <a:p>
+            <a:pPr marL="0" marR="0" indent="0" algn="l" defTabSz="457200" rtl="0" eaLnBrk="1" fontAlgn="auto" latinLnBrk="0" hangingPunct="1">
+              <a:lnSpc>
+                <a:spcPct val="100000"/>
+              </a:lnSpc>
+              <a:spcBef>
+                <a:spcPts val="0"/>
+              </a:spcBef>
+              <a:spcAft>
+                <a:spcPts val="0"/>
+              </a:spcAft>
+              <a:buClrTx/>
+              <a:buSzTx/>
+              <a:buFontTx/>
+              <a:buNone/>
+              <a:tabLst/>
+              <a:defRPr/>
+            </a:pPr>
+            <a:r>
+              <a:rPr lang="en-US" dirty="0" smtClean="0"/>
+              <a:t>Demonstrate how data can be used to empower teachers and students.</a:t>
+            </a:r>
+          </a:p>
+        </p:txBody>
+      </p:sp>
+      <p:sp>
+        <p:nvSpPr>
+          <p:cNvPr id="4" name="Slide Number Placeholder 3"/>
+          <p:cNvSpPr>
+            <a:spLocks noGrp="1"/>
+          </p:cNvSpPr>
+          <p:nvPr>
+            <p:ph type="sldNum" sz="quarter" idx="10"/>
+          </p:nvPr>
+        </p:nvSpPr>
+        <p:spPr/>
+        <p:txBody>
+          <a:bodyPr/>
+          <a:lstStyle/>
+          <a:p>
+            <a:fld id="{03B05A7B-0B3D-5342-87EA-AE22C601F6D1}" type="slidenum">
+              <a:rPr lang="en-US" smtClean="0"/>
+              <a:t>31</a:t>
+            </a:fld>
+            <a:endParaRPr lang="en-US"/>
+          </a:p>
+        </p:txBody>
+      </p:sp>
+    </p:spTree>
+    <p:extLst>
+      <p:ext uri="{BB962C8B-B14F-4D97-AF65-F5344CB8AC3E}">
+        <p14:creationId xmlns:p14="http://schemas.microsoft.com/office/powerpoint/2010/main" val="1301942209"/>
+      </p:ext>
+    </p:extLst>
+  </p:cSld>
+  <p:clrMapOvr>
+    <a:masterClrMapping/>
+  </p:clrMapOvr>
+</p:notes>
+</file>
+
+<file path=ppt/notesSlides/notesSlide25.xml><?xml version="1.0" encoding="utf-8"?>
+<p:notes xmlns:a="http://schemas.openxmlformats.org/drawingml/2006/main" xmlns:r="http://schemas.openxmlformats.org/officeDocument/2006/relationships" xmlns:p="http://schemas.openxmlformats.org/presentationml/2006/main">
+  <p:cSld>
+    <p:spTree>
+      <p:nvGrpSpPr>
+        <p:cNvPr id="1" name=""/>
+        <p:cNvGrpSpPr/>
+        <p:nvPr/>
+      </p:nvGrpSpPr>
+      <p:grpSpPr>
+        <a:xfrm>
+          <a:off x="0" y="0"/>
+          <a:ext cx="0" cy="0"/>
+          <a:chOff x="0" y="0"/>
+          <a:chExt cx="0" cy="0"/>
+        </a:xfrm>
+      </p:grpSpPr>
+      <p:sp>
+        <p:nvSpPr>
+          <p:cNvPr id="2" name="Slide Image Placeholder 1"/>
+          <p:cNvSpPr>
+            <a:spLocks noGrp="1" noRot="1" noChangeAspect="1"/>
+          </p:cNvSpPr>
+          <p:nvPr>
+            <p:ph type="sldImg"/>
+          </p:nvPr>
+        </p:nvSpPr>
+        <p:spPr/>
+      </p:sp>
+      <p:sp>
+        <p:nvSpPr>
+          <p:cNvPr id="3" name="Notes Placeholder 2"/>
+          <p:cNvSpPr>
+            <a:spLocks noGrp="1"/>
+          </p:cNvSpPr>
+          <p:nvPr>
+            <p:ph type="body" idx="1"/>
+          </p:nvPr>
+        </p:nvSpPr>
+        <p:spPr/>
+        <p:txBody>
+          <a:bodyPr/>
+          <a:lstStyle/>
+          <a:p>
+            <a:pPr marL="0" marR="0" indent="0" algn="l" defTabSz="457200" rtl="0" eaLnBrk="1" fontAlgn="auto" latinLnBrk="0" hangingPunct="1">
+              <a:lnSpc>
+                <a:spcPct val="100000"/>
+              </a:lnSpc>
+              <a:spcBef>
+                <a:spcPts val="0"/>
+              </a:spcBef>
+              <a:spcAft>
+                <a:spcPts val="0"/>
+              </a:spcAft>
+              <a:buClrTx/>
+              <a:buSzTx/>
+              <a:buFontTx/>
+              <a:buNone/>
+              <a:tabLst/>
+              <a:defRPr/>
+            </a:pPr>
+            <a:r>
+              <a:rPr lang="en-US" dirty="0" smtClean="0"/>
+              <a:t>Demonstrate how data can be used to empower teachers and students.</a:t>
+            </a:r>
+          </a:p>
+        </p:txBody>
+      </p:sp>
+      <p:sp>
+        <p:nvSpPr>
+          <p:cNvPr id="4" name="Slide Number Placeholder 3"/>
+          <p:cNvSpPr>
+            <a:spLocks noGrp="1"/>
+          </p:cNvSpPr>
+          <p:nvPr>
+            <p:ph type="sldNum" sz="quarter" idx="10"/>
+          </p:nvPr>
+        </p:nvSpPr>
+        <p:spPr/>
+        <p:txBody>
+          <a:bodyPr/>
+          <a:lstStyle/>
+          <a:p>
+            <a:fld id="{03B05A7B-0B3D-5342-87EA-AE22C601F6D1}" type="slidenum">
+              <a:rPr lang="en-US" smtClean="0"/>
+              <a:t>32</a:t>
+            </a:fld>
+            <a:endParaRPr lang="en-US"/>
+          </a:p>
+        </p:txBody>
+      </p:sp>
+    </p:spTree>
+    <p:extLst>
+      <p:ext uri="{BB962C8B-B14F-4D97-AF65-F5344CB8AC3E}">
+        <p14:creationId xmlns:p14="http://schemas.microsoft.com/office/powerpoint/2010/main" val="196921539"/>
+      </p:ext>
+    </p:extLst>
+  </p:cSld>
+  <p:clrMapOvr>
+    <a:masterClrMapping/>
+  </p:clrMapOvr>
+</p:notes>
+</file>
+
+<file path=ppt/notesSlides/notesSlide26.xml><?xml version="1.0" encoding="utf-8"?>
+<p:notes xmlns:a="http://schemas.openxmlformats.org/drawingml/2006/main" xmlns:r="http://schemas.openxmlformats.org/officeDocument/2006/relationships" xmlns:p="http://schemas.openxmlformats.org/presentationml/2006/main">
+  <p:cSld>
+    <p:spTree>
+      <p:nvGrpSpPr>
+        <p:cNvPr id="1" name=""/>
+        <p:cNvGrpSpPr/>
+        <p:nvPr/>
+      </p:nvGrpSpPr>
+      <p:grpSpPr>
+        <a:xfrm>
+          <a:off x="0" y="0"/>
+          <a:ext cx="0" cy="0"/>
+          <a:chOff x="0" y="0"/>
+          <a:chExt cx="0" cy="0"/>
+        </a:xfrm>
+      </p:grpSpPr>
+      <p:sp>
+        <p:nvSpPr>
+          <p:cNvPr id="2" name="Slide Image Placeholder 1"/>
+          <p:cNvSpPr>
+            <a:spLocks noGrp="1" noRot="1" noChangeAspect="1"/>
+          </p:cNvSpPr>
+          <p:nvPr>
+            <p:ph type="sldImg"/>
+          </p:nvPr>
+        </p:nvSpPr>
+        <p:spPr/>
+      </p:sp>
+      <p:sp>
+        <p:nvSpPr>
+          <p:cNvPr id="3" name="Notes Placeholder 2"/>
+          <p:cNvSpPr>
+            <a:spLocks noGrp="1"/>
+          </p:cNvSpPr>
+          <p:nvPr>
+            <p:ph type="body" idx="1"/>
+          </p:nvPr>
+        </p:nvSpPr>
+        <p:spPr/>
+        <p:txBody>
+          <a:bodyPr/>
+          <a:lstStyle/>
+          <a:p>
+            <a:pPr marL="0" marR="0" indent="0" algn="l" defTabSz="457200" rtl="0" eaLnBrk="1" fontAlgn="auto" latinLnBrk="0" hangingPunct="1">
+              <a:lnSpc>
+                <a:spcPct val="100000"/>
+              </a:lnSpc>
+              <a:spcBef>
+                <a:spcPts val="0"/>
+              </a:spcBef>
+              <a:spcAft>
+                <a:spcPts val="0"/>
+              </a:spcAft>
+              <a:buClrTx/>
+              <a:buSzTx/>
+              <a:buFontTx/>
+              <a:buNone/>
+              <a:tabLst/>
+              <a:defRPr/>
+            </a:pPr>
+            <a:r>
+              <a:rPr lang="en-US" dirty="0" smtClean="0"/>
+              <a:t>Demonstrate how data can be used to empower teachers and students.</a:t>
+            </a:r>
+          </a:p>
+        </p:txBody>
+      </p:sp>
+      <p:sp>
+        <p:nvSpPr>
+          <p:cNvPr id="4" name="Slide Number Placeholder 3"/>
+          <p:cNvSpPr>
+            <a:spLocks noGrp="1"/>
+          </p:cNvSpPr>
+          <p:nvPr>
+            <p:ph type="sldNum" sz="quarter" idx="10"/>
+          </p:nvPr>
+        </p:nvSpPr>
+        <p:spPr/>
+        <p:txBody>
+          <a:bodyPr/>
+          <a:lstStyle/>
+          <a:p>
+            <a:fld id="{03B05A7B-0B3D-5342-87EA-AE22C601F6D1}" type="slidenum">
+              <a:rPr lang="en-US" smtClean="0"/>
+              <a:t>33</a:t>
+            </a:fld>
+            <a:endParaRPr lang="en-US"/>
+          </a:p>
+        </p:txBody>
+      </p:sp>
+    </p:spTree>
+    <p:extLst>
+      <p:ext uri="{BB962C8B-B14F-4D97-AF65-F5344CB8AC3E}">
+        <p14:creationId xmlns:p14="http://schemas.microsoft.com/office/powerpoint/2010/main" val="992326135"/>
+      </p:ext>
+    </p:extLst>
+  </p:cSld>
+  <p:clrMapOvr>
+    <a:masterClrMapping/>
+  </p:clrMapOvr>
+</p:notes>
+</file>
+
+<file path=ppt/notesSlides/notesSlide27.xml><?xml version="1.0" encoding="utf-8"?>
+<p:notes xmlns:a="http://schemas.openxmlformats.org/drawingml/2006/main" xmlns:r="http://schemas.openxmlformats.org/officeDocument/2006/relationships" xmlns:p="http://schemas.openxmlformats.org/presentationml/2006/main">
+  <p:cSld>
+    <p:spTree>
+      <p:nvGrpSpPr>
+        <p:cNvPr id="1" name=""/>
+        <p:cNvGrpSpPr/>
+        <p:nvPr/>
+      </p:nvGrpSpPr>
+      <p:grpSpPr>
+        <a:xfrm>
+          <a:off x="0" y="0"/>
+          <a:ext cx="0" cy="0"/>
+          <a:chOff x="0" y="0"/>
+          <a:chExt cx="0" cy="0"/>
+        </a:xfrm>
+      </p:grpSpPr>
+      <p:sp>
+        <p:nvSpPr>
+          <p:cNvPr id="2" name="Slide Image Placeholder 1"/>
+          <p:cNvSpPr>
+            <a:spLocks noGrp="1" noRot="1" noChangeAspect="1"/>
+          </p:cNvSpPr>
+          <p:nvPr>
+            <p:ph type="sldImg"/>
+          </p:nvPr>
+        </p:nvSpPr>
+        <p:spPr/>
+      </p:sp>
+      <p:sp>
+        <p:nvSpPr>
+          <p:cNvPr id="3" name="Notes Placeholder 2"/>
+          <p:cNvSpPr>
+            <a:spLocks noGrp="1"/>
+          </p:cNvSpPr>
+          <p:nvPr>
+            <p:ph type="body" idx="1"/>
+          </p:nvPr>
+        </p:nvSpPr>
+        <p:spPr/>
+        <p:txBody>
+          <a:bodyPr/>
+          <a:lstStyle/>
+          <a:p>
+            <a:pPr marL="0" marR="0" indent="0" algn="l" defTabSz="457200" rtl="0" eaLnBrk="1" fontAlgn="auto" latinLnBrk="0" hangingPunct="1">
+              <a:lnSpc>
+                <a:spcPct val="100000"/>
+              </a:lnSpc>
+              <a:spcBef>
+                <a:spcPts val="0"/>
+              </a:spcBef>
+              <a:spcAft>
+                <a:spcPts val="0"/>
+              </a:spcAft>
+              <a:buClrTx/>
+              <a:buSzTx/>
+              <a:buFontTx/>
+              <a:buNone/>
+              <a:tabLst/>
+              <a:defRPr/>
+            </a:pPr>
+            <a:r>
+              <a:rPr lang="en-US" dirty="0" smtClean="0"/>
+              <a:t>Demonstrate how data can be used to empower teachers and students.</a:t>
+            </a:r>
+          </a:p>
+        </p:txBody>
+      </p:sp>
+      <p:sp>
+        <p:nvSpPr>
+          <p:cNvPr id="4" name="Slide Number Placeholder 3"/>
+          <p:cNvSpPr>
+            <a:spLocks noGrp="1"/>
+          </p:cNvSpPr>
+          <p:nvPr>
+            <p:ph type="sldNum" sz="quarter" idx="10"/>
+          </p:nvPr>
+        </p:nvSpPr>
+        <p:spPr/>
+        <p:txBody>
+          <a:bodyPr/>
+          <a:lstStyle/>
+          <a:p>
+            <a:fld id="{03B05A7B-0B3D-5342-87EA-AE22C601F6D1}" type="slidenum">
+              <a:rPr lang="en-US" smtClean="0"/>
+              <a:t>34</a:t>
+            </a:fld>
+            <a:endParaRPr lang="en-US"/>
+          </a:p>
+        </p:txBody>
+      </p:sp>
+    </p:spTree>
+    <p:extLst>
+      <p:ext uri="{BB962C8B-B14F-4D97-AF65-F5344CB8AC3E}">
+        <p14:creationId xmlns:p14="http://schemas.microsoft.com/office/powerpoint/2010/main" val="1982635933"/>
+      </p:ext>
+    </p:extLst>
+  </p:cSld>
+  <p:clrMapOvr>
+    <a:masterClrMapping/>
+  </p:clrMapOvr>
+</p:notes>
+</file>
+
+<file path=ppt/notesSlides/notesSlide28.xml><?xml version="1.0" encoding="utf-8"?>
+<p:notes xmlns:a="http://schemas.openxmlformats.org/drawingml/2006/main" xmlns:r="http://schemas.openxmlformats.org/officeDocument/2006/relationships" xmlns:p="http://schemas.openxmlformats.org/presentationml/2006/main">
+  <p:cSld>
+    <p:spTree>
+      <p:nvGrpSpPr>
+        <p:cNvPr id="1" name=""/>
+        <p:cNvGrpSpPr/>
+        <p:nvPr/>
+      </p:nvGrpSpPr>
+      <p:grpSpPr>
+        <a:xfrm>
+          <a:off x="0" y="0"/>
+          <a:ext cx="0" cy="0"/>
+          <a:chOff x="0" y="0"/>
+          <a:chExt cx="0" cy="0"/>
+        </a:xfrm>
+      </p:grpSpPr>
+      <p:sp>
+        <p:nvSpPr>
+          <p:cNvPr id="2" name="Slide Image Placeholder 1"/>
+          <p:cNvSpPr>
+            <a:spLocks noGrp="1" noRot="1" noChangeAspect="1"/>
+          </p:cNvSpPr>
+          <p:nvPr>
+            <p:ph type="sldImg"/>
+          </p:nvPr>
+        </p:nvSpPr>
+        <p:spPr/>
+      </p:sp>
+      <p:sp>
+        <p:nvSpPr>
+          <p:cNvPr id="3" name="Notes Placeholder 2"/>
+          <p:cNvSpPr>
+            <a:spLocks noGrp="1"/>
+          </p:cNvSpPr>
+          <p:nvPr>
+            <p:ph type="body" idx="1"/>
+          </p:nvPr>
+        </p:nvSpPr>
+        <p:spPr/>
+        <p:txBody>
+          <a:bodyPr/>
+          <a:lstStyle/>
+          <a:p>
+            <a:pPr marL="0" marR="0" indent="0" algn="l" defTabSz="457200" rtl="0" eaLnBrk="1" fontAlgn="auto" latinLnBrk="0" hangingPunct="1">
+              <a:lnSpc>
+                <a:spcPct val="100000"/>
+              </a:lnSpc>
+              <a:spcBef>
+                <a:spcPts val="0"/>
+              </a:spcBef>
+              <a:spcAft>
+                <a:spcPts val="0"/>
+              </a:spcAft>
+              <a:buClrTx/>
+              <a:buSzTx/>
+              <a:buFontTx/>
+              <a:buNone/>
+              <a:tabLst/>
+              <a:defRPr/>
+            </a:pPr>
+            <a:r>
+              <a:rPr lang="en-US" dirty="0" smtClean="0"/>
+              <a:t>Demonstrate how data can be used to empower teachers and students.</a:t>
+            </a:r>
+          </a:p>
+        </p:txBody>
+      </p:sp>
+      <p:sp>
+        <p:nvSpPr>
+          <p:cNvPr id="4" name="Slide Number Placeholder 3"/>
+          <p:cNvSpPr>
+            <a:spLocks noGrp="1"/>
+          </p:cNvSpPr>
+          <p:nvPr>
+            <p:ph type="sldNum" sz="quarter" idx="10"/>
+          </p:nvPr>
+        </p:nvSpPr>
+        <p:spPr/>
+        <p:txBody>
+          <a:bodyPr/>
+          <a:lstStyle/>
+          <a:p>
+            <a:fld id="{03B05A7B-0B3D-5342-87EA-AE22C601F6D1}" type="slidenum">
+              <a:rPr lang="en-US" smtClean="0"/>
+              <a:t>36</a:t>
+            </a:fld>
+            <a:endParaRPr lang="en-US"/>
+          </a:p>
+        </p:txBody>
+      </p:sp>
+    </p:spTree>
+    <p:extLst>
+      <p:ext uri="{BB962C8B-B14F-4D97-AF65-F5344CB8AC3E}">
+        <p14:creationId xmlns:p14="http://schemas.microsoft.com/office/powerpoint/2010/main" val="1679850299"/>
+      </p:ext>
+    </p:extLst>
+  </p:cSld>
+  <p:clrMapOvr>
+    <a:masterClrMapping/>
+  </p:clrMapOvr>
+</p:notes>
+</file>
+
+<file path=ppt/notesSlides/notesSlide29.xml><?xml version="1.0" encoding="utf-8"?>
+<p:notes xmlns:a="http://schemas.openxmlformats.org/drawingml/2006/main" xmlns:r="http://schemas.openxmlformats.org/officeDocument/2006/relationships" xmlns:p="http://schemas.openxmlformats.org/presentationml/2006/main">
+  <p:cSld>
+    <p:spTree>
+      <p:nvGrpSpPr>
+        <p:cNvPr id="1" name=""/>
+        <p:cNvGrpSpPr/>
+        <p:nvPr/>
+      </p:nvGrpSpPr>
+      <p:grpSpPr>
+        <a:xfrm>
+          <a:off x="0" y="0"/>
+          <a:ext cx="0" cy="0"/>
+          <a:chOff x="0" y="0"/>
+          <a:chExt cx="0" cy="0"/>
+        </a:xfrm>
+      </p:grpSpPr>
+      <p:sp>
+        <p:nvSpPr>
+          <p:cNvPr id="2" name="Slide Image Placeholder 1"/>
+          <p:cNvSpPr>
+            <a:spLocks noGrp="1" noRot="1" noChangeAspect="1"/>
+          </p:cNvSpPr>
+          <p:nvPr>
+            <p:ph type="sldImg"/>
+          </p:nvPr>
+        </p:nvSpPr>
+        <p:spPr/>
+      </p:sp>
+      <p:sp>
+        <p:nvSpPr>
+          <p:cNvPr id="3" name="Notes Placeholder 2"/>
+          <p:cNvSpPr>
+            <a:spLocks noGrp="1"/>
+          </p:cNvSpPr>
+          <p:nvPr>
+            <p:ph type="body" idx="1"/>
+          </p:nvPr>
+        </p:nvSpPr>
+        <p:spPr/>
+        <p:txBody>
+          <a:bodyPr/>
+          <a:lstStyle/>
+          <a:p>
+            <a:pPr marL="0" marR="0" indent="0" algn="l" defTabSz="457200" rtl="0" eaLnBrk="1" fontAlgn="auto" latinLnBrk="0" hangingPunct="1">
+              <a:lnSpc>
+                <a:spcPct val="100000"/>
+              </a:lnSpc>
+              <a:spcBef>
+                <a:spcPts val="0"/>
+              </a:spcBef>
+              <a:spcAft>
+                <a:spcPts val="0"/>
+              </a:spcAft>
+              <a:buClrTx/>
+              <a:buSzTx/>
+              <a:buFontTx/>
+              <a:buNone/>
+              <a:tabLst/>
+              <a:defRPr/>
+            </a:pPr>
+            <a:r>
+              <a:rPr lang="en-US" dirty="0" smtClean="0"/>
+              <a:t>Demonstrate how data can be used to empower teachers and students.</a:t>
+            </a:r>
+          </a:p>
+        </p:txBody>
+      </p:sp>
+      <p:sp>
+        <p:nvSpPr>
+          <p:cNvPr id="4" name="Slide Number Placeholder 3"/>
+          <p:cNvSpPr>
+            <a:spLocks noGrp="1"/>
+          </p:cNvSpPr>
+          <p:nvPr>
+            <p:ph type="sldNum" sz="quarter" idx="10"/>
+          </p:nvPr>
+        </p:nvSpPr>
+        <p:spPr/>
+        <p:txBody>
+          <a:bodyPr/>
+          <a:lstStyle/>
+          <a:p>
+            <a:fld id="{03B05A7B-0B3D-5342-87EA-AE22C601F6D1}" type="slidenum">
+              <a:rPr lang="en-US" smtClean="0"/>
+              <a:t>38</a:t>
+            </a:fld>
+            <a:endParaRPr lang="en-US"/>
+          </a:p>
+        </p:txBody>
+      </p:sp>
+    </p:spTree>
+    <p:extLst>
+      <p:ext uri="{BB962C8B-B14F-4D97-AF65-F5344CB8AC3E}">
+        <p14:creationId xmlns:p14="http://schemas.microsoft.com/office/powerpoint/2010/main" val="486664810"/>
+      </p:ext>
+    </p:extLst>
+  </p:cSld>
+  <p:clrMapOvr>
+    <a:masterClrMapping/>
+  </p:clrMapOvr>
+</p:notes>
+</file>
+
+<file path=ppt/notesSlides/notesSlide3.xml><?xml version="1.0" encoding="utf-8"?>
+<p:notes xmlns:a="http://schemas.openxmlformats.org/drawingml/2006/main" xmlns:r="http://schemas.openxmlformats.org/officeDocument/2006/relationships" xmlns:p="http://schemas.openxmlformats.org/presentationml/2006/main">
+  <p:cSld>
+    <p:spTree>
+      <p:nvGrpSpPr>
+        <p:cNvPr id="1" name=""/>
+        <p:cNvGrpSpPr/>
+        <p:nvPr/>
+      </p:nvGrpSpPr>
+      <p:grpSpPr>
+        <a:xfrm>
+          <a:off x="0" y="0"/>
+          <a:ext cx="0" cy="0"/>
+          <a:chOff x="0" y="0"/>
+          <a:chExt cx="0" cy="0"/>
+        </a:xfrm>
+      </p:grpSpPr>
+      <p:sp>
+        <p:nvSpPr>
+          <p:cNvPr id="2" name="Slide Image Placeholder 1"/>
+          <p:cNvSpPr>
+            <a:spLocks noGrp="1" noRot="1" noChangeAspect="1"/>
+          </p:cNvSpPr>
+          <p:nvPr>
+            <p:ph type="sldImg"/>
+          </p:nvPr>
+        </p:nvSpPr>
+        <p:spPr/>
+      </p:sp>
+      <p:sp>
+        <p:nvSpPr>
+          <p:cNvPr id="3" name="Notes Placeholder 2"/>
+          <p:cNvSpPr>
+            <a:spLocks noGrp="1"/>
+          </p:cNvSpPr>
+          <p:nvPr>
+            <p:ph type="body" idx="1"/>
+          </p:nvPr>
+        </p:nvSpPr>
+        <p:spPr/>
+        <p:txBody>
+          <a:bodyPr/>
+          <a:lstStyle/>
+          <a:p>
+            <a:pPr marL="0" marR="0" indent="0" algn="l" defTabSz="457200" rtl="0" eaLnBrk="1" fontAlgn="auto" latinLnBrk="0" hangingPunct="1">
+              <a:lnSpc>
+                <a:spcPct val="100000"/>
+              </a:lnSpc>
+              <a:spcBef>
+                <a:spcPts val="0"/>
+              </a:spcBef>
+              <a:spcAft>
+                <a:spcPts val="0"/>
+              </a:spcAft>
+              <a:buClrTx/>
+              <a:buSzTx/>
+              <a:buFontTx/>
+              <a:buNone/>
+              <a:tabLst/>
+              <a:defRPr/>
+            </a:pPr>
+            <a:r>
+              <a:rPr lang="en-US" dirty="0" smtClean="0"/>
+              <a:t>Demonstrate how data can be used to empower teachers and students.</a:t>
+            </a:r>
+          </a:p>
+        </p:txBody>
+      </p:sp>
+      <p:sp>
+        <p:nvSpPr>
+          <p:cNvPr id="4" name="Slide Number Placeholder 3"/>
+          <p:cNvSpPr>
+            <a:spLocks noGrp="1"/>
+          </p:cNvSpPr>
+          <p:nvPr>
+            <p:ph type="sldNum" sz="quarter" idx="10"/>
+          </p:nvPr>
+        </p:nvSpPr>
+        <p:spPr/>
+        <p:txBody>
+          <a:bodyPr/>
+          <a:lstStyle/>
+          <a:p>
+            <a:fld id="{03B05A7B-0B3D-5342-87EA-AE22C601F6D1}" type="slidenum">
+              <a:rPr lang="en-US" smtClean="0"/>
+              <a:t>7</a:t>
+            </a:fld>
+            <a:endParaRPr lang="en-US"/>
+          </a:p>
+        </p:txBody>
+      </p:sp>
+    </p:spTree>
+    <p:extLst>
+      <p:ext uri="{BB962C8B-B14F-4D97-AF65-F5344CB8AC3E}">
+        <p14:creationId xmlns:p14="http://schemas.microsoft.com/office/powerpoint/2010/main" val="8047664"/>
+      </p:ext>
+    </p:extLst>
+  </p:cSld>
+  <p:clrMapOvr>
+    <a:masterClrMapping/>
+  </p:clrMapOvr>
+</p:notes>
+</file>
+
+<file path=ppt/notesSlides/notesSlide30.xml><?xml version="1.0" encoding="utf-8"?>
+<p:notes xmlns:a="http://schemas.openxmlformats.org/drawingml/2006/main" xmlns:r="http://schemas.openxmlformats.org/officeDocument/2006/relationships" xmlns:p="http://schemas.openxmlformats.org/presentationml/2006/main">
+  <p:cSld>
+    <p:spTree>
+      <p:nvGrpSpPr>
+        <p:cNvPr id="1" name=""/>
+        <p:cNvGrpSpPr/>
+        <p:nvPr/>
+      </p:nvGrpSpPr>
+      <p:grpSpPr>
+        <a:xfrm>
+          <a:off x="0" y="0"/>
+          <a:ext cx="0" cy="0"/>
+          <a:chOff x="0" y="0"/>
+          <a:chExt cx="0" cy="0"/>
+        </a:xfrm>
+      </p:grpSpPr>
+      <p:sp>
+        <p:nvSpPr>
+          <p:cNvPr id="2" name="Slide Image Placeholder 1"/>
+          <p:cNvSpPr>
+            <a:spLocks noGrp="1" noRot="1" noChangeAspect="1"/>
+          </p:cNvSpPr>
+          <p:nvPr>
+            <p:ph type="sldImg"/>
+          </p:nvPr>
+        </p:nvSpPr>
+        <p:spPr/>
+      </p:sp>
+      <p:sp>
+        <p:nvSpPr>
+          <p:cNvPr id="3" name="Notes Placeholder 2"/>
+          <p:cNvSpPr>
+            <a:spLocks noGrp="1"/>
+          </p:cNvSpPr>
+          <p:nvPr>
+            <p:ph type="body" idx="1"/>
+          </p:nvPr>
+        </p:nvSpPr>
+        <p:spPr/>
+        <p:txBody>
+          <a:bodyPr/>
+          <a:lstStyle/>
+          <a:p>
+            <a:pPr marL="0" marR="0" indent="0" algn="l" defTabSz="457200" rtl="0" eaLnBrk="1" fontAlgn="auto" latinLnBrk="0" hangingPunct="1">
+              <a:lnSpc>
+                <a:spcPct val="100000"/>
+              </a:lnSpc>
+              <a:spcBef>
+                <a:spcPts val="0"/>
+              </a:spcBef>
+              <a:spcAft>
+                <a:spcPts val="0"/>
+              </a:spcAft>
+              <a:buClrTx/>
+              <a:buSzTx/>
+              <a:buFontTx/>
+              <a:buNone/>
+              <a:tabLst/>
+              <a:defRPr/>
+            </a:pPr>
+            <a:r>
+              <a:rPr lang="en-US" dirty="0" smtClean="0"/>
+              <a:t>Demonstrate how data can be used to empower teachers and students.</a:t>
+            </a:r>
+          </a:p>
+        </p:txBody>
+      </p:sp>
+      <p:sp>
+        <p:nvSpPr>
+          <p:cNvPr id="4" name="Slide Number Placeholder 3"/>
+          <p:cNvSpPr>
+            <a:spLocks noGrp="1"/>
+          </p:cNvSpPr>
+          <p:nvPr>
+            <p:ph type="sldNum" sz="quarter" idx="10"/>
+          </p:nvPr>
+        </p:nvSpPr>
+        <p:spPr/>
+        <p:txBody>
+          <a:bodyPr/>
+          <a:lstStyle/>
+          <a:p>
+            <a:fld id="{03B05A7B-0B3D-5342-87EA-AE22C601F6D1}" type="slidenum">
+              <a:rPr lang="en-US" smtClean="0"/>
+              <a:t>39</a:t>
+            </a:fld>
+            <a:endParaRPr lang="en-US"/>
+          </a:p>
+        </p:txBody>
+      </p:sp>
+    </p:spTree>
+    <p:extLst>
+      <p:ext uri="{BB962C8B-B14F-4D97-AF65-F5344CB8AC3E}">
+        <p14:creationId xmlns:p14="http://schemas.microsoft.com/office/powerpoint/2010/main" val="269500013"/>
+      </p:ext>
+    </p:extLst>
+  </p:cSld>
+  <p:clrMapOvr>
+    <a:masterClrMapping/>
+  </p:clrMapOvr>
+</p:notes>
+</file>
+
+<file path=ppt/notesSlides/notesSlide31.xml><?xml version="1.0" encoding="utf-8"?>
+<p:notes xmlns:a="http://schemas.openxmlformats.org/drawingml/2006/main" xmlns:r="http://schemas.openxmlformats.org/officeDocument/2006/relationships" xmlns:p="http://schemas.openxmlformats.org/presentationml/2006/main">
+  <p:cSld>
+    <p:spTree>
+      <p:nvGrpSpPr>
+        <p:cNvPr id="1" name=""/>
+        <p:cNvGrpSpPr/>
+        <p:nvPr/>
+      </p:nvGrpSpPr>
+      <p:grpSpPr>
+        <a:xfrm>
+          <a:off x="0" y="0"/>
+          <a:ext cx="0" cy="0"/>
+          <a:chOff x="0" y="0"/>
+          <a:chExt cx="0" cy="0"/>
+        </a:xfrm>
+      </p:grpSpPr>
+      <p:sp>
+        <p:nvSpPr>
+          <p:cNvPr id="2" name="Slide Image Placeholder 1"/>
+          <p:cNvSpPr>
+            <a:spLocks noGrp="1" noRot="1" noChangeAspect="1"/>
+          </p:cNvSpPr>
+          <p:nvPr>
+            <p:ph type="sldImg"/>
+          </p:nvPr>
+        </p:nvSpPr>
+        <p:spPr/>
+      </p:sp>
+      <p:sp>
+        <p:nvSpPr>
+          <p:cNvPr id="3" name="Notes Placeholder 2"/>
+          <p:cNvSpPr>
+            <a:spLocks noGrp="1"/>
+          </p:cNvSpPr>
+          <p:nvPr>
+            <p:ph type="body" idx="1"/>
+          </p:nvPr>
+        </p:nvSpPr>
+        <p:spPr/>
+        <p:txBody>
+          <a:bodyPr/>
+          <a:lstStyle/>
+          <a:p>
+            <a:pPr marL="0" marR="0" indent="0" algn="l" defTabSz="457200" rtl="0" eaLnBrk="1" fontAlgn="auto" latinLnBrk="0" hangingPunct="1">
+              <a:lnSpc>
+                <a:spcPct val="100000"/>
+              </a:lnSpc>
+              <a:spcBef>
+                <a:spcPts val="0"/>
+              </a:spcBef>
+              <a:spcAft>
+                <a:spcPts val="0"/>
+              </a:spcAft>
+              <a:buClrTx/>
+              <a:buSzTx/>
+              <a:buFontTx/>
+              <a:buNone/>
+              <a:tabLst/>
+              <a:defRPr/>
+            </a:pPr>
+            <a:r>
+              <a:rPr lang="en-US" dirty="0" smtClean="0"/>
+              <a:t>Demonstrate how data can be used to empower teachers and students.</a:t>
+            </a:r>
+          </a:p>
+        </p:txBody>
+      </p:sp>
+      <p:sp>
+        <p:nvSpPr>
+          <p:cNvPr id="4" name="Slide Number Placeholder 3"/>
+          <p:cNvSpPr>
+            <a:spLocks noGrp="1"/>
+          </p:cNvSpPr>
+          <p:nvPr>
+            <p:ph type="sldNum" sz="quarter" idx="10"/>
+          </p:nvPr>
+        </p:nvSpPr>
+        <p:spPr/>
+        <p:txBody>
+          <a:bodyPr/>
+          <a:lstStyle/>
+          <a:p>
+            <a:fld id="{03B05A7B-0B3D-5342-87EA-AE22C601F6D1}" type="slidenum">
+              <a:rPr lang="en-US" smtClean="0"/>
+              <a:t>40</a:t>
+            </a:fld>
+            <a:endParaRPr lang="en-US"/>
+          </a:p>
+        </p:txBody>
+      </p:sp>
+    </p:spTree>
+    <p:extLst>
+      <p:ext uri="{BB962C8B-B14F-4D97-AF65-F5344CB8AC3E}">
+        <p14:creationId xmlns:p14="http://schemas.microsoft.com/office/powerpoint/2010/main" val="721814127"/>
+      </p:ext>
+    </p:extLst>
+  </p:cSld>
+  <p:clrMapOvr>
+    <a:masterClrMapping/>
+  </p:clrMapOvr>
+</p:notes>
+</file>
+
+<file path=ppt/notesSlides/notesSlide4.xml><?xml version="1.0" encoding="utf-8"?>
+<p:notes xmlns:a="http://schemas.openxmlformats.org/drawingml/2006/main" xmlns:r="http://schemas.openxmlformats.org/officeDocument/2006/relationships" xmlns:p="http://schemas.openxmlformats.org/presentationml/2006/main">
+  <p:cSld>
+    <p:spTree>
+      <p:nvGrpSpPr>
+        <p:cNvPr id="1" name=""/>
+        <p:cNvGrpSpPr/>
+        <p:nvPr/>
+      </p:nvGrpSpPr>
+      <p:grpSpPr>
+        <a:xfrm>
+          <a:off x="0" y="0"/>
+          <a:ext cx="0" cy="0"/>
+          <a:chOff x="0" y="0"/>
+          <a:chExt cx="0" cy="0"/>
+        </a:xfrm>
+      </p:grpSpPr>
+      <p:sp>
+        <p:nvSpPr>
+          <p:cNvPr id="2" name="Slide Image Placeholder 1"/>
+          <p:cNvSpPr>
+            <a:spLocks noGrp="1" noRot="1" noChangeAspect="1"/>
+          </p:cNvSpPr>
+          <p:nvPr>
+            <p:ph type="sldImg"/>
+          </p:nvPr>
+        </p:nvSpPr>
+        <p:spPr/>
+      </p:sp>
+      <p:sp>
+        <p:nvSpPr>
+          <p:cNvPr id="3" name="Notes Placeholder 2"/>
+          <p:cNvSpPr>
+            <a:spLocks noGrp="1"/>
+          </p:cNvSpPr>
+          <p:nvPr>
+            <p:ph type="body" idx="1"/>
+          </p:nvPr>
+        </p:nvSpPr>
+        <p:spPr/>
+        <p:txBody>
+          <a:bodyPr/>
+          <a:lstStyle/>
+          <a:p>
+            <a:pPr marL="0" marR="0" indent="0" algn="l" defTabSz="457200" rtl="0" eaLnBrk="1" fontAlgn="auto" latinLnBrk="0" hangingPunct="1">
+              <a:lnSpc>
+                <a:spcPct val="100000"/>
+              </a:lnSpc>
+              <a:spcBef>
+                <a:spcPts val="0"/>
+              </a:spcBef>
+              <a:spcAft>
+                <a:spcPts val="0"/>
+              </a:spcAft>
+              <a:buClrTx/>
+              <a:buSzTx/>
+              <a:buFontTx/>
+              <a:buNone/>
+              <a:tabLst/>
+              <a:defRPr/>
+            </a:pPr>
+            <a:r>
+              <a:rPr lang="en-US" dirty="0" smtClean="0"/>
+              <a:t>Demonstrate how data can be used to empower teachers and students.</a:t>
+            </a:r>
+          </a:p>
+        </p:txBody>
+      </p:sp>
+      <p:sp>
+        <p:nvSpPr>
+          <p:cNvPr id="4" name="Slide Number Placeholder 3"/>
+          <p:cNvSpPr>
+            <a:spLocks noGrp="1"/>
+          </p:cNvSpPr>
+          <p:nvPr>
+            <p:ph type="sldNum" sz="quarter" idx="10"/>
+          </p:nvPr>
+        </p:nvSpPr>
+        <p:spPr/>
+        <p:txBody>
+          <a:bodyPr/>
+          <a:lstStyle/>
+          <a:p>
+            <a:fld id="{03B05A7B-0B3D-5342-87EA-AE22C601F6D1}" type="slidenum">
+              <a:rPr lang="en-US" smtClean="0"/>
+              <a:t>9</a:t>
+            </a:fld>
+            <a:endParaRPr lang="en-US"/>
+          </a:p>
+        </p:txBody>
+      </p:sp>
+    </p:spTree>
+    <p:extLst>
+      <p:ext uri="{BB962C8B-B14F-4D97-AF65-F5344CB8AC3E}">
+        <p14:creationId xmlns:p14="http://schemas.microsoft.com/office/powerpoint/2010/main" val="1455052737"/>
+      </p:ext>
+    </p:extLst>
+  </p:cSld>
+  <p:clrMapOvr>
+    <a:masterClrMapping/>
+  </p:clrMapOvr>
+</p:notes>
+</file>
+
+<file path=ppt/notesSlides/notesSlide5.xml><?xml version="1.0" encoding="utf-8"?>
+<p:notes xmlns:a="http://schemas.openxmlformats.org/drawingml/2006/main" xmlns:r="http://schemas.openxmlformats.org/officeDocument/2006/relationships" xmlns:p="http://schemas.openxmlformats.org/presentationml/2006/main">
+  <p:cSld>
+    <p:spTree>
+      <p:nvGrpSpPr>
+        <p:cNvPr id="1" name=""/>
+        <p:cNvGrpSpPr/>
+        <p:nvPr/>
+      </p:nvGrpSpPr>
+      <p:grpSpPr>
+        <a:xfrm>
+          <a:off x="0" y="0"/>
+          <a:ext cx="0" cy="0"/>
+          <a:chOff x="0" y="0"/>
+          <a:chExt cx="0" cy="0"/>
+        </a:xfrm>
+      </p:grpSpPr>
+      <p:sp>
+        <p:nvSpPr>
+          <p:cNvPr id="2" name="Slide Image Placeholder 1"/>
+          <p:cNvSpPr>
+            <a:spLocks noGrp="1" noRot="1" noChangeAspect="1"/>
+          </p:cNvSpPr>
+          <p:nvPr>
+            <p:ph type="sldImg"/>
+          </p:nvPr>
+        </p:nvSpPr>
+        <p:spPr/>
+      </p:sp>
+      <p:sp>
+        <p:nvSpPr>
+          <p:cNvPr id="3" name="Notes Placeholder 2"/>
+          <p:cNvSpPr>
+            <a:spLocks noGrp="1"/>
+          </p:cNvSpPr>
+          <p:nvPr>
+            <p:ph type="body" idx="1"/>
+          </p:nvPr>
+        </p:nvSpPr>
+        <p:spPr/>
+        <p:txBody>
+          <a:bodyPr/>
+          <a:lstStyle/>
+          <a:p>
+            <a:pPr marL="0" marR="0" indent="0" algn="l" defTabSz="457200" rtl="0" eaLnBrk="1" fontAlgn="auto" latinLnBrk="0" hangingPunct="1">
+              <a:lnSpc>
+                <a:spcPct val="100000"/>
+              </a:lnSpc>
+              <a:spcBef>
+                <a:spcPts val="0"/>
+              </a:spcBef>
+              <a:spcAft>
+                <a:spcPts val="0"/>
+              </a:spcAft>
+              <a:buClrTx/>
+              <a:buSzTx/>
+              <a:buFontTx/>
+              <a:buNone/>
+              <a:tabLst/>
+              <a:defRPr/>
+            </a:pPr>
+            <a:r>
+              <a:rPr lang="en-US" dirty="0" smtClean="0"/>
+              <a:t>Demonstrate how data can be used to empower teachers and students.</a:t>
+            </a:r>
+          </a:p>
+        </p:txBody>
+      </p:sp>
+      <p:sp>
+        <p:nvSpPr>
+          <p:cNvPr id="4" name="Slide Number Placeholder 3"/>
+          <p:cNvSpPr>
+            <a:spLocks noGrp="1"/>
+          </p:cNvSpPr>
+          <p:nvPr>
+            <p:ph type="sldNum" sz="quarter" idx="10"/>
+          </p:nvPr>
+        </p:nvSpPr>
+        <p:spPr/>
+        <p:txBody>
+          <a:bodyPr/>
+          <a:lstStyle/>
+          <a:p>
+            <a:fld id="{03B05A7B-0B3D-5342-87EA-AE22C601F6D1}" type="slidenum">
+              <a:rPr lang="en-US" smtClean="0"/>
+              <a:t>10</a:t>
+            </a:fld>
+            <a:endParaRPr lang="en-US"/>
+          </a:p>
+        </p:txBody>
+      </p:sp>
+    </p:spTree>
+    <p:extLst>
+      <p:ext uri="{BB962C8B-B14F-4D97-AF65-F5344CB8AC3E}">
+        <p14:creationId xmlns:p14="http://schemas.microsoft.com/office/powerpoint/2010/main" val="825047538"/>
+      </p:ext>
+    </p:extLst>
+  </p:cSld>
+  <p:clrMapOvr>
+    <a:masterClrMapping/>
+  </p:clrMapOvr>
+</p:notes>
+</file>
+
+<file path=ppt/notesSlides/notesSlide6.xml><?xml version="1.0" encoding="utf-8"?>
+<p:notes xmlns:a="http://schemas.openxmlformats.org/drawingml/2006/main" xmlns:r="http://schemas.openxmlformats.org/officeDocument/2006/relationships" xmlns:p="http://schemas.openxmlformats.org/presentationml/2006/main">
+  <p:cSld>
+    <p:spTree>
+      <p:nvGrpSpPr>
+        <p:cNvPr id="1" name=""/>
+        <p:cNvGrpSpPr/>
+        <p:nvPr/>
+      </p:nvGrpSpPr>
+      <p:grpSpPr>
+        <a:xfrm>
+          <a:off x="0" y="0"/>
+          <a:ext cx="0" cy="0"/>
+          <a:chOff x="0" y="0"/>
+          <a:chExt cx="0" cy="0"/>
+        </a:xfrm>
+      </p:grpSpPr>
+      <p:sp>
+        <p:nvSpPr>
+          <p:cNvPr id="2" name="Slide Image Placeholder 1"/>
+          <p:cNvSpPr>
+            <a:spLocks noGrp="1" noRot="1" noChangeAspect="1"/>
+          </p:cNvSpPr>
+          <p:nvPr>
+            <p:ph type="sldImg"/>
+          </p:nvPr>
+        </p:nvSpPr>
+        <p:spPr/>
+      </p:sp>
+      <p:sp>
+        <p:nvSpPr>
+          <p:cNvPr id="3" name="Notes Placeholder 2"/>
+          <p:cNvSpPr>
+            <a:spLocks noGrp="1"/>
+          </p:cNvSpPr>
+          <p:nvPr>
+            <p:ph type="body" idx="1"/>
+          </p:nvPr>
+        </p:nvSpPr>
+        <p:spPr/>
+        <p:txBody>
+          <a:bodyPr/>
+          <a:lstStyle/>
+          <a:p>
+            <a:pPr marL="0" marR="0" indent="0" algn="l" defTabSz="457200" rtl="0" eaLnBrk="1" fontAlgn="auto" latinLnBrk="0" hangingPunct="1">
+              <a:lnSpc>
+                <a:spcPct val="100000"/>
+              </a:lnSpc>
+              <a:spcBef>
+                <a:spcPts val="0"/>
+              </a:spcBef>
+              <a:spcAft>
+                <a:spcPts val="0"/>
+              </a:spcAft>
+              <a:buClrTx/>
+              <a:buSzTx/>
+              <a:buFontTx/>
+              <a:buNone/>
+              <a:tabLst/>
+              <a:defRPr/>
+            </a:pPr>
+            <a:r>
+              <a:rPr lang="en-US" dirty="0" smtClean="0"/>
+              <a:t>Demonstrate how data can be used to empower teachers and students.</a:t>
+            </a:r>
+          </a:p>
+        </p:txBody>
+      </p:sp>
+      <p:sp>
+        <p:nvSpPr>
+          <p:cNvPr id="4" name="Slide Number Placeholder 3"/>
+          <p:cNvSpPr>
+            <a:spLocks noGrp="1"/>
+          </p:cNvSpPr>
+          <p:nvPr>
+            <p:ph type="sldNum" sz="quarter" idx="10"/>
+          </p:nvPr>
+        </p:nvSpPr>
+        <p:spPr/>
+        <p:txBody>
+          <a:bodyPr/>
+          <a:lstStyle/>
+          <a:p>
+            <a:fld id="{03B05A7B-0B3D-5342-87EA-AE22C601F6D1}" type="slidenum">
+              <a:rPr lang="en-US" smtClean="0"/>
+              <a:t>11</a:t>
+            </a:fld>
+            <a:endParaRPr lang="en-US"/>
+          </a:p>
+        </p:txBody>
+      </p:sp>
+    </p:spTree>
+    <p:extLst>
+      <p:ext uri="{BB962C8B-B14F-4D97-AF65-F5344CB8AC3E}">
+        <p14:creationId xmlns:p14="http://schemas.microsoft.com/office/powerpoint/2010/main" val="2110527628"/>
+      </p:ext>
+    </p:extLst>
+  </p:cSld>
+  <p:clrMapOvr>
+    <a:masterClrMapping/>
+  </p:clrMapOvr>
+</p:notes>
+</file>
+
+<file path=ppt/notesSlides/notesSlide7.xml><?xml version="1.0" encoding="utf-8"?>
+<p:notes xmlns:a="http://schemas.openxmlformats.org/drawingml/2006/main" xmlns:r="http://schemas.openxmlformats.org/officeDocument/2006/relationships" xmlns:p="http://schemas.openxmlformats.org/presentationml/2006/main">
+  <p:cSld>
+    <p:spTree>
+      <p:nvGrpSpPr>
+        <p:cNvPr id="1" name=""/>
+        <p:cNvGrpSpPr/>
+        <p:nvPr/>
+      </p:nvGrpSpPr>
+      <p:grpSpPr>
+        <a:xfrm>
+          <a:off x="0" y="0"/>
+          <a:ext cx="0" cy="0"/>
+          <a:chOff x="0" y="0"/>
+          <a:chExt cx="0" cy="0"/>
+        </a:xfrm>
+      </p:grpSpPr>
+      <p:sp>
+        <p:nvSpPr>
+          <p:cNvPr id="2" name="Slide Image Placeholder 1"/>
+          <p:cNvSpPr>
+            <a:spLocks noGrp="1" noRot="1" noChangeAspect="1"/>
+          </p:cNvSpPr>
+          <p:nvPr>
+            <p:ph type="sldImg"/>
+          </p:nvPr>
+        </p:nvSpPr>
+        <p:spPr/>
+      </p:sp>
+      <p:sp>
+        <p:nvSpPr>
+          <p:cNvPr id="3" name="Notes Placeholder 2"/>
+          <p:cNvSpPr>
+            <a:spLocks noGrp="1"/>
+          </p:cNvSpPr>
+          <p:nvPr>
+            <p:ph type="body" idx="1"/>
+          </p:nvPr>
+        </p:nvSpPr>
+        <p:spPr/>
+        <p:txBody>
+          <a:bodyPr/>
+          <a:lstStyle/>
+          <a:p>
+            <a:pPr marL="0" marR="0" indent="0" algn="l" defTabSz="457200" rtl="0" eaLnBrk="1" fontAlgn="auto" latinLnBrk="0" hangingPunct="1">
+              <a:lnSpc>
+                <a:spcPct val="100000"/>
+              </a:lnSpc>
+              <a:spcBef>
+                <a:spcPts val="0"/>
+              </a:spcBef>
+              <a:spcAft>
+                <a:spcPts val="0"/>
+              </a:spcAft>
+              <a:buClrTx/>
+              <a:buSzTx/>
+              <a:buFontTx/>
+              <a:buNone/>
+              <a:tabLst/>
+              <a:defRPr/>
+            </a:pPr>
+            <a:r>
+              <a:rPr lang="en-US" dirty="0" smtClean="0"/>
+              <a:t>Demonstrate how data can be used to empower teachers and students.</a:t>
+            </a:r>
+          </a:p>
+        </p:txBody>
+      </p:sp>
+      <p:sp>
+        <p:nvSpPr>
+          <p:cNvPr id="4" name="Slide Number Placeholder 3"/>
+          <p:cNvSpPr>
+            <a:spLocks noGrp="1"/>
+          </p:cNvSpPr>
+          <p:nvPr>
+            <p:ph type="sldNum" sz="quarter" idx="10"/>
+          </p:nvPr>
+        </p:nvSpPr>
+        <p:spPr/>
+        <p:txBody>
+          <a:bodyPr/>
+          <a:lstStyle/>
+          <a:p>
+            <a:fld id="{03B05A7B-0B3D-5342-87EA-AE22C601F6D1}" type="slidenum">
+              <a:rPr lang="en-US" smtClean="0"/>
+              <a:t>12</a:t>
+            </a:fld>
+            <a:endParaRPr lang="en-US"/>
+          </a:p>
+        </p:txBody>
+      </p:sp>
+    </p:spTree>
+    <p:extLst>
+      <p:ext uri="{BB962C8B-B14F-4D97-AF65-F5344CB8AC3E}">
+        <p14:creationId xmlns:p14="http://schemas.microsoft.com/office/powerpoint/2010/main" val="849767383"/>
+      </p:ext>
+    </p:extLst>
+  </p:cSld>
+  <p:clrMapOvr>
+    <a:masterClrMapping/>
+  </p:clrMapOvr>
+</p:notes>
+</file>
+
+<file path=ppt/notesSlides/notesSlide8.xml><?xml version="1.0" encoding="utf-8"?>
+<p:notes xmlns:a="http://schemas.openxmlformats.org/drawingml/2006/main" xmlns:r="http://schemas.openxmlformats.org/officeDocument/2006/relationships" xmlns:p="http://schemas.openxmlformats.org/presentationml/2006/main">
+  <p:cSld>
+    <p:spTree>
+      <p:nvGrpSpPr>
+        <p:cNvPr id="1" name=""/>
+        <p:cNvGrpSpPr/>
+        <p:nvPr/>
+      </p:nvGrpSpPr>
+      <p:grpSpPr>
+        <a:xfrm>
+          <a:off x="0" y="0"/>
+          <a:ext cx="0" cy="0"/>
+          <a:chOff x="0" y="0"/>
+          <a:chExt cx="0" cy="0"/>
+        </a:xfrm>
+      </p:grpSpPr>
+      <p:sp>
+        <p:nvSpPr>
+          <p:cNvPr id="2" name="Slide Image Placeholder 1"/>
+          <p:cNvSpPr>
+            <a:spLocks noGrp="1" noRot="1" noChangeAspect="1"/>
+          </p:cNvSpPr>
+          <p:nvPr>
+            <p:ph type="sldImg"/>
+          </p:nvPr>
+        </p:nvSpPr>
+        <p:spPr/>
+      </p:sp>
+      <p:sp>
+        <p:nvSpPr>
+          <p:cNvPr id="3" name="Notes Placeholder 2"/>
+          <p:cNvSpPr>
+            <a:spLocks noGrp="1"/>
+          </p:cNvSpPr>
+          <p:nvPr>
+            <p:ph type="body" idx="1"/>
+          </p:nvPr>
+        </p:nvSpPr>
+        <p:spPr/>
+        <p:txBody>
+          <a:bodyPr/>
+          <a:lstStyle/>
+          <a:p>
+            <a:pPr marL="0" marR="0" indent="0" algn="l" defTabSz="457200" rtl="0" eaLnBrk="1" fontAlgn="auto" latinLnBrk="0" hangingPunct="1">
+              <a:lnSpc>
+                <a:spcPct val="100000"/>
+              </a:lnSpc>
+              <a:spcBef>
+                <a:spcPts val="0"/>
+              </a:spcBef>
+              <a:spcAft>
+                <a:spcPts val="0"/>
+              </a:spcAft>
+              <a:buClrTx/>
+              <a:buSzTx/>
+              <a:buFontTx/>
+              <a:buNone/>
+              <a:tabLst/>
+              <a:defRPr/>
+            </a:pPr>
+            <a:r>
+              <a:rPr lang="en-US" dirty="0" smtClean="0"/>
+              <a:t>Demonstrate how data can be used to empower teachers and students.</a:t>
+            </a:r>
+          </a:p>
+        </p:txBody>
+      </p:sp>
+      <p:sp>
+        <p:nvSpPr>
+          <p:cNvPr id="4" name="Slide Number Placeholder 3"/>
+          <p:cNvSpPr>
+            <a:spLocks noGrp="1"/>
+          </p:cNvSpPr>
+          <p:nvPr>
+            <p:ph type="sldNum" sz="quarter" idx="10"/>
+          </p:nvPr>
+        </p:nvSpPr>
+        <p:spPr/>
+        <p:txBody>
+          <a:bodyPr/>
+          <a:lstStyle/>
+          <a:p>
+            <a:fld id="{03B05A7B-0B3D-5342-87EA-AE22C601F6D1}" type="slidenum">
+              <a:rPr lang="en-US" smtClean="0"/>
+              <a:t>13</a:t>
+            </a:fld>
+            <a:endParaRPr lang="en-US"/>
+          </a:p>
+        </p:txBody>
+      </p:sp>
+    </p:spTree>
+    <p:extLst>
+      <p:ext uri="{BB962C8B-B14F-4D97-AF65-F5344CB8AC3E}">
+        <p14:creationId xmlns:p14="http://schemas.microsoft.com/office/powerpoint/2010/main" val="2048832631"/>
+      </p:ext>
+    </p:extLst>
+  </p:cSld>
+  <p:clrMapOvr>
+    <a:masterClrMapping/>
+  </p:clrMapOvr>
+</p:notes>
+</file>
+
+<file path=ppt/notesSlides/notesSlide9.xml><?xml version="1.0" encoding="utf-8"?>
+<p:notes xmlns:a="http://schemas.openxmlformats.org/drawingml/2006/main" xmlns:r="http://schemas.openxmlformats.org/officeDocument/2006/relationships" xmlns:p="http://schemas.openxmlformats.org/presentationml/2006/main">
+  <p:cSld>
+    <p:spTree>
+      <p:nvGrpSpPr>
+        <p:cNvPr id="1" name=""/>
+        <p:cNvGrpSpPr/>
+        <p:nvPr/>
+      </p:nvGrpSpPr>
+      <p:grpSpPr>
+        <a:xfrm>
+          <a:off x="0" y="0"/>
+          <a:ext cx="0" cy="0"/>
+          <a:chOff x="0" y="0"/>
+          <a:chExt cx="0" cy="0"/>
+        </a:xfrm>
+      </p:grpSpPr>
+      <p:sp>
+        <p:nvSpPr>
+          <p:cNvPr id="2" name="Slide Image Placeholder 1"/>
+          <p:cNvSpPr>
+            <a:spLocks noGrp="1" noRot="1" noChangeAspect="1"/>
+          </p:cNvSpPr>
+          <p:nvPr>
+            <p:ph type="sldImg"/>
+          </p:nvPr>
+        </p:nvSpPr>
+        <p:spPr/>
+      </p:sp>
+      <p:sp>
+        <p:nvSpPr>
+          <p:cNvPr id="3" name="Notes Placeholder 2"/>
+          <p:cNvSpPr>
+            <a:spLocks noGrp="1"/>
+          </p:cNvSpPr>
+          <p:nvPr>
+            <p:ph type="body" idx="1"/>
+          </p:nvPr>
+        </p:nvSpPr>
+        <p:spPr/>
+        <p:txBody>
+          <a:bodyPr/>
+          <a:lstStyle/>
+          <a:p>
+            <a:pPr marL="0" marR="0" indent="0" algn="l" defTabSz="457200" rtl="0" eaLnBrk="1" fontAlgn="auto" latinLnBrk="0" hangingPunct="1">
+              <a:lnSpc>
+                <a:spcPct val="100000"/>
+              </a:lnSpc>
+              <a:spcBef>
+                <a:spcPts val="0"/>
+              </a:spcBef>
+              <a:spcAft>
+                <a:spcPts val="0"/>
+              </a:spcAft>
+              <a:buClrTx/>
+              <a:buSzTx/>
+              <a:buFontTx/>
+              <a:buNone/>
+              <a:tabLst/>
+              <a:defRPr/>
+            </a:pPr>
+            <a:r>
+              <a:rPr lang="en-US" dirty="0" smtClean="0"/>
+              <a:t>Demonstrate how data can be used to empower teachers and students.</a:t>
+            </a:r>
+          </a:p>
+        </p:txBody>
+      </p:sp>
+      <p:sp>
+        <p:nvSpPr>
+          <p:cNvPr id="4" name="Slide Number Placeholder 3"/>
+          <p:cNvSpPr>
+            <a:spLocks noGrp="1"/>
+          </p:cNvSpPr>
+          <p:nvPr>
+            <p:ph type="sldNum" sz="quarter" idx="10"/>
+          </p:nvPr>
+        </p:nvSpPr>
+        <p:spPr/>
+        <p:txBody>
+          <a:bodyPr/>
+          <a:lstStyle/>
+          <a:p>
+            <a:fld id="{03B05A7B-0B3D-5342-87EA-AE22C601F6D1}" type="slidenum">
+              <a:rPr lang="en-US" smtClean="0"/>
+              <a:t>14</a:t>
+            </a:fld>
+            <a:endParaRPr lang="en-US"/>
+          </a:p>
+        </p:txBody>
+      </p:sp>
+    </p:spTree>
+    <p:extLst>
+      <p:ext uri="{BB962C8B-B14F-4D97-AF65-F5344CB8AC3E}">
+        <p14:creationId xmlns:p14="http://schemas.microsoft.com/office/powerpoint/2010/main" val="1137294627"/>
       </p:ext>
     </p:extLst>
   </p:cSld>
@@ -4378,7 +7446,2910 @@
 </p:sld>
 </file>
 
+<file path=ppt/slides/slide10.xml><?xml version="1.0" encoding="utf-8"?>
+<p:sld xmlns:a="http://schemas.openxmlformats.org/drawingml/2006/main" xmlns:r="http://schemas.openxmlformats.org/officeDocument/2006/relationships" xmlns:p="http://schemas.openxmlformats.org/presentationml/2006/main">
+  <p:cSld>
+    <p:spTree>
+      <p:nvGrpSpPr>
+        <p:cNvPr id="1" name=""/>
+        <p:cNvGrpSpPr/>
+        <p:nvPr/>
+      </p:nvGrpSpPr>
+      <p:grpSpPr>
+        <a:xfrm>
+          <a:off x="0" y="0"/>
+          <a:ext cx="0" cy="0"/>
+          <a:chOff x="0" y="0"/>
+          <a:chExt cx="0" cy="0"/>
+        </a:xfrm>
+      </p:grpSpPr>
+      <p:sp>
+        <p:nvSpPr>
+          <p:cNvPr id="2" name="Title 1"/>
+          <p:cNvSpPr>
+            <a:spLocks noGrp="1"/>
+          </p:cNvSpPr>
+          <p:nvPr>
+            <p:ph type="title"/>
+          </p:nvPr>
+        </p:nvSpPr>
+        <p:spPr/>
+        <p:txBody>
+          <a:bodyPr>
+            <a:normAutofit fontScale="90000"/>
+          </a:bodyPr>
+          <a:lstStyle/>
+          <a:p>
+            <a:r>
+              <a:rPr lang="en-US" dirty="0" smtClean="0"/>
+              <a:t>How engaged are students in-the-moment in science activities?</a:t>
+            </a:r>
+            <a:endParaRPr lang="en-US" dirty="0"/>
+          </a:p>
+        </p:txBody>
+      </p:sp>
+      <p:sp>
+        <p:nvSpPr>
+          <p:cNvPr id="3" name="Content Placeholder 2"/>
+          <p:cNvSpPr>
+            <a:spLocks noGrp="1"/>
+          </p:cNvSpPr>
+          <p:nvPr>
+            <p:ph idx="1"/>
+          </p:nvPr>
+        </p:nvSpPr>
+        <p:spPr/>
+        <p:txBody>
+          <a:bodyPr>
+            <a:normAutofit/>
+          </a:bodyPr>
+          <a:lstStyle/>
+          <a:p>
+            <a:pPr marL="0" indent="0">
+              <a:buNone/>
+            </a:pPr>
+            <a:r>
+              <a:rPr lang="en-US" dirty="0" smtClean="0"/>
+              <a:t>Explored “business-as-usual” and hands-on science, activities using a person-in-context approach (Schmidt, Rosenberg, &amp; </a:t>
+            </a:r>
+            <a:r>
+              <a:rPr lang="en-US" dirty="0" err="1" smtClean="0"/>
+              <a:t>Beymer</a:t>
+            </a:r>
+            <a:r>
+              <a:rPr lang="en-US" dirty="0" smtClean="0"/>
+              <a:t>, 2018, </a:t>
+            </a:r>
+            <a:r>
+              <a:rPr lang="en-US" i="1" dirty="0" smtClean="0"/>
+              <a:t>JRST</a:t>
+            </a:r>
+            <a:r>
+              <a:rPr lang="en-US" dirty="0" smtClean="0"/>
+              <a:t>)</a:t>
+            </a:r>
+          </a:p>
+          <a:p>
+            <a:endParaRPr lang="en-US" dirty="0"/>
+          </a:p>
+        </p:txBody>
+      </p:sp>
+    </p:spTree>
+    <p:extLst>
+      <p:ext uri="{BB962C8B-B14F-4D97-AF65-F5344CB8AC3E}">
+        <p14:creationId xmlns:p14="http://schemas.microsoft.com/office/powerpoint/2010/main" val="1478512425"/>
+      </p:ext>
+    </p:extLst>
+  </p:cSld>
+  <p:clrMapOvr>
+    <a:masterClrMapping/>
+  </p:clrMapOvr>
+</p:sld>
+</file>
+
+<file path=ppt/slides/slide11.xml><?xml version="1.0" encoding="utf-8"?>
+<p:sld xmlns:a="http://schemas.openxmlformats.org/drawingml/2006/main" xmlns:r="http://schemas.openxmlformats.org/officeDocument/2006/relationships" xmlns:p="http://schemas.openxmlformats.org/presentationml/2006/main">
+  <p:cSld>
+    <p:spTree>
+      <p:nvGrpSpPr>
+        <p:cNvPr id="1" name=""/>
+        <p:cNvGrpSpPr/>
+        <p:nvPr/>
+      </p:nvGrpSpPr>
+      <p:grpSpPr>
+        <a:xfrm>
+          <a:off x="0" y="0"/>
+          <a:ext cx="0" cy="0"/>
+          <a:chOff x="0" y="0"/>
+          <a:chExt cx="0" cy="0"/>
+        </a:xfrm>
+      </p:grpSpPr>
+      <p:sp>
+        <p:nvSpPr>
+          <p:cNvPr id="2" name="Title 1"/>
+          <p:cNvSpPr>
+            <a:spLocks noGrp="1"/>
+          </p:cNvSpPr>
+          <p:nvPr>
+            <p:ph type="title"/>
+          </p:nvPr>
+        </p:nvSpPr>
+        <p:spPr/>
+        <p:txBody>
+          <a:bodyPr>
+            <a:normAutofit fontScale="90000"/>
+          </a:bodyPr>
+          <a:lstStyle/>
+          <a:p>
+            <a:r>
+              <a:rPr lang="en-US" dirty="0" smtClean="0"/>
+              <a:t>How engaged are students in-the-moment in </a:t>
+            </a:r>
+            <a:r>
+              <a:rPr lang="en-US" smtClean="0"/>
+              <a:t>science activities?</a:t>
+            </a:r>
+            <a:endParaRPr lang="en-US" dirty="0"/>
+          </a:p>
+        </p:txBody>
+      </p:sp>
+      <p:sp>
+        <p:nvSpPr>
+          <p:cNvPr id="3" name="Content Placeholder 2"/>
+          <p:cNvSpPr>
+            <a:spLocks noGrp="1"/>
+          </p:cNvSpPr>
+          <p:nvPr>
+            <p:ph idx="1"/>
+          </p:nvPr>
+        </p:nvSpPr>
+        <p:spPr/>
+        <p:txBody>
+          <a:bodyPr>
+            <a:normAutofit/>
+          </a:bodyPr>
+          <a:lstStyle/>
+          <a:p>
+            <a:pPr marL="0" indent="0">
+              <a:buNone/>
+            </a:pPr>
+            <a:endParaRPr lang="en-US" dirty="0"/>
+          </a:p>
+        </p:txBody>
+      </p:sp>
+    </p:spTree>
+    <p:extLst>
+      <p:ext uri="{BB962C8B-B14F-4D97-AF65-F5344CB8AC3E}">
+        <p14:creationId xmlns:p14="http://schemas.microsoft.com/office/powerpoint/2010/main" val="555683312"/>
+      </p:ext>
+    </p:extLst>
+  </p:cSld>
+  <p:clrMapOvr>
+    <a:masterClrMapping/>
+  </p:clrMapOvr>
+</p:sld>
+</file>
+
+<file path=ppt/slides/slide12.xml><?xml version="1.0" encoding="utf-8"?>
+<p:sld xmlns:a="http://schemas.openxmlformats.org/drawingml/2006/main" xmlns:r="http://schemas.openxmlformats.org/officeDocument/2006/relationships" xmlns:p="http://schemas.openxmlformats.org/presentationml/2006/main">
+  <p:cSld>
+    <p:spTree>
+      <p:nvGrpSpPr>
+        <p:cNvPr id="1" name=""/>
+        <p:cNvGrpSpPr/>
+        <p:nvPr/>
+      </p:nvGrpSpPr>
+      <p:grpSpPr>
+        <a:xfrm>
+          <a:off x="0" y="0"/>
+          <a:ext cx="0" cy="0"/>
+          <a:chOff x="0" y="0"/>
+          <a:chExt cx="0" cy="0"/>
+        </a:xfrm>
+      </p:grpSpPr>
+      <p:sp>
+        <p:nvSpPr>
+          <p:cNvPr id="2" name="Title 1"/>
+          <p:cNvSpPr>
+            <a:spLocks noGrp="1"/>
+          </p:cNvSpPr>
+          <p:nvPr>
+            <p:ph type="title"/>
+          </p:nvPr>
+        </p:nvSpPr>
+        <p:spPr/>
+        <p:txBody>
+          <a:bodyPr>
+            <a:normAutofit fontScale="90000"/>
+          </a:bodyPr>
+          <a:lstStyle/>
+          <a:p>
+            <a:r>
+              <a:rPr lang="en-US" dirty="0" smtClean="0"/>
+              <a:t>How engaged are students in-the-moment in </a:t>
+            </a:r>
+            <a:r>
+              <a:rPr lang="en-US" smtClean="0"/>
+              <a:t>science activities?</a:t>
+            </a:r>
+            <a:endParaRPr lang="en-US" dirty="0"/>
+          </a:p>
+        </p:txBody>
+      </p:sp>
+      <p:sp>
+        <p:nvSpPr>
+          <p:cNvPr id="3" name="Content Placeholder 2"/>
+          <p:cNvSpPr>
+            <a:spLocks noGrp="1"/>
+          </p:cNvSpPr>
+          <p:nvPr>
+            <p:ph idx="1"/>
+          </p:nvPr>
+        </p:nvSpPr>
+        <p:spPr/>
+        <p:txBody>
+          <a:bodyPr>
+            <a:normAutofit/>
+          </a:bodyPr>
+          <a:lstStyle/>
+          <a:p>
+            <a:pPr marL="0" indent="0">
+              <a:buNone/>
+            </a:pPr>
+            <a:endParaRPr lang="en-US" dirty="0"/>
+          </a:p>
+        </p:txBody>
+      </p:sp>
+    </p:spTree>
+    <p:extLst>
+      <p:ext uri="{BB962C8B-B14F-4D97-AF65-F5344CB8AC3E}">
+        <p14:creationId xmlns:p14="http://schemas.microsoft.com/office/powerpoint/2010/main" val="561653"/>
+      </p:ext>
+    </p:extLst>
+  </p:cSld>
+  <p:clrMapOvr>
+    <a:masterClrMapping/>
+  </p:clrMapOvr>
+</p:sld>
+</file>
+
+<file path=ppt/slides/slide13.xml><?xml version="1.0" encoding="utf-8"?>
+<p:sld xmlns:a="http://schemas.openxmlformats.org/drawingml/2006/main" xmlns:r="http://schemas.openxmlformats.org/officeDocument/2006/relationships" xmlns:p="http://schemas.openxmlformats.org/presentationml/2006/main">
+  <p:cSld>
+    <p:spTree>
+      <p:nvGrpSpPr>
+        <p:cNvPr id="1" name=""/>
+        <p:cNvGrpSpPr/>
+        <p:nvPr/>
+      </p:nvGrpSpPr>
+      <p:grpSpPr>
+        <a:xfrm>
+          <a:off x="0" y="0"/>
+          <a:ext cx="0" cy="0"/>
+          <a:chOff x="0" y="0"/>
+          <a:chExt cx="0" cy="0"/>
+        </a:xfrm>
+      </p:grpSpPr>
+      <p:sp>
+        <p:nvSpPr>
+          <p:cNvPr id="2" name="Title 1"/>
+          <p:cNvSpPr>
+            <a:spLocks noGrp="1"/>
+          </p:cNvSpPr>
+          <p:nvPr>
+            <p:ph type="title"/>
+          </p:nvPr>
+        </p:nvSpPr>
+        <p:spPr/>
+        <p:txBody>
+          <a:bodyPr>
+            <a:normAutofit fontScale="90000"/>
+          </a:bodyPr>
+          <a:lstStyle/>
+          <a:p>
+            <a:r>
+              <a:rPr lang="en-US" dirty="0" smtClean="0"/>
+              <a:t>How engaged are students in-the-moment in </a:t>
+            </a:r>
+            <a:r>
+              <a:rPr lang="en-US" smtClean="0"/>
+              <a:t>science activities?</a:t>
+            </a:r>
+            <a:endParaRPr lang="en-US" dirty="0"/>
+          </a:p>
+        </p:txBody>
+      </p:sp>
+      <p:sp>
+        <p:nvSpPr>
+          <p:cNvPr id="3" name="Content Placeholder 2"/>
+          <p:cNvSpPr>
+            <a:spLocks noGrp="1"/>
+          </p:cNvSpPr>
+          <p:nvPr>
+            <p:ph idx="1"/>
+          </p:nvPr>
+        </p:nvSpPr>
+        <p:spPr/>
+        <p:txBody>
+          <a:bodyPr>
+            <a:normAutofit/>
+          </a:bodyPr>
+          <a:lstStyle/>
+          <a:p>
+            <a:pPr marL="0" indent="0">
+              <a:buNone/>
+            </a:pPr>
+            <a:endParaRPr lang="en-US" dirty="0"/>
+          </a:p>
+        </p:txBody>
+      </p:sp>
+    </p:spTree>
+    <p:extLst>
+      <p:ext uri="{BB962C8B-B14F-4D97-AF65-F5344CB8AC3E}">
+        <p14:creationId xmlns:p14="http://schemas.microsoft.com/office/powerpoint/2010/main" val="1097693423"/>
+      </p:ext>
+    </p:extLst>
+  </p:cSld>
+  <p:clrMapOvr>
+    <a:masterClrMapping/>
+  </p:clrMapOvr>
+</p:sld>
+</file>
+
+<file path=ppt/slides/slide14.xml><?xml version="1.0" encoding="utf-8"?>
+<p:sld xmlns:a="http://schemas.openxmlformats.org/drawingml/2006/main" xmlns:r="http://schemas.openxmlformats.org/officeDocument/2006/relationships" xmlns:p="http://schemas.openxmlformats.org/presentationml/2006/main">
+  <p:cSld>
+    <p:spTree>
+      <p:nvGrpSpPr>
+        <p:cNvPr id="1" name=""/>
+        <p:cNvGrpSpPr/>
+        <p:nvPr/>
+      </p:nvGrpSpPr>
+      <p:grpSpPr>
+        <a:xfrm>
+          <a:off x="0" y="0"/>
+          <a:ext cx="0" cy="0"/>
+          <a:chOff x="0" y="0"/>
+          <a:chExt cx="0" cy="0"/>
+        </a:xfrm>
+      </p:grpSpPr>
+      <p:sp>
+        <p:nvSpPr>
+          <p:cNvPr id="2" name="Title 1"/>
+          <p:cNvSpPr>
+            <a:spLocks noGrp="1"/>
+          </p:cNvSpPr>
+          <p:nvPr>
+            <p:ph type="title"/>
+          </p:nvPr>
+        </p:nvSpPr>
+        <p:spPr/>
+        <p:txBody>
+          <a:bodyPr>
+            <a:normAutofit fontScale="90000"/>
+          </a:bodyPr>
+          <a:lstStyle/>
+          <a:p>
+            <a:r>
+              <a:rPr lang="en-US" dirty="0" smtClean="0"/>
+              <a:t>How do students engage in work with data?</a:t>
+            </a:r>
+            <a:endParaRPr lang="en-US" dirty="0"/>
+          </a:p>
+        </p:txBody>
+      </p:sp>
+      <p:sp>
+        <p:nvSpPr>
+          <p:cNvPr id="3" name="Content Placeholder 2"/>
+          <p:cNvSpPr>
+            <a:spLocks noGrp="1"/>
+          </p:cNvSpPr>
+          <p:nvPr>
+            <p:ph idx="1"/>
+          </p:nvPr>
+        </p:nvSpPr>
+        <p:spPr/>
+        <p:txBody>
+          <a:bodyPr>
+            <a:normAutofit/>
+          </a:bodyPr>
+          <a:lstStyle/>
+          <a:p>
+            <a:pPr marL="0" indent="0">
+              <a:buNone/>
+            </a:pPr>
+            <a:r>
+              <a:rPr lang="en-US" dirty="0" smtClean="0"/>
+              <a:t>Studied work with data in summer STEM programs using profiles of engagement and its conditions</a:t>
+            </a:r>
+          </a:p>
+          <a:p>
+            <a:endParaRPr lang="en-US" dirty="0"/>
+          </a:p>
+        </p:txBody>
+      </p:sp>
+    </p:spTree>
+    <p:extLst>
+      <p:ext uri="{BB962C8B-B14F-4D97-AF65-F5344CB8AC3E}">
+        <p14:creationId xmlns:p14="http://schemas.microsoft.com/office/powerpoint/2010/main" val="385559318"/>
+      </p:ext>
+    </p:extLst>
+  </p:cSld>
+  <p:clrMapOvr>
+    <a:masterClrMapping/>
+  </p:clrMapOvr>
+</p:sld>
+</file>
+
+<file path=ppt/slides/slide15.xml><?xml version="1.0" encoding="utf-8"?>
+<p:sld xmlns:a="http://schemas.openxmlformats.org/drawingml/2006/main" xmlns:r="http://schemas.openxmlformats.org/officeDocument/2006/relationships" xmlns:p="http://schemas.openxmlformats.org/presentationml/2006/main">
+  <p:cSld>
+    <p:spTree>
+      <p:nvGrpSpPr>
+        <p:cNvPr id="1" name=""/>
+        <p:cNvGrpSpPr/>
+        <p:nvPr/>
+      </p:nvGrpSpPr>
+      <p:grpSpPr>
+        <a:xfrm>
+          <a:off x="0" y="0"/>
+          <a:ext cx="0" cy="0"/>
+          <a:chOff x="0" y="0"/>
+          <a:chExt cx="0" cy="0"/>
+        </a:xfrm>
+      </p:grpSpPr>
+      <p:sp>
+        <p:nvSpPr>
+          <p:cNvPr id="2" name="Title 1"/>
+          <p:cNvSpPr>
+            <a:spLocks noGrp="1"/>
+          </p:cNvSpPr>
+          <p:nvPr>
+            <p:ph type="title"/>
+          </p:nvPr>
+        </p:nvSpPr>
+        <p:spPr/>
+        <p:txBody>
+          <a:bodyPr>
+            <a:normAutofit fontScale="90000"/>
+          </a:bodyPr>
+          <a:lstStyle/>
+          <a:p>
+            <a:r>
+              <a:rPr lang="en-US" dirty="0"/>
+              <a:t>How do students engage in work with data?</a:t>
+            </a:r>
+          </a:p>
+        </p:txBody>
+      </p:sp>
+      <p:sp>
+        <p:nvSpPr>
+          <p:cNvPr id="3" name="Content Placeholder 2"/>
+          <p:cNvSpPr>
+            <a:spLocks noGrp="1"/>
+          </p:cNvSpPr>
+          <p:nvPr>
+            <p:ph idx="1"/>
+          </p:nvPr>
+        </p:nvSpPr>
+        <p:spPr/>
+        <p:txBody>
+          <a:bodyPr>
+            <a:normAutofit/>
+          </a:bodyPr>
+          <a:lstStyle/>
+          <a:p>
+            <a:pPr marL="0" indent="0">
+              <a:buNone/>
+            </a:pPr>
+            <a:endParaRPr lang="en-US" dirty="0"/>
+          </a:p>
+        </p:txBody>
+      </p:sp>
+    </p:spTree>
+    <p:extLst>
+      <p:ext uri="{BB962C8B-B14F-4D97-AF65-F5344CB8AC3E}">
+        <p14:creationId xmlns:p14="http://schemas.microsoft.com/office/powerpoint/2010/main" val="1906337689"/>
+      </p:ext>
+    </p:extLst>
+  </p:cSld>
+  <p:clrMapOvr>
+    <a:masterClrMapping/>
+  </p:clrMapOvr>
+</p:sld>
+</file>
+
+<file path=ppt/slides/slide16.xml><?xml version="1.0" encoding="utf-8"?>
+<p:sld xmlns:a="http://schemas.openxmlformats.org/drawingml/2006/main" xmlns:r="http://schemas.openxmlformats.org/officeDocument/2006/relationships" xmlns:p="http://schemas.openxmlformats.org/presentationml/2006/main">
+  <p:cSld>
+    <p:spTree>
+      <p:nvGrpSpPr>
+        <p:cNvPr id="1" name=""/>
+        <p:cNvGrpSpPr/>
+        <p:nvPr/>
+      </p:nvGrpSpPr>
+      <p:grpSpPr>
+        <a:xfrm>
+          <a:off x="0" y="0"/>
+          <a:ext cx="0" cy="0"/>
+          <a:chOff x="0" y="0"/>
+          <a:chExt cx="0" cy="0"/>
+        </a:xfrm>
+      </p:grpSpPr>
+      <p:sp>
+        <p:nvSpPr>
+          <p:cNvPr id="2" name="Title 1"/>
+          <p:cNvSpPr>
+            <a:spLocks noGrp="1"/>
+          </p:cNvSpPr>
+          <p:nvPr>
+            <p:ph type="title"/>
+          </p:nvPr>
+        </p:nvSpPr>
+        <p:spPr/>
+        <p:txBody>
+          <a:bodyPr>
+            <a:normAutofit fontScale="90000"/>
+          </a:bodyPr>
+          <a:lstStyle/>
+          <a:p>
+            <a:r>
+              <a:rPr lang="en-US" dirty="0"/>
+              <a:t>How do students engage in work with data?</a:t>
+            </a:r>
+          </a:p>
+        </p:txBody>
+      </p:sp>
+      <p:sp>
+        <p:nvSpPr>
+          <p:cNvPr id="3" name="Content Placeholder 2"/>
+          <p:cNvSpPr>
+            <a:spLocks noGrp="1"/>
+          </p:cNvSpPr>
+          <p:nvPr>
+            <p:ph idx="1"/>
+          </p:nvPr>
+        </p:nvSpPr>
+        <p:spPr/>
+        <p:txBody>
+          <a:bodyPr>
+            <a:normAutofit/>
+          </a:bodyPr>
+          <a:lstStyle/>
+          <a:p>
+            <a:pPr marL="0" indent="0">
+              <a:buNone/>
+            </a:pPr>
+            <a:endParaRPr lang="en-US" dirty="0"/>
+          </a:p>
+        </p:txBody>
+      </p:sp>
+    </p:spTree>
+    <p:extLst>
+      <p:ext uri="{BB962C8B-B14F-4D97-AF65-F5344CB8AC3E}">
+        <p14:creationId xmlns:p14="http://schemas.microsoft.com/office/powerpoint/2010/main" val="1681232040"/>
+      </p:ext>
+    </p:extLst>
+  </p:cSld>
+  <p:clrMapOvr>
+    <a:masterClrMapping/>
+  </p:clrMapOvr>
+</p:sld>
+</file>
+
+<file path=ppt/slides/slide17.xml><?xml version="1.0" encoding="utf-8"?>
+<p:sld xmlns:a="http://schemas.openxmlformats.org/drawingml/2006/main" xmlns:r="http://schemas.openxmlformats.org/officeDocument/2006/relationships" xmlns:p="http://schemas.openxmlformats.org/presentationml/2006/main">
+  <p:cSld>
+    <p:spTree>
+      <p:nvGrpSpPr>
+        <p:cNvPr id="1" name=""/>
+        <p:cNvGrpSpPr/>
+        <p:nvPr/>
+      </p:nvGrpSpPr>
+      <p:grpSpPr>
+        <a:xfrm>
+          <a:off x="0" y="0"/>
+          <a:ext cx="0" cy="0"/>
+          <a:chOff x="0" y="0"/>
+          <a:chExt cx="0" cy="0"/>
+        </a:xfrm>
+      </p:grpSpPr>
+      <p:sp>
+        <p:nvSpPr>
+          <p:cNvPr id="2" name="Title 1"/>
+          <p:cNvSpPr>
+            <a:spLocks noGrp="1"/>
+          </p:cNvSpPr>
+          <p:nvPr>
+            <p:ph type="title"/>
+          </p:nvPr>
+        </p:nvSpPr>
+        <p:spPr/>
+        <p:txBody>
+          <a:bodyPr>
+            <a:normAutofit fontScale="90000"/>
+          </a:bodyPr>
+          <a:lstStyle/>
+          <a:p>
+            <a:r>
+              <a:rPr lang="en-US" dirty="0"/>
+              <a:t>How do students engage in work with data?</a:t>
+            </a:r>
+          </a:p>
+        </p:txBody>
+      </p:sp>
+      <p:sp>
+        <p:nvSpPr>
+          <p:cNvPr id="3" name="Content Placeholder 2"/>
+          <p:cNvSpPr>
+            <a:spLocks noGrp="1"/>
+          </p:cNvSpPr>
+          <p:nvPr>
+            <p:ph idx="1"/>
+          </p:nvPr>
+        </p:nvSpPr>
+        <p:spPr/>
+        <p:txBody>
+          <a:bodyPr>
+            <a:normAutofit/>
+          </a:bodyPr>
+          <a:lstStyle/>
+          <a:p>
+            <a:pPr marL="0" indent="0">
+              <a:buNone/>
+            </a:pPr>
+            <a:endParaRPr lang="en-US" dirty="0"/>
+          </a:p>
+        </p:txBody>
+      </p:sp>
+    </p:spTree>
+    <p:extLst>
+      <p:ext uri="{BB962C8B-B14F-4D97-AF65-F5344CB8AC3E}">
+        <p14:creationId xmlns:p14="http://schemas.microsoft.com/office/powerpoint/2010/main" val="1196758055"/>
+      </p:ext>
+    </p:extLst>
+  </p:cSld>
+  <p:clrMapOvr>
+    <a:masterClrMapping/>
+  </p:clrMapOvr>
+</p:sld>
+</file>
+
+<file path=ppt/slides/slide18.xml><?xml version="1.0" encoding="utf-8"?>
+<p:sld xmlns:a="http://schemas.openxmlformats.org/drawingml/2006/main" xmlns:r="http://schemas.openxmlformats.org/officeDocument/2006/relationships" xmlns:p="http://schemas.openxmlformats.org/presentationml/2006/main">
+  <p:cSld>
+    <p:spTree>
+      <p:nvGrpSpPr>
+        <p:cNvPr id="1" name=""/>
+        <p:cNvGrpSpPr/>
+        <p:nvPr/>
+      </p:nvGrpSpPr>
+      <p:grpSpPr>
+        <a:xfrm>
+          <a:off x="0" y="0"/>
+          <a:ext cx="0" cy="0"/>
+          <a:chOff x="0" y="0"/>
+          <a:chExt cx="0" cy="0"/>
+        </a:xfrm>
+      </p:grpSpPr>
+      <p:sp>
+        <p:nvSpPr>
+          <p:cNvPr id="3" name="Content Placeholder 2"/>
+          <p:cNvSpPr>
+            <a:spLocks noGrp="1"/>
+          </p:cNvSpPr>
+          <p:nvPr>
+            <p:ph idx="1"/>
+          </p:nvPr>
+        </p:nvSpPr>
+        <p:spPr>
+          <a:xfrm>
+            <a:off x="457200" y="765313"/>
+            <a:ext cx="8229600" cy="5711687"/>
+          </a:xfrm>
+        </p:spPr>
+        <p:txBody>
+          <a:bodyPr anchor="ctr"/>
+          <a:lstStyle/>
+          <a:p>
+            <a:pPr marL="0" indent="0">
+              <a:buNone/>
+            </a:pPr>
+            <a:r>
+              <a:rPr lang="en-US" dirty="0" smtClean="0">
+                <a:solidFill>
+                  <a:srgbClr val="B5B8C4"/>
+                </a:solidFill>
+              </a:rPr>
+              <a:t>Introduction</a:t>
+            </a:r>
+          </a:p>
+          <a:p>
+            <a:pPr marL="0" indent="0">
+              <a:buNone/>
+            </a:pPr>
+            <a:r>
+              <a:rPr lang="en-US" dirty="0" smtClean="0">
+                <a:solidFill>
+                  <a:srgbClr val="B5B8C4"/>
+                </a:solidFill>
+              </a:rPr>
+              <a:t>Experience </a:t>
+            </a:r>
+            <a:r>
+              <a:rPr lang="en-US" dirty="0">
+                <a:solidFill>
+                  <a:srgbClr val="B5B8C4"/>
+                </a:solidFill>
+              </a:rPr>
+              <a:t>Sampling </a:t>
+            </a:r>
+            <a:endParaRPr lang="en-US" dirty="0" smtClean="0">
+              <a:solidFill>
+                <a:srgbClr val="B5B8C4"/>
+              </a:solidFill>
+            </a:endParaRPr>
+          </a:p>
+          <a:p>
+            <a:pPr marL="0" indent="0">
+              <a:buNone/>
+            </a:pPr>
+            <a:r>
+              <a:rPr lang="en-US" dirty="0" smtClean="0"/>
+              <a:t>Network</a:t>
+            </a:r>
+          </a:p>
+          <a:p>
+            <a:pPr marL="0" indent="0">
+              <a:buNone/>
+            </a:pPr>
+            <a:r>
+              <a:rPr lang="en-US" dirty="0" smtClean="0">
+                <a:solidFill>
+                  <a:srgbClr val="B5B8C4"/>
+                </a:solidFill>
+              </a:rPr>
+              <a:t>Future Work</a:t>
+            </a:r>
+          </a:p>
+          <a:p>
+            <a:pPr marL="0" indent="0">
+              <a:buNone/>
+            </a:pPr>
+            <a:r>
+              <a:rPr lang="en-US" dirty="0" smtClean="0">
+                <a:solidFill>
+                  <a:srgbClr val="B5B8C4"/>
+                </a:solidFill>
+              </a:rPr>
+              <a:t>Conclusions</a:t>
+            </a:r>
+            <a:endParaRPr lang="en-US" dirty="0">
+              <a:solidFill>
+                <a:srgbClr val="B5B8C4"/>
+              </a:solidFill>
+            </a:endParaRPr>
+          </a:p>
+        </p:txBody>
+      </p:sp>
+      <p:graphicFrame>
+        <p:nvGraphicFramePr>
+          <p:cNvPr id="4" name="Table 3"/>
+          <p:cNvGraphicFramePr>
+            <a:graphicFrameLocks noGrp="1"/>
+          </p:cNvGraphicFramePr>
+          <p:nvPr>
+            <p:extLst/>
+          </p:nvPr>
+        </p:nvGraphicFramePr>
+        <p:xfrm>
+          <a:off x="-2" y="-31433"/>
+          <a:ext cx="9144000" cy="409947"/>
+        </p:xfrm>
+        <a:graphic>
+          <a:graphicData uri="http://schemas.openxmlformats.org/drawingml/2006/table">
+            <a:tbl>
+              <a:tblPr firstRow="1" bandRow="1">
+                <a:tableStyleId>{5C22544A-7EE6-4342-B048-85BDC9FD1C3A}</a:tableStyleId>
+              </a:tblPr>
+              <a:tblGrid>
+                <a:gridCol w="1828800"/>
+                <a:gridCol w="1828800"/>
+                <a:gridCol w="1828800"/>
+                <a:gridCol w="1828800"/>
+                <a:gridCol w="1828800"/>
+              </a:tblGrid>
+              <a:tr h="409947">
+                <a:tc>
+                  <a:txBody>
+                    <a:bodyPr/>
+                    <a:lstStyle/>
+                    <a:p>
+                      <a:pPr algn="ctr"/>
+                      <a:r>
+                        <a:rPr lang="en-US" sz="1600" b="0" dirty="0" smtClean="0">
+                          <a:solidFill>
+                            <a:schemeClr val="tx1"/>
+                          </a:solidFill>
+                          <a:latin typeface="Helvetica Neue" charset="0"/>
+                          <a:ea typeface="Helvetica Neue" charset="0"/>
+                          <a:cs typeface="Helvetica Neue" charset="0"/>
+                        </a:rPr>
+                        <a:t>Introduction</a:t>
+                      </a:r>
+                      <a:endParaRPr lang="en-US" sz="1600" b="0" dirty="0">
+                        <a:solidFill>
+                          <a:schemeClr val="tx1"/>
+                        </a:solidFill>
+                        <a:latin typeface="Helvetica Neue" charset="0"/>
+                        <a:ea typeface="Helvetica Neue" charset="0"/>
+                        <a:cs typeface="Helvetica Neue" charset="0"/>
+                      </a:endParaRPr>
+                    </a:p>
+                  </a:txBody>
+                  <a:tcPr anchor="b">
+                    <a:lnL w="12700" cmpd="sng">
+                      <a:noFill/>
+                    </a:lnL>
+                    <a:lnR w="12700" cmpd="sng">
+                      <a:noFill/>
+                    </a:lnR>
+                    <a:lnT w="12700" cmpd="sng">
+                      <a:noFill/>
+                    </a:lnT>
+                    <a:lnB w="38100" cmpd="sng">
+                      <a:noFill/>
+                    </a:lnB>
+                    <a:lnTlToBr w="12700" cmpd="sng">
+                      <a:noFill/>
+                      <a:prstDash val="solid"/>
+                    </a:lnTlToBr>
+                    <a:lnBlToTr w="12700" cmpd="sng">
+                      <a:noFill/>
+                      <a:prstDash val="solid"/>
+                    </a:lnBlToTr>
+                    <a:solidFill>
+                      <a:srgbClr val="1689B9"/>
+                    </a:solidFill>
+                  </a:tcPr>
+                </a:tc>
+                <a:tc>
+                  <a:txBody>
+                    <a:bodyPr/>
+                    <a:lstStyle/>
+                    <a:p>
+                      <a:pPr algn="ctr"/>
+                      <a:r>
+                        <a:rPr lang="en-US" sz="1600" b="0" dirty="0" smtClean="0">
+                          <a:solidFill>
+                            <a:srgbClr val="B5B8C4"/>
+                          </a:solidFill>
+                          <a:latin typeface="Helvetica Neue" charset="0"/>
+                          <a:ea typeface="Helvetica Neue" charset="0"/>
+                          <a:cs typeface="Helvetica Neue" charset="0"/>
+                        </a:rPr>
+                        <a:t>ESM</a:t>
+                      </a:r>
+                      <a:endParaRPr lang="en-US" sz="1600" b="0" dirty="0">
+                        <a:solidFill>
+                          <a:srgbClr val="B5B8C4"/>
+                        </a:solidFill>
+                        <a:latin typeface="Helvetica Neue" charset="0"/>
+                        <a:ea typeface="Helvetica Neue" charset="0"/>
+                        <a:cs typeface="Helvetica Neue" charset="0"/>
+                      </a:endParaRPr>
+                    </a:p>
+                  </a:txBody>
+                  <a:tcPr anchor="b">
+                    <a:lnL w="12700" cmpd="sng">
+                      <a:noFill/>
+                    </a:lnL>
+                    <a:lnR w="12700" cmpd="sng">
+                      <a:noFill/>
+                    </a:lnR>
+                    <a:lnT w="12700" cmpd="sng">
+                      <a:noFill/>
+                    </a:lnT>
+                    <a:lnB w="38100" cmpd="sng">
+                      <a:noFill/>
+                    </a:lnB>
+                    <a:lnTlToBr w="12700" cmpd="sng">
+                      <a:noFill/>
+                      <a:prstDash val="solid"/>
+                    </a:lnTlToBr>
+                    <a:lnBlToTr w="12700" cmpd="sng">
+                      <a:noFill/>
+                      <a:prstDash val="solid"/>
+                    </a:lnBlToTr>
+                    <a:solidFill>
+                      <a:srgbClr val="1689B9"/>
+                    </a:solidFill>
+                  </a:tcPr>
+                </a:tc>
+                <a:tc>
+                  <a:txBody>
+                    <a:bodyPr/>
+                    <a:lstStyle/>
+                    <a:p>
+                      <a:pPr algn="ctr"/>
+                      <a:r>
+                        <a:rPr lang="en-US" sz="1600" b="0" dirty="0" smtClean="0">
+                          <a:solidFill>
+                            <a:srgbClr val="B5B8C4"/>
+                          </a:solidFill>
+                          <a:latin typeface="Helvetica Neue" charset="0"/>
+                          <a:ea typeface="Helvetica Neue" charset="0"/>
+                          <a:cs typeface="Helvetica Neue" charset="0"/>
+                        </a:rPr>
+                        <a:t>Networks</a:t>
+                      </a:r>
+                      <a:endParaRPr lang="en-US" sz="1600" b="0" dirty="0">
+                        <a:solidFill>
+                          <a:srgbClr val="B5B8C4"/>
+                        </a:solidFill>
+                        <a:latin typeface="Helvetica Neue" charset="0"/>
+                        <a:ea typeface="Helvetica Neue" charset="0"/>
+                        <a:cs typeface="Helvetica Neue" charset="0"/>
+                      </a:endParaRPr>
+                    </a:p>
+                  </a:txBody>
+                  <a:tcPr anchor="b">
+                    <a:lnL w="12700" cmpd="sng">
+                      <a:noFill/>
+                    </a:lnL>
+                    <a:lnR w="12700" cmpd="sng">
+                      <a:noFill/>
+                    </a:lnR>
+                    <a:lnT w="12700" cmpd="sng">
+                      <a:noFill/>
+                    </a:lnT>
+                    <a:lnB w="38100" cmpd="sng">
+                      <a:noFill/>
+                    </a:lnB>
+                    <a:lnTlToBr w="12700" cmpd="sng">
+                      <a:noFill/>
+                      <a:prstDash val="solid"/>
+                    </a:lnTlToBr>
+                    <a:lnBlToTr w="12700" cmpd="sng">
+                      <a:noFill/>
+                      <a:prstDash val="solid"/>
+                    </a:lnBlToTr>
+                    <a:solidFill>
+                      <a:srgbClr val="1689B9"/>
+                    </a:solidFill>
+                  </a:tcPr>
+                </a:tc>
+                <a:tc>
+                  <a:txBody>
+                    <a:bodyPr/>
+                    <a:lstStyle/>
+                    <a:p>
+                      <a:pPr algn="ctr"/>
+                      <a:r>
+                        <a:rPr lang="en-US" sz="1600" b="0" dirty="0" smtClean="0">
+                          <a:solidFill>
+                            <a:srgbClr val="B5B8C4"/>
+                          </a:solidFill>
+                          <a:latin typeface="Helvetica Neue" charset="0"/>
+                          <a:ea typeface="Helvetica Neue" charset="0"/>
+                          <a:cs typeface="Helvetica Neue" charset="0"/>
+                        </a:rPr>
+                        <a:t>Future Work</a:t>
+                      </a:r>
+                      <a:endParaRPr lang="en-US" sz="1600" b="0" dirty="0">
+                        <a:solidFill>
+                          <a:srgbClr val="B5B8C4"/>
+                        </a:solidFill>
+                        <a:latin typeface="Helvetica Neue" charset="0"/>
+                        <a:ea typeface="Helvetica Neue" charset="0"/>
+                        <a:cs typeface="Helvetica Neue" charset="0"/>
+                      </a:endParaRPr>
+                    </a:p>
+                  </a:txBody>
+                  <a:tcPr anchor="b">
+                    <a:lnL w="12700" cmpd="sng">
+                      <a:noFill/>
+                    </a:lnL>
+                    <a:lnR w="12700" cmpd="sng">
+                      <a:noFill/>
+                    </a:lnR>
+                    <a:lnT w="12700" cmpd="sng">
+                      <a:noFill/>
+                    </a:lnT>
+                    <a:lnB w="38100" cmpd="sng">
+                      <a:noFill/>
+                    </a:lnB>
+                    <a:lnTlToBr w="12700" cmpd="sng">
+                      <a:noFill/>
+                      <a:prstDash val="solid"/>
+                    </a:lnTlToBr>
+                    <a:lnBlToTr w="12700" cmpd="sng">
+                      <a:noFill/>
+                      <a:prstDash val="solid"/>
+                    </a:lnBlToTr>
+                    <a:solidFill>
+                      <a:srgbClr val="1689B9"/>
+                    </a:solidFill>
+                  </a:tcPr>
+                </a:tc>
+                <a:tc>
+                  <a:txBody>
+                    <a:bodyPr/>
+                    <a:lstStyle/>
+                    <a:p>
+                      <a:pPr algn="ctr"/>
+                      <a:r>
+                        <a:rPr lang="en-US" sz="1600" b="0" dirty="0" smtClean="0">
+                          <a:solidFill>
+                            <a:srgbClr val="B5B8C4"/>
+                          </a:solidFill>
+                          <a:latin typeface="Helvetica Neue" charset="0"/>
+                          <a:ea typeface="Helvetica Neue" charset="0"/>
+                          <a:cs typeface="Helvetica Neue" charset="0"/>
+                        </a:rPr>
+                        <a:t>Conclusion</a:t>
+                      </a:r>
+                      <a:endParaRPr lang="en-US" sz="1600" b="0" dirty="0">
+                        <a:solidFill>
+                          <a:srgbClr val="B5B8C4"/>
+                        </a:solidFill>
+                        <a:latin typeface="Helvetica Neue" charset="0"/>
+                        <a:ea typeface="Helvetica Neue" charset="0"/>
+                        <a:cs typeface="Helvetica Neue" charset="0"/>
+                      </a:endParaRPr>
+                    </a:p>
+                  </a:txBody>
+                  <a:tcPr anchor="b">
+                    <a:lnL w="12700" cmpd="sng">
+                      <a:noFill/>
+                    </a:lnL>
+                    <a:lnR w="12700" cmpd="sng">
+                      <a:noFill/>
+                    </a:lnR>
+                    <a:lnT w="12700" cmpd="sng">
+                      <a:noFill/>
+                    </a:lnT>
+                    <a:lnB w="38100" cmpd="sng">
+                      <a:noFill/>
+                    </a:lnB>
+                    <a:lnTlToBr w="12700" cmpd="sng">
+                      <a:noFill/>
+                      <a:prstDash val="solid"/>
+                    </a:lnTlToBr>
+                    <a:lnBlToTr w="12700" cmpd="sng">
+                      <a:noFill/>
+                      <a:prstDash val="solid"/>
+                    </a:lnBlToTr>
+                    <a:solidFill>
+                      <a:srgbClr val="1689B9"/>
+                    </a:solidFill>
+                  </a:tcPr>
+                </a:tc>
+              </a:tr>
+            </a:tbl>
+          </a:graphicData>
+        </a:graphic>
+      </p:graphicFrame>
+    </p:spTree>
+    <p:extLst>
+      <p:ext uri="{BB962C8B-B14F-4D97-AF65-F5344CB8AC3E}">
+        <p14:creationId xmlns:p14="http://schemas.microsoft.com/office/powerpoint/2010/main" val="742888539"/>
+      </p:ext>
+    </p:extLst>
+  </p:cSld>
+  <p:clrMapOvr>
+    <a:masterClrMapping/>
+  </p:clrMapOvr>
+</p:sld>
+</file>
+
+<file path=ppt/slides/slide19.xml><?xml version="1.0" encoding="utf-8"?>
+<p:sld xmlns:a="http://schemas.openxmlformats.org/drawingml/2006/main" xmlns:r="http://schemas.openxmlformats.org/officeDocument/2006/relationships" xmlns:p="http://schemas.openxmlformats.org/presentationml/2006/main">
+  <p:cSld>
+    <p:spTree>
+      <p:nvGrpSpPr>
+        <p:cNvPr id="1" name=""/>
+        <p:cNvGrpSpPr/>
+        <p:nvPr/>
+      </p:nvGrpSpPr>
+      <p:grpSpPr>
+        <a:xfrm>
+          <a:off x="0" y="0"/>
+          <a:ext cx="0" cy="0"/>
+          <a:chOff x="0" y="0"/>
+          <a:chExt cx="0" cy="0"/>
+        </a:xfrm>
+      </p:grpSpPr>
+      <p:sp>
+        <p:nvSpPr>
+          <p:cNvPr id="2" name="Title 1"/>
+          <p:cNvSpPr>
+            <a:spLocks noGrp="1"/>
+          </p:cNvSpPr>
+          <p:nvPr>
+            <p:ph type="title"/>
+          </p:nvPr>
+        </p:nvSpPr>
+        <p:spPr/>
+        <p:txBody>
+          <a:bodyPr>
+            <a:normAutofit/>
+          </a:bodyPr>
+          <a:lstStyle/>
+          <a:p>
+            <a:r>
+              <a:rPr lang="en-US" dirty="0" smtClean="0"/>
+              <a:t>Digital traces and network data</a:t>
+            </a:r>
+            <a:endParaRPr lang="en-US" dirty="0"/>
+          </a:p>
+        </p:txBody>
+      </p:sp>
+      <p:sp>
+        <p:nvSpPr>
+          <p:cNvPr id="3" name="Content Placeholder 2"/>
+          <p:cNvSpPr>
+            <a:spLocks noGrp="1"/>
+          </p:cNvSpPr>
+          <p:nvPr>
+            <p:ph idx="1"/>
+          </p:nvPr>
+        </p:nvSpPr>
+        <p:spPr/>
+        <p:txBody>
+          <a:bodyPr>
+            <a:normAutofit/>
+          </a:bodyPr>
+          <a:lstStyle/>
+          <a:p>
+            <a:pPr marL="0" indent="0">
+              <a:buNone/>
+            </a:pPr>
+            <a:r>
+              <a:rPr lang="en-US" dirty="0"/>
+              <a:t>Affordances:</a:t>
+            </a:r>
+          </a:p>
+          <a:p>
+            <a:r>
+              <a:rPr lang="en-US" dirty="0"/>
+              <a:t> </a:t>
+            </a:r>
+          </a:p>
+          <a:p>
+            <a:pPr marL="0" indent="0">
+              <a:buNone/>
+            </a:pPr>
+            <a:r>
+              <a:rPr lang="en-US" dirty="0"/>
+              <a:t>Past research</a:t>
+            </a:r>
+          </a:p>
+          <a:p>
+            <a:r>
+              <a:rPr lang="en-US" dirty="0"/>
+              <a:t>Explored the role of State Educational Twitter Hashtags as informal places for learning (Rosenberg, </a:t>
+            </a:r>
+            <a:r>
+              <a:rPr lang="en-US" dirty="0" err="1"/>
+              <a:t>Greenhalgh</a:t>
+            </a:r>
+            <a:r>
+              <a:rPr lang="en-US" dirty="0"/>
+              <a:t>, Koehler, Hamilton, &amp; </a:t>
+            </a:r>
+            <a:r>
+              <a:rPr lang="en-US" dirty="0" err="1"/>
+              <a:t>Akcaoglu</a:t>
+            </a:r>
+            <a:r>
+              <a:rPr lang="en-US" dirty="0"/>
+              <a:t>, </a:t>
+            </a:r>
+            <a:r>
+              <a:rPr lang="en-US" dirty="0" smtClean="0"/>
+              <a:t>2016)</a:t>
+            </a:r>
+          </a:p>
+          <a:p>
+            <a:r>
+              <a:rPr lang="en-US" dirty="0" smtClean="0"/>
+              <a:t>Explored teachers’ technology knowledge evidenced through digital portfolios using the TPACK framework (Koehler, </a:t>
+            </a:r>
+            <a:r>
+              <a:rPr lang="en-US" dirty="0" err="1" smtClean="0"/>
+              <a:t>Greenhalgh</a:t>
+            </a:r>
+            <a:r>
+              <a:rPr lang="en-US" dirty="0" smtClean="0"/>
+              <a:t>, Rosenberg, &amp; Keenan, 2017)</a:t>
+            </a:r>
+          </a:p>
+        </p:txBody>
+      </p:sp>
+    </p:spTree>
+    <p:extLst>
+      <p:ext uri="{BB962C8B-B14F-4D97-AF65-F5344CB8AC3E}">
+        <p14:creationId xmlns:p14="http://schemas.microsoft.com/office/powerpoint/2010/main" val="257751315"/>
+      </p:ext>
+    </p:extLst>
+  </p:cSld>
+  <p:clrMapOvr>
+    <a:masterClrMapping/>
+  </p:clrMapOvr>
+</p:sld>
+</file>
+
 <file path=ppt/slides/slide2.xml><?xml version="1.0" encoding="utf-8"?>
+<p:sld xmlns:a="http://schemas.openxmlformats.org/drawingml/2006/main" xmlns:r="http://schemas.openxmlformats.org/officeDocument/2006/relationships" xmlns:p="http://schemas.openxmlformats.org/presentationml/2006/main">
+  <p:cSld>
+    <p:spTree>
+      <p:nvGrpSpPr>
+        <p:cNvPr id="1" name=""/>
+        <p:cNvGrpSpPr/>
+        <p:nvPr/>
+      </p:nvGrpSpPr>
+      <p:grpSpPr>
+        <a:xfrm>
+          <a:off x="0" y="0"/>
+          <a:ext cx="0" cy="0"/>
+          <a:chOff x="0" y="0"/>
+          <a:chExt cx="0" cy="0"/>
+        </a:xfrm>
+      </p:grpSpPr>
+      <p:sp>
+        <p:nvSpPr>
+          <p:cNvPr id="3" name="Content Placeholder 2"/>
+          <p:cNvSpPr>
+            <a:spLocks noGrp="1"/>
+          </p:cNvSpPr>
+          <p:nvPr>
+            <p:ph idx="1"/>
+          </p:nvPr>
+        </p:nvSpPr>
+        <p:spPr>
+          <a:xfrm>
+            <a:off x="457200" y="765313"/>
+            <a:ext cx="8229600" cy="5711687"/>
+          </a:xfrm>
+        </p:spPr>
+        <p:txBody>
+          <a:bodyPr anchor="ctr"/>
+          <a:lstStyle/>
+          <a:p>
+            <a:pPr marL="0" indent="0">
+              <a:buNone/>
+            </a:pPr>
+            <a:r>
+              <a:rPr lang="en-US" dirty="0" smtClean="0"/>
+              <a:t>Introduction</a:t>
+            </a:r>
+          </a:p>
+          <a:p>
+            <a:pPr marL="0" indent="0">
+              <a:buNone/>
+            </a:pPr>
+            <a:r>
+              <a:rPr lang="en-US" dirty="0" smtClean="0">
+                <a:solidFill>
+                  <a:srgbClr val="B5B8C4"/>
+                </a:solidFill>
+              </a:rPr>
+              <a:t>Experience </a:t>
+            </a:r>
+            <a:r>
+              <a:rPr lang="en-US" dirty="0">
+                <a:solidFill>
+                  <a:srgbClr val="B5B8C4"/>
+                </a:solidFill>
+              </a:rPr>
+              <a:t>Sampling </a:t>
+            </a:r>
+            <a:endParaRPr lang="en-US" dirty="0" smtClean="0">
+              <a:solidFill>
+                <a:srgbClr val="B5B8C4"/>
+              </a:solidFill>
+            </a:endParaRPr>
+          </a:p>
+          <a:p>
+            <a:pPr marL="0" indent="0">
+              <a:buNone/>
+            </a:pPr>
+            <a:r>
+              <a:rPr lang="en-US" dirty="0" smtClean="0">
+                <a:solidFill>
+                  <a:srgbClr val="B5B8C4"/>
+                </a:solidFill>
+              </a:rPr>
+              <a:t>Network</a:t>
+            </a:r>
+          </a:p>
+          <a:p>
+            <a:pPr marL="0" indent="0">
+              <a:buNone/>
+            </a:pPr>
+            <a:r>
+              <a:rPr lang="en-US" dirty="0" smtClean="0">
+                <a:solidFill>
+                  <a:srgbClr val="B5B8C4"/>
+                </a:solidFill>
+              </a:rPr>
+              <a:t>Future Work</a:t>
+            </a:r>
+          </a:p>
+          <a:p>
+            <a:pPr marL="0" indent="0">
+              <a:buNone/>
+            </a:pPr>
+            <a:r>
+              <a:rPr lang="en-US" dirty="0" smtClean="0">
+                <a:solidFill>
+                  <a:srgbClr val="B5B8C4"/>
+                </a:solidFill>
+              </a:rPr>
+              <a:t>Conclusions</a:t>
+            </a:r>
+            <a:endParaRPr lang="en-US" dirty="0">
+              <a:solidFill>
+                <a:srgbClr val="B5B8C4"/>
+              </a:solidFill>
+            </a:endParaRPr>
+          </a:p>
+        </p:txBody>
+      </p:sp>
+      <p:graphicFrame>
+        <p:nvGraphicFramePr>
+          <p:cNvPr id="4" name="Table 3"/>
+          <p:cNvGraphicFramePr>
+            <a:graphicFrameLocks noGrp="1"/>
+          </p:cNvGraphicFramePr>
+          <p:nvPr>
+            <p:extLst/>
+          </p:nvPr>
+        </p:nvGraphicFramePr>
+        <p:xfrm>
+          <a:off x="-2" y="-31433"/>
+          <a:ext cx="9144000" cy="409947"/>
+        </p:xfrm>
+        <a:graphic>
+          <a:graphicData uri="http://schemas.openxmlformats.org/drawingml/2006/table">
+            <a:tbl>
+              <a:tblPr firstRow="1" bandRow="1">
+                <a:tableStyleId>{5C22544A-7EE6-4342-B048-85BDC9FD1C3A}</a:tableStyleId>
+              </a:tblPr>
+              <a:tblGrid>
+                <a:gridCol w="1828800"/>
+                <a:gridCol w="1828800"/>
+                <a:gridCol w="1828800"/>
+                <a:gridCol w="1828800"/>
+                <a:gridCol w="1828800"/>
+              </a:tblGrid>
+              <a:tr h="409947">
+                <a:tc>
+                  <a:txBody>
+                    <a:bodyPr/>
+                    <a:lstStyle/>
+                    <a:p>
+                      <a:pPr algn="ctr"/>
+                      <a:r>
+                        <a:rPr lang="en-US" sz="1600" b="0" dirty="0" smtClean="0">
+                          <a:solidFill>
+                            <a:schemeClr val="tx1"/>
+                          </a:solidFill>
+                          <a:latin typeface="Helvetica Neue" charset="0"/>
+                          <a:ea typeface="Helvetica Neue" charset="0"/>
+                          <a:cs typeface="Helvetica Neue" charset="0"/>
+                        </a:rPr>
+                        <a:t>Introduction</a:t>
+                      </a:r>
+                      <a:endParaRPr lang="en-US" sz="1600" b="0" dirty="0">
+                        <a:solidFill>
+                          <a:schemeClr val="tx1"/>
+                        </a:solidFill>
+                        <a:latin typeface="Helvetica Neue" charset="0"/>
+                        <a:ea typeface="Helvetica Neue" charset="0"/>
+                        <a:cs typeface="Helvetica Neue" charset="0"/>
+                      </a:endParaRPr>
+                    </a:p>
+                  </a:txBody>
+                  <a:tcPr anchor="b">
+                    <a:lnL w="12700" cmpd="sng">
+                      <a:noFill/>
+                    </a:lnL>
+                    <a:lnR w="12700" cmpd="sng">
+                      <a:noFill/>
+                    </a:lnR>
+                    <a:lnT w="12700" cmpd="sng">
+                      <a:noFill/>
+                    </a:lnT>
+                    <a:lnB w="38100" cmpd="sng">
+                      <a:noFill/>
+                    </a:lnB>
+                    <a:lnTlToBr w="12700" cmpd="sng">
+                      <a:noFill/>
+                      <a:prstDash val="solid"/>
+                    </a:lnTlToBr>
+                    <a:lnBlToTr w="12700" cmpd="sng">
+                      <a:noFill/>
+                      <a:prstDash val="solid"/>
+                    </a:lnBlToTr>
+                    <a:solidFill>
+                      <a:srgbClr val="1689B9"/>
+                    </a:solidFill>
+                  </a:tcPr>
+                </a:tc>
+                <a:tc>
+                  <a:txBody>
+                    <a:bodyPr/>
+                    <a:lstStyle/>
+                    <a:p>
+                      <a:pPr algn="ctr"/>
+                      <a:r>
+                        <a:rPr lang="en-US" sz="1600" b="0" dirty="0" smtClean="0">
+                          <a:solidFill>
+                            <a:srgbClr val="B5B8C4"/>
+                          </a:solidFill>
+                          <a:latin typeface="Helvetica Neue" charset="0"/>
+                          <a:ea typeface="Helvetica Neue" charset="0"/>
+                          <a:cs typeface="Helvetica Neue" charset="0"/>
+                        </a:rPr>
+                        <a:t>ESM</a:t>
+                      </a:r>
+                      <a:endParaRPr lang="en-US" sz="1600" b="0" dirty="0">
+                        <a:solidFill>
+                          <a:srgbClr val="B5B8C4"/>
+                        </a:solidFill>
+                        <a:latin typeface="Helvetica Neue" charset="0"/>
+                        <a:ea typeface="Helvetica Neue" charset="0"/>
+                        <a:cs typeface="Helvetica Neue" charset="0"/>
+                      </a:endParaRPr>
+                    </a:p>
+                  </a:txBody>
+                  <a:tcPr anchor="b">
+                    <a:lnL w="12700" cmpd="sng">
+                      <a:noFill/>
+                    </a:lnL>
+                    <a:lnR w="12700" cmpd="sng">
+                      <a:noFill/>
+                    </a:lnR>
+                    <a:lnT w="12700" cmpd="sng">
+                      <a:noFill/>
+                    </a:lnT>
+                    <a:lnB w="38100" cmpd="sng">
+                      <a:noFill/>
+                    </a:lnB>
+                    <a:lnTlToBr w="12700" cmpd="sng">
+                      <a:noFill/>
+                      <a:prstDash val="solid"/>
+                    </a:lnTlToBr>
+                    <a:lnBlToTr w="12700" cmpd="sng">
+                      <a:noFill/>
+                      <a:prstDash val="solid"/>
+                    </a:lnBlToTr>
+                    <a:solidFill>
+                      <a:srgbClr val="1689B9"/>
+                    </a:solidFill>
+                  </a:tcPr>
+                </a:tc>
+                <a:tc>
+                  <a:txBody>
+                    <a:bodyPr/>
+                    <a:lstStyle/>
+                    <a:p>
+                      <a:pPr algn="ctr"/>
+                      <a:r>
+                        <a:rPr lang="en-US" sz="1600" b="0" dirty="0" smtClean="0">
+                          <a:solidFill>
+                            <a:srgbClr val="B5B8C4"/>
+                          </a:solidFill>
+                          <a:latin typeface="Helvetica Neue" charset="0"/>
+                          <a:ea typeface="Helvetica Neue" charset="0"/>
+                          <a:cs typeface="Helvetica Neue" charset="0"/>
+                        </a:rPr>
+                        <a:t>Networks</a:t>
+                      </a:r>
+                      <a:endParaRPr lang="en-US" sz="1600" b="0" dirty="0">
+                        <a:solidFill>
+                          <a:srgbClr val="B5B8C4"/>
+                        </a:solidFill>
+                        <a:latin typeface="Helvetica Neue" charset="0"/>
+                        <a:ea typeface="Helvetica Neue" charset="0"/>
+                        <a:cs typeface="Helvetica Neue" charset="0"/>
+                      </a:endParaRPr>
+                    </a:p>
+                  </a:txBody>
+                  <a:tcPr anchor="b">
+                    <a:lnL w="12700" cmpd="sng">
+                      <a:noFill/>
+                    </a:lnL>
+                    <a:lnR w="12700" cmpd="sng">
+                      <a:noFill/>
+                    </a:lnR>
+                    <a:lnT w="12700" cmpd="sng">
+                      <a:noFill/>
+                    </a:lnT>
+                    <a:lnB w="38100" cmpd="sng">
+                      <a:noFill/>
+                    </a:lnB>
+                    <a:lnTlToBr w="12700" cmpd="sng">
+                      <a:noFill/>
+                      <a:prstDash val="solid"/>
+                    </a:lnTlToBr>
+                    <a:lnBlToTr w="12700" cmpd="sng">
+                      <a:noFill/>
+                      <a:prstDash val="solid"/>
+                    </a:lnBlToTr>
+                    <a:solidFill>
+                      <a:srgbClr val="1689B9"/>
+                    </a:solidFill>
+                  </a:tcPr>
+                </a:tc>
+                <a:tc>
+                  <a:txBody>
+                    <a:bodyPr/>
+                    <a:lstStyle/>
+                    <a:p>
+                      <a:pPr algn="ctr"/>
+                      <a:r>
+                        <a:rPr lang="en-US" sz="1600" b="0" dirty="0" smtClean="0">
+                          <a:solidFill>
+                            <a:srgbClr val="B5B8C4"/>
+                          </a:solidFill>
+                          <a:latin typeface="Helvetica Neue" charset="0"/>
+                          <a:ea typeface="Helvetica Neue" charset="0"/>
+                          <a:cs typeface="Helvetica Neue" charset="0"/>
+                        </a:rPr>
+                        <a:t>Future Work</a:t>
+                      </a:r>
+                      <a:endParaRPr lang="en-US" sz="1600" b="0" dirty="0">
+                        <a:solidFill>
+                          <a:srgbClr val="B5B8C4"/>
+                        </a:solidFill>
+                        <a:latin typeface="Helvetica Neue" charset="0"/>
+                        <a:ea typeface="Helvetica Neue" charset="0"/>
+                        <a:cs typeface="Helvetica Neue" charset="0"/>
+                      </a:endParaRPr>
+                    </a:p>
+                  </a:txBody>
+                  <a:tcPr anchor="b">
+                    <a:lnL w="12700" cmpd="sng">
+                      <a:noFill/>
+                    </a:lnL>
+                    <a:lnR w="12700" cmpd="sng">
+                      <a:noFill/>
+                    </a:lnR>
+                    <a:lnT w="12700" cmpd="sng">
+                      <a:noFill/>
+                    </a:lnT>
+                    <a:lnB w="38100" cmpd="sng">
+                      <a:noFill/>
+                    </a:lnB>
+                    <a:lnTlToBr w="12700" cmpd="sng">
+                      <a:noFill/>
+                      <a:prstDash val="solid"/>
+                    </a:lnTlToBr>
+                    <a:lnBlToTr w="12700" cmpd="sng">
+                      <a:noFill/>
+                      <a:prstDash val="solid"/>
+                    </a:lnBlToTr>
+                    <a:solidFill>
+                      <a:srgbClr val="1689B9"/>
+                    </a:solidFill>
+                  </a:tcPr>
+                </a:tc>
+                <a:tc>
+                  <a:txBody>
+                    <a:bodyPr/>
+                    <a:lstStyle/>
+                    <a:p>
+                      <a:pPr algn="ctr"/>
+                      <a:r>
+                        <a:rPr lang="en-US" sz="1600" b="0" dirty="0" smtClean="0">
+                          <a:solidFill>
+                            <a:srgbClr val="B5B8C4"/>
+                          </a:solidFill>
+                          <a:latin typeface="Helvetica Neue" charset="0"/>
+                          <a:ea typeface="Helvetica Neue" charset="0"/>
+                          <a:cs typeface="Helvetica Neue" charset="0"/>
+                        </a:rPr>
+                        <a:t>Conclusion</a:t>
+                      </a:r>
+                      <a:endParaRPr lang="en-US" sz="1600" b="0" dirty="0">
+                        <a:solidFill>
+                          <a:srgbClr val="B5B8C4"/>
+                        </a:solidFill>
+                        <a:latin typeface="Helvetica Neue" charset="0"/>
+                        <a:ea typeface="Helvetica Neue" charset="0"/>
+                        <a:cs typeface="Helvetica Neue" charset="0"/>
+                      </a:endParaRPr>
+                    </a:p>
+                  </a:txBody>
+                  <a:tcPr anchor="b">
+                    <a:lnL w="12700" cmpd="sng">
+                      <a:noFill/>
+                    </a:lnL>
+                    <a:lnR w="12700" cmpd="sng">
+                      <a:noFill/>
+                    </a:lnR>
+                    <a:lnT w="12700" cmpd="sng">
+                      <a:noFill/>
+                    </a:lnT>
+                    <a:lnB w="38100" cmpd="sng">
+                      <a:noFill/>
+                    </a:lnB>
+                    <a:lnTlToBr w="12700" cmpd="sng">
+                      <a:noFill/>
+                      <a:prstDash val="solid"/>
+                    </a:lnTlToBr>
+                    <a:lnBlToTr w="12700" cmpd="sng">
+                      <a:noFill/>
+                      <a:prstDash val="solid"/>
+                    </a:lnBlToTr>
+                    <a:solidFill>
+                      <a:srgbClr val="1689B9"/>
+                    </a:solidFill>
+                  </a:tcPr>
+                </a:tc>
+              </a:tr>
+            </a:tbl>
+          </a:graphicData>
+        </a:graphic>
+      </p:graphicFrame>
+    </p:spTree>
+    <p:extLst>
+      <p:ext uri="{BB962C8B-B14F-4D97-AF65-F5344CB8AC3E}">
+        <p14:creationId xmlns:p14="http://schemas.microsoft.com/office/powerpoint/2010/main" val="647229047"/>
+      </p:ext>
+    </p:extLst>
+  </p:cSld>
+  <p:clrMapOvr>
+    <a:masterClrMapping/>
+  </p:clrMapOvr>
+</p:sld>
+</file>
+
+<file path=ppt/slides/slide20.xml><?xml version="1.0" encoding="utf-8"?>
+<p:sld xmlns:a="http://schemas.openxmlformats.org/drawingml/2006/main" xmlns:r="http://schemas.openxmlformats.org/officeDocument/2006/relationships" xmlns:p="http://schemas.openxmlformats.org/presentationml/2006/main">
+  <p:cSld>
+    <p:spTree>
+      <p:nvGrpSpPr>
+        <p:cNvPr id="1" name=""/>
+        <p:cNvGrpSpPr/>
+        <p:nvPr/>
+      </p:nvGrpSpPr>
+      <p:grpSpPr>
+        <a:xfrm>
+          <a:off x="0" y="0"/>
+          <a:ext cx="0" cy="0"/>
+          <a:chOff x="0" y="0"/>
+          <a:chExt cx="0" cy="0"/>
+        </a:xfrm>
+      </p:grpSpPr>
+      <p:sp>
+        <p:nvSpPr>
+          <p:cNvPr id="2" name="Title 1"/>
+          <p:cNvSpPr>
+            <a:spLocks noGrp="1"/>
+          </p:cNvSpPr>
+          <p:nvPr>
+            <p:ph type="title"/>
+          </p:nvPr>
+        </p:nvSpPr>
+        <p:spPr/>
+        <p:txBody>
+          <a:bodyPr>
+            <a:normAutofit fontScale="90000"/>
+          </a:bodyPr>
+          <a:lstStyle/>
+          <a:p>
+            <a:r>
+              <a:rPr lang="en-US" dirty="0"/>
+              <a:t>For what purposes do students in a degree program use a hashtag?</a:t>
+            </a:r>
+          </a:p>
+        </p:txBody>
+      </p:sp>
+      <p:sp>
+        <p:nvSpPr>
+          <p:cNvPr id="3" name="Content Placeholder 2"/>
+          <p:cNvSpPr>
+            <a:spLocks noGrp="1"/>
+          </p:cNvSpPr>
+          <p:nvPr>
+            <p:ph idx="1"/>
+          </p:nvPr>
+        </p:nvSpPr>
+        <p:spPr/>
+        <p:txBody>
+          <a:bodyPr>
+            <a:normAutofit/>
+          </a:bodyPr>
+          <a:lstStyle/>
+          <a:p>
+            <a:pPr marL="0" indent="0">
+              <a:buNone/>
+            </a:pPr>
+            <a:r>
+              <a:rPr lang="en-US" dirty="0" smtClean="0"/>
+              <a:t>Gathered tweets from over a year from students in a Master of Arts in Educational Technology degree program and coded them to understand what purposes they served</a:t>
+            </a:r>
+          </a:p>
+          <a:p>
+            <a:endParaRPr lang="en-US" dirty="0"/>
+          </a:p>
+        </p:txBody>
+      </p:sp>
+    </p:spTree>
+    <p:extLst>
+      <p:ext uri="{BB962C8B-B14F-4D97-AF65-F5344CB8AC3E}">
+        <p14:creationId xmlns:p14="http://schemas.microsoft.com/office/powerpoint/2010/main" val="1859919496"/>
+      </p:ext>
+    </p:extLst>
+  </p:cSld>
+  <p:clrMapOvr>
+    <a:masterClrMapping/>
+  </p:clrMapOvr>
+</p:sld>
+</file>
+
+<file path=ppt/slides/slide21.xml><?xml version="1.0" encoding="utf-8"?>
+<p:sld xmlns:a="http://schemas.openxmlformats.org/drawingml/2006/main" xmlns:r="http://schemas.openxmlformats.org/officeDocument/2006/relationships" xmlns:p="http://schemas.openxmlformats.org/presentationml/2006/main">
+  <p:cSld>
+    <p:spTree>
+      <p:nvGrpSpPr>
+        <p:cNvPr id="1" name=""/>
+        <p:cNvGrpSpPr/>
+        <p:nvPr/>
+      </p:nvGrpSpPr>
+      <p:grpSpPr>
+        <a:xfrm>
+          <a:off x="0" y="0"/>
+          <a:ext cx="0" cy="0"/>
+          <a:chOff x="0" y="0"/>
+          <a:chExt cx="0" cy="0"/>
+        </a:xfrm>
+      </p:grpSpPr>
+      <p:sp>
+        <p:nvSpPr>
+          <p:cNvPr id="2" name="Title 1"/>
+          <p:cNvSpPr>
+            <a:spLocks noGrp="1"/>
+          </p:cNvSpPr>
+          <p:nvPr>
+            <p:ph type="title"/>
+          </p:nvPr>
+        </p:nvSpPr>
+        <p:spPr/>
+        <p:txBody>
+          <a:bodyPr>
+            <a:normAutofit fontScale="90000"/>
+          </a:bodyPr>
+          <a:lstStyle/>
+          <a:p>
+            <a:r>
+              <a:rPr lang="en-US" dirty="0"/>
+              <a:t>For what purposes do students in a degree program use a hashtag?</a:t>
+            </a:r>
+          </a:p>
+        </p:txBody>
+      </p:sp>
+      <p:sp>
+        <p:nvSpPr>
+          <p:cNvPr id="3" name="Content Placeholder 2"/>
+          <p:cNvSpPr>
+            <a:spLocks noGrp="1"/>
+          </p:cNvSpPr>
+          <p:nvPr>
+            <p:ph idx="1"/>
+          </p:nvPr>
+        </p:nvSpPr>
+        <p:spPr/>
+        <p:txBody>
+          <a:bodyPr>
+            <a:normAutofit/>
+          </a:bodyPr>
+          <a:lstStyle/>
+          <a:p>
+            <a:pPr marL="0" indent="0">
+              <a:buNone/>
+            </a:pPr>
+            <a:endParaRPr lang="en-US" dirty="0"/>
+          </a:p>
+        </p:txBody>
+      </p:sp>
+    </p:spTree>
+    <p:extLst>
+      <p:ext uri="{BB962C8B-B14F-4D97-AF65-F5344CB8AC3E}">
+        <p14:creationId xmlns:p14="http://schemas.microsoft.com/office/powerpoint/2010/main" val="1349033192"/>
+      </p:ext>
+    </p:extLst>
+  </p:cSld>
+  <p:clrMapOvr>
+    <a:masterClrMapping/>
+  </p:clrMapOvr>
+</p:sld>
+</file>
+
+<file path=ppt/slides/slide22.xml><?xml version="1.0" encoding="utf-8"?>
+<p:sld xmlns:a="http://schemas.openxmlformats.org/drawingml/2006/main" xmlns:r="http://schemas.openxmlformats.org/officeDocument/2006/relationships" xmlns:p="http://schemas.openxmlformats.org/presentationml/2006/main">
+  <p:cSld>
+    <p:spTree>
+      <p:nvGrpSpPr>
+        <p:cNvPr id="1" name=""/>
+        <p:cNvGrpSpPr/>
+        <p:nvPr/>
+      </p:nvGrpSpPr>
+      <p:grpSpPr>
+        <a:xfrm>
+          <a:off x="0" y="0"/>
+          <a:ext cx="0" cy="0"/>
+          <a:chOff x="0" y="0"/>
+          <a:chExt cx="0" cy="0"/>
+        </a:xfrm>
+      </p:grpSpPr>
+      <p:sp>
+        <p:nvSpPr>
+          <p:cNvPr id="2" name="Title 1"/>
+          <p:cNvSpPr>
+            <a:spLocks noGrp="1"/>
+          </p:cNvSpPr>
+          <p:nvPr>
+            <p:ph type="title"/>
+          </p:nvPr>
+        </p:nvSpPr>
+        <p:spPr/>
+        <p:txBody>
+          <a:bodyPr>
+            <a:normAutofit fontScale="90000"/>
+          </a:bodyPr>
+          <a:lstStyle/>
+          <a:p>
+            <a:r>
+              <a:rPr lang="en-US" dirty="0"/>
+              <a:t>For what purposes do students in a </a:t>
+            </a:r>
+            <a:r>
+              <a:rPr lang="en-US" dirty="0" smtClean="0"/>
+              <a:t>degree </a:t>
+            </a:r>
+            <a:r>
+              <a:rPr lang="en-US" dirty="0"/>
+              <a:t>program use a hashtag?</a:t>
+            </a:r>
+          </a:p>
+        </p:txBody>
+      </p:sp>
+      <p:sp>
+        <p:nvSpPr>
+          <p:cNvPr id="3" name="Content Placeholder 2"/>
+          <p:cNvSpPr>
+            <a:spLocks noGrp="1"/>
+          </p:cNvSpPr>
+          <p:nvPr>
+            <p:ph idx="1"/>
+          </p:nvPr>
+        </p:nvSpPr>
+        <p:spPr/>
+        <p:txBody>
+          <a:bodyPr>
+            <a:normAutofit/>
+          </a:bodyPr>
+          <a:lstStyle/>
+          <a:p>
+            <a:pPr marL="0" indent="0">
+              <a:buNone/>
+            </a:pPr>
+            <a:endParaRPr lang="en-US" dirty="0"/>
+          </a:p>
+        </p:txBody>
+      </p:sp>
+    </p:spTree>
+    <p:extLst>
+      <p:ext uri="{BB962C8B-B14F-4D97-AF65-F5344CB8AC3E}">
+        <p14:creationId xmlns:p14="http://schemas.microsoft.com/office/powerpoint/2010/main" val="445378034"/>
+      </p:ext>
+    </p:extLst>
+  </p:cSld>
+  <p:clrMapOvr>
+    <a:masterClrMapping/>
+  </p:clrMapOvr>
+</p:sld>
+</file>
+
+<file path=ppt/slides/slide23.xml><?xml version="1.0" encoding="utf-8"?>
+<p:sld xmlns:a="http://schemas.openxmlformats.org/drawingml/2006/main" xmlns:r="http://schemas.openxmlformats.org/officeDocument/2006/relationships" xmlns:p="http://schemas.openxmlformats.org/presentationml/2006/main">
+  <p:cSld>
+    <p:spTree>
+      <p:nvGrpSpPr>
+        <p:cNvPr id="1" name=""/>
+        <p:cNvGrpSpPr/>
+        <p:nvPr/>
+      </p:nvGrpSpPr>
+      <p:grpSpPr>
+        <a:xfrm>
+          <a:off x="0" y="0"/>
+          <a:ext cx="0" cy="0"/>
+          <a:chOff x="0" y="0"/>
+          <a:chExt cx="0" cy="0"/>
+        </a:xfrm>
+      </p:grpSpPr>
+      <p:sp>
+        <p:nvSpPr>
+          <p:cNvPr id="2" name="Title 1"/>
+          <p:cNvSpPr>
+            <a:spLocks noGrp="1"/>
+          </p:cNvSpPr>
+          <p:nvPr>
+            <p:ph type="title"/>
+          </p:nvPr>
+        </p:nvSpPr>
+        <p:spPr/>
+        <p:txBody>
+          <a:bodyPr>
+            <a:normAutofit fontScale="90000"/>
+          </a:bodyPr>
+          <a:lstStyle/>
+          <a:p>
+            <a:r>
+              <a:rPr lang="en-US" dirty="0" smtClean="0"/>
+              <a:t>How does community form among in-service STEM teachers?</a:t>
+            </a:r>
+            <a:endParaRPr lang="en-US" dirty="0"/>
+          </a:p>
+        </p:txBody>
+      </p:sp>
+      <p:sp>
+        <p:nvSpPr>
+          <p:cNvPr id="3" name="Content Placeholder 2"/>
+          <p:cNvSpPr>
+            <a:spLocks noGrp="1"/>
+          </p:cNvSpPr>
+          <p:nvPr>
+            <p:ph idx="1"/>
+          </p:nvPr>
+        </p:nvSpPr>
+        <p:spPr/>
+        <p:txBody>
+          <a:bodyPr>
+            <a:normAutofit/>
+          </a:bodyPr>
+          <a:lstStyle/>
+          <a:p>
+            <a:pPr marL="0" indent="0">
+              <a:buNone/>
+            </a:pPr>
+            <a:r>
+              <a:rPr lang="en-US" dirty="0" smtClean="0"/>
+              <a:t>Used social network analysis models and methods to understand the development of community among in-service STEM teachers in a graduate certificate program</a:t>
+            </a:r>
+          </a:p>
+          <a:p>
+            <a:endParaRPr lang="en-US" dirty="0" smtClean="0"/>
+          </a:p>
+          <a:p>
+            <a:endParaRPr lang="en-US" dirty="0" smtClean="0"/>
+          </a:p>
+          <a:p>
+            <a:endParaRPr lang="en-US" dirty="0"/>
+          </a:p>
+        </p:txBody>
+      </p:sp>
+    </p:spTree>
+    <p:extLst>
+      <p:ext uri="{BB962C8B-B14F-4D97-AF65-F5344CB8AC3E}">
+        <p14:creationId xmlns:p14="http://schemas.microsoft.com/office/powerpoint/2010/main" val="1030602939"/>
+      </p:ext>
+    </p:extLst>
+  </p:cSld>
+  <p:clrMapOvr>
+    <a:masterClrMapping/>
+  </p:clrMapOvr>
+</p:sld>
+</file>
+
+<file path=ppt/slides/slide24.xml><?xml version="1.0" encoding="utf-8"?>
+<p:sld xmlns:a="http://schemas.openxmlformats.org/drawingml/2006/main" xmlns:r="http://schemas.openxmlformats.org/officeDocument/2006/relationships" xmlns:p="http://schemas.openxmlformats.org/presentationml/2006/main">
+  <p:cSld>
+    <p:spTree>
+      <p:nvGrpSpPr>
+        <p:cNvPr id="1" name=""/>
+        <p:cNvGrpSpPr/>
+        <p:nvPr/>
+      </p:nvGrpSpPr>
+      <p:grpSpPr>
+        <a:xfrm>
+          <a:off x="0" y="0"/>
+          <a:ext cx="0" cy="0"/>
+          <a:chOff x="0" y="0"/>
+          <a:chExt cx="0" cy="0"/>
+        </a:xfrm>
+      </p:grpSpPr>
+      <p:sp>
+        <p:nvSpPr>
+          <p:cNvPr id="2" name="Title 1"/>
+          <p:cNvSpPr>
+            <a:spLocks noGrp="1"/>
+          </p:cNvSpPr>
+          <p:nvPr>
+            <p:ph type="title"/>
+          </p:nvPr>
+        </p:nvSpPr>
+        <p:spPr/>
+        <p:txBody>
+          <a:bodyPr>
+            <a:normAutofit fontScale="90000"/>
+          </a:bodyPr>
+          <a:lstStyle/>
+          <a:p>
+            <a:r>
+              <a:rPr lang="en-US" dirty="0"/>
+              <a:t>How does community form among in-service STEM teachers?</a:t>
+            </a:r>
+          </a:p>
+        </p:txBody>
+      </p:sp>
+      <p:sp>
+        <p:nvSpPr>
+          <p:cNvPr id="3" name="Content Placeholder 2"/>
+          <p:cNvSpPr>
+            <a:spLocks noGrp="1"/>
+          </p:cNvSpPr>
+          <p:nvPr>
+            <p:ph idx="1"/>
+          </p:nvPr>
+        </p:nvSpPr>
+        <p:spPr/>
+        <p:txBody>
+          <a:bodyPr>
+            <a:normAutofit/>
+          </a:bodyPr>
+          <a:lstStyle/>
+          <a:p>
+            <a:pPr marL="0" indent="0">
+              <a:buNone/>
+            </a:pPr>
+            <a:endParaRPr lang="en-US" dirty="0"/>
+          </a:p>
+        </p:txBody>
+      </p:sp>
+    </p:spTree>
+    <p:extLst>
+      <p:ext uri="{BB962C8B-B14F-4D97-AF65-F5344CB8AC3E}">
+        <p14:creationId xmlns:p14="http://schemas.microsoft.com/office/powerpoint/2010/main" val="107173354"/>
+      </p:ext>
+    </p:extLst>
+  </p:cSld>
+  <p:clrMapOvr>
+    <a:masterClrMapping/>
+  </p:clrMapOvr>
+</p:sld>
+</file>
+
+<file path=ppt/slides/slide25.xml><?xml version="1.0" encoding="utf-8"?>
+<p:sld xmlns:a="http://schemas.openxmlformats.org/drawingml/2006/main" xmlns:r="http://schemas.openxmlformats.org/officeDocument/2006/relationships" xmlns:p="http://schemas.openxmlformats.org/presentationml/2006/main">
+  <p:cSld>
+    <p:spTree>
+      <p:nvGrpSpPr>
+        <p:cNvPr id="1" name=""/>
+        <p:cNvGrpSpPr/>
+        <p:nvPr/>
+      </p:nvGrpSpPr>
+      <p:grpSpPr>
+        <a:xfrm>
+          <a:off x="0" y="0"/>
+          <a:ext cx="0" cy="0"/>
+          <a:chOff x="0" y="0"/>
+          <a:chExt cx="0" cy="0"/>
+        </a:xfrm>
+      </p:grpSpPr>
+      <p:sp>
+        <p:nvSpPr>
+          <p:cNvPr id="2" name="Title 1"/>
+          <p:cNvSpPr>
+            <a:spLocks noGrp="1"/>
+          </p:cNvSpPr>
+          <p:nvPr>
+            <p:ph type="title"/>
+          </p:nvPr>
+        </p:nvSpPr>
+        <p:spPr/>
+        <p:txBody>
+          <a:bodyPr>
+            <a:normAutofit fontScale="90000"/>
+          </a:bodyPr>
+          <a:lstStyle/>
+          <a:p>
+            <a:r>
+              <a:rPr lang="en-US" dirty="0"/>
+              <a:t>How does community form among in-service STEM teachers?</a:t>
+            </a:r>
+          </a:p>
+        </p:txBody>
+      </p:sp>
+      <p:sp>
+        <p:nvSpPr>
+          <p:cNvPr id="3" name="Content Placeholder 2"/>
+          <p:cNvSpPr>
+            <a:spLocks noGrp="1"/>
+          </p:cNvSpPr>
+          <p:nvPr>
+            <p:ph idx="1"/>
+          </p:nvPr>
+        </p:nvSpPr>
+        <p:spPr/>
+        <p:txBody>
+          <a:bodyPr>
+            <a:normAutofit/>
+          </a:bodyPr>
+          <a:lstStyle/>
+          <a:p>
+            <a:pPr marL="0" indent="0">
+              <a:buNone/>
+            </a:pPr>
+            <a:endParaRPr lang="en-US" dirty="0"/>
+          </a:p>
+        </p:txBody>
+      </p:sp>
+    </p:spTree>
+    <p:extLst>
+      <p:ext uri="{BB962C8B-B14F-4D97-AF65-F5344CB8AC3E}">
+        <p14:creationId xmlns:p14="http://schemas.microsoft.com/office/powerpoint/2010/main" val="139618940"/>
+      </p:ext>
+    </p:extLst>
+  </p:cSld>
+  <p:clrMapOvr>
+    <a:masterClrMapping/>
+  </p:clrMapOvr>
+</p:sld>
+</file>
+
+<file path=ppt/slides/slide26.xml><?xml version="1.0" encoding="utf-8"?>
+<p:sld xmlns:a="http://schemas.openxmlformats.org/drawingml/2006/main" xmlns:r="http://schemas.openxmlformats.org/officeDocument/2006/relationships" xmlns:p="http://schemas.openxmlformats.org/presentationml/2006/main">
+  <p:cSld>
+    <p:spTree>
+      <p:nvGrpSpPr>
+        <p:cNvPr id="1" name=""/>
+        <p:cNvGrpSpPr/>
+        <p:nvPr/>
+      </p:nvGrpSpPr>
+      <p:grpSpPr>
+        <a:xfrm>
+          <a:off x="0" y="0"/>
+          <a:ext cx="0" cy="0"/>
+          <a:chOff x="0" y="0"/>
+          <a:chExt cx="0" cy="0"/>
+        </a:xfrm>
+      </p:grpSpPr>
+      <p:sp>
+        <p:nvSpPr>
+          <p:cNvPr id="3" name="Content Placeholder 2"/>
+          <p:cNvSpPr>
+            <a:spLocks noGrp="1"/>
+          </p:cNvSpPr>
+          <p:nvPr>
+            <p:ph idx="1"/>
+          </p:nvPr>
+        </p:nvSpPr>
+        <p:spPr>
+          <a:xfrm>
+            <a:off x="457200" y="765313"/>
+            <a:ext cx="8229600" cy="5711687"/>
+          </a:xfrm>
+        </p:spPr>
+        <p:txBody>
+          <a:bodyPr anchor="ctr"/>
+          <a:lstStyle/>
+          <a:p>
+            <a:pPr marL="0" indent="0">
+              <a:buNone/>
+            </a:pPr>
+            <a:r>
+              <a:rPr lang="en-US" dirty="0" smtClean="0">
+                <a:solidFill>
+                  <a:srgbClr val="B5B8C4"/>
+                </a:solidFill>
+              </a:rPr>
+              <a:t>Introduction</a:t>
+            </a:r>
+          </a:p>
+          <a:p>
+            <a:pPr marL="0" indent="0">
+              <a:buNone/>
+            </a:pPr>
+            <a:r>
+              <a:rPr lang="en-US" dirty="0" smtClean="0">
+                <a:solidFill>
+                  <a:srgbClr val="B5B8C4"/>
+                </a:solidFill>
+              </a:rPr>
+              <a:t>Experience </a:t>
+            </a:r>
+            <a:r>
+              <a:rPr lang="en-US" dirty="0">
+                <a:solidFill>
+                  <a:srgbClr val="B5B8C4"/>
+                </a:solidFill>
+              </a:rPr>
+              <a:t>Sampling </a:t>
+            </a:r>
+            <a:endParaRPr lang="en-US" dirty="0" smtClean="0">
+              <a:solidFill>
+                <a:srgbClr val="B5B8C4"/>
+              </a:solidFill>
+            </a:endParaRPr>
+          </a:p>
+          <a:p>
+            <a:pPr marL="0" indent="0">
+              <a:buNone/>
+            </a:pPr>
+            <a:r>
+              <a:rPr lang="en-US" dirty="0" smtClean="0">
+                <a:solidFill>
+                  <a:srgbClr val="B5B8C4"/>
+                </a:solidFill>
+              </a:rPr>
+              <a:t>Networks</a:t>
+            </a:r>
+          </a:p>
+          <a:p>
+            <a:pPr marL="0" indent="0">
+              <a:buNone/>
+            </a:pPr>
+            <a:r>
+              <a:rPr lang="en-US" dirty="0" smtClean="0"/>
+              <a:t>Future Work</a:t>
+            </a:r>
+          </a:p>
+          <a:p>
+            <a:pPr marL="0" indent="0">
+              <a:buNone/>
+            </a:pPr>
+            <a:r>
+              <a:rPr lang="en-US" dirty="0" smtClean="0">
+                <a:solidFill>
+                  <a:srgbClr val="B5B8C4"/>
+                </a:solidFill>
+              </a:rPr>
+              <a:t>Conclusions</a:t>
+            </a:r>
+            <a:endParaRPr lang="en-US" dirty="0">
+              <a:solidFill>
+                <a:srgbClr val="B5B8C4"/>
+              </a:solidFill>
+            </a:endParaRPr>
+          </a:p>
+        </p:txBody>
+      </p:sp>
+      <p:graphicFrame>
+        <p:nvGraphicFramePr>
+          <p:cNvPr id="4" name="Table 3"/>
+          <p:cNvGraphicFramePr>
+            <a:graphicFrameLocks noGrp="1"/>
+          </p:cNvGraphicFramePr>
+          <p:nvPr>
+            <p:extLst/>
+          </p:nvPr>
+        </p:nvGraphicFramePr>
+        <p:xfrm>
+          <a:off x="-2" y="-31433"/>
+          <a:ext cx="9144000" cy="409947"/>
+        </p:xfrm>
+        <a:graphic>
+          <a:graphicData uri="http://schemas.openxmlformats.org/drawingml/2006/table">
+            <a:tbl>
+              <a:tblPr firstRow="1" bandRow="1">
+                <a:tableStyleId>{5C22544A-7EE6-4342-B048-85BDC9FD1C3A}</a:tableStyleId>
+              </a:tblPr>
+              <a:tblGrid>
+                <a:gridCol w="1828800"/>
+                <a:gridCol w="1828800"/>
+                <a:gridCol w="1828800"/>
+                <a:gridCol w="1828800"/>
+                <a:gridCol w="1828800"/>
+              </a:tblGrid>
+              <a:tr h="409947">
+                <a:tc>
+                  <a:txBody>
+                    <a:bodyPr/>
+                    <a:lstStyle/>
+                    <a:p>
+                      <a:pPr algn="ctr"/>
+                      <a:r>
+                        <a:rPr lang="en-US" sz="1600" b="0" dirty="0" smtClean="0">
+                          <a:solidFill>
+                            <a:schemeClr val="tx1"/>
+                          </a:solidFill>
+                          <a:latin typeface="Helvetica Neue" charset="0"/>
+                          <a:ea typeface="Helvetica Neue" charset="0"/>
+                          <a:cs typeface="Helvetica Neue" charset="0"/>
+                        </a:rPr>
+                        <a:t>Introduction</a:t>
+                      </a:r>
+                      <a:endParaRPr lang="en-US" sz="1600" b="0" dirty="0">
+                        <a:solidFill>
+                          <a:schemeClr val="tx1"/>
+                        </a:solidFill>
+                        <a:latin typeface="Helvetica Neue" charset="0"/>
+                        <a:ea typeface="Helvetica Neue" charset="0"/>
+                        <a:cs typeface="Helvetica Neue" charset="0"/>
+                      </a:endParaRPr>
+                    </a:p>
+                  </a:txBody>
+                  <a:tcPr anchor="b">
+                    <a:lnL w="12700" cmpd="sng">
+                      <a:noFill/>
+                    </a:lnL>
+                    <a:lnR w="12700" cmpd="sng">
+                      <a:noFill/>
+                    </a:lnR>
+                    <a:lnT w="12700" cmpd="sng">
+                      <a:noFill/>
+                    </a:lnT>
+                    <a:lnB w="38100" cmpd="sng">
+                      <a:noFill/>
+                    </a:lnB>
+                    <a:lnTlToBr w="12700" cmpd="sng">
+                      <a:noFill/>
+                      <a:prstDash val="solid"/>
+                    </a:lnTlToBr>
+                    <a:lnBlToTr w="12700" cmpd="sng">
+                      <a:noFill/>
+                      <a:prstDash val="solid"/>
+                    </a:lnBlToTr>
+                    <a:solidFill>
+                      <a:srgbClr val="1689B9"/>
+                    </a:solidFill>
+                  </a:tcPr>
+                </a:tc>
+                <a:tc>
+                  <a:txBody>
+                    <a:bodyPr/>
+                    <a:lstStyle/>
+                    <a:p>
+                      <a:pPr algn="ctr"/>
+                      <a:r>
+                        <a:rPr lang="en-US" sz="1600" b="0" dirty="0" smtClean="0">
+                          <a:solidFill>
+                            <a:srgbClr val="B5B8C4"/>
+                          </a:solidFill>
+                          <a:latin typeface="Helvetica Neue" charset="0"/>
+                          <a:ea typeface="Helvetica Neue" charset="0"/>
+                          <a:cs typeface="Helvetica Neue" charset="0"/>
+                        </a:rPr>
+                        <a:t>ESM</a:t>
+                      </a:r>
+                      <a:endParaRPr lang="en-US" sz="1600" b="0" dirty="0">
+                        <a:solidFill>
+                          <a:srgbClr val="B5B8C4"/>
+                        </a:solidFill>
+                        <a:latin typeface="Helvetica Neue" charset="0"/>
+                        <a:ea typeface="Helvetica Neue" charset="0"/>
+                        <a:cs typeface="Helvetica Neue" charset="0"/>
+                      </a:endParaRPr>
+                    </a:p>
+                  </a:txBody>
+                  <a:tcPr anchor="b">
+                    <a:lnL w="12700" cmpd="sng">
+                      <a:noFill/>
+                    </a:lnL>
+                    <a:lnR w="12700" cmpd="sng">
+                      <a:noFill/>
+                    </a:lnR>
+                    <a:lnT w="12700" cmpd="sng">
+                      <a:noFill/>
+                    </a:lnT>
+                    <a:lnB w="38100" cmpd="sng">
+                      <a:noFill/>
+                    </a:lnB>
+                    <a:lnTlToBr w="12700" cmpd="sng">
+                      <a:noFill/>
+                      <a:prstDash val="solid"/>
+                    </a:lnTlToBr>
+                    <a:lnBlToTr w="12700" cmpd="sng">
+                      <a:noFill/>
+                      <a:prstDash val="solid"/>
+                    </a:lnBlToTr>
+                    <a:solidFill>
+                      <a:srgbClr val="1689B9"/>
+                    </a:solidFill>
+                  </a:tcPr>
+                </a:tc>
+                <a:tc>
+                  <a:txBody>
+                    <a:bodyPr/>
+                    <a:lstStyle/>
+                    <a:p>
+                      <a:pPr algn="ctr"/>
+                      <a:r>
+                        <a:rPr lang="en-US" sz="1600" b="0" dirty="0" smtClean="0">
+                          <a:solidFill>
+                            <a:srgbClr val="B5B8C4"/>
+                          </a:solidFill>
+                          <a:latin typeface="Helvetica Neue" charset="0"/>
+                          <a:ea typeface="Helvetica Neue" charset="0"/>
+                          <a:cs typeface="Helvetica Neue" charset="0"/>
+                        </a:rPr>
+                        <a:t>Networks</a:t>
+                      </a:r>
+                      <a:endParaRPr lang="en-US" sz="1600" b="0" dirty="0">
+                        <a:solidFill>
+                          <a:srgbClr val="B5B8C4"/>
+                        </a:solidFill>
+                        <a:latin typeface="Helvetica Neue" charset="0"/>
+                        <a:ea typeface="Helvetica Neue" charset="0"/>
+                        <a:cs typeface="Helvetica Neue" charset="0"/>
+                      </a:endParaRPr>
+                    </a:p>
+                  </a:txBody>
+                  <a:tcPr anchor="b">
+                    <a:lnL w="12700" cmpd="sng">
+                      <a:noFill/>
+                    </a:lnL>
+                    <a:lnR w="12700" cmpd="sng">
+                      <a:noFill/>
+                    </a:lnR>
+                    <a:lnT w="12700" cmpd="sng">
+                      <a:noFill/>
+                    </a:lnT>
+                    <a:lnB w="38100" cmpd="sng">
+                      <a:noFill/>
+                    </a:lnB>
+                    <a:lnTlToBr w="12700" cmpd="sng">
+                      <a:noFill/>
+                      <a:prstDash val="solid"/>
+                    </a:lnTlToBr>
+                    <a:lnBlToTr w="12700" cmpd="sng">
+                      <a:noFill/>
+                      <a:prstDash val="solid"/>
+                    </a:lnBlToTr>
+                    <a:solidFill>
+                      <a:srgbClr val="1689B9"/>
+                    </a:solidFill>
+                  </a:tcPr>
+                </a:tc>
+                <a:tc>
+                  <a:txBody>
+                    <a:bodyPr/>
+                    <a:lstStyle/>
+                    <a:p>
+                      <a:pPr algn="ctr"/>
+                      <a:r>
+                        <a:rPr lang="en-US" sz="1600" b="0" dirty="0" smtClean="0">
+                          <a:solidFill>
+                            <a:srgbClr val="B5B8C4"/>
+                          </a:solidFill>
+                          <a:latin typeface="Helvetica Neue" charset="0"/>
+                          <a:ea typeface="Helvetica Neue" charset="0"/>
+                          <a:cs typeface="Helvetica Neue" charset="0"/>
+                        </a:rPr>
+                        <a:t>Future Work</a:t>
+                      </a:r>
+                      <a:endParaRPr lang="en-US" sz="1600" b="0" dirty="0">
+                        <a:solidFill>
+                          <a:srgbClr val="B5B8C4"/>
+                        </a:solidFill>
+                        <a:latin typeface="Helvetica Neue" charset="0"/>
+                        <a:ea typeface="Helvetica Neue" charset="0"/>
+                        <a:cs typeface="Helvetica Neue" charset="0"/>
+                      </a:endParaRPr>
+                    </a:p>
+                  </a:txBody>
+                  <a:tcPr anchor="b">
+                    <a:lnL w="12700" cmpd="sng">
+                      <a:noFill/>
+                    </a:lnL>
+                    <a:lnR w="12700" cmpd="sng">
+                      <a:noFill/>
+                    </a:lnR>
+                    <a:lnT w="12700" cmpd="sng">
+                      <a:noFill/>
+                    </a:lnT>
+                    <a:lnB w="38100" cmpd="sng">
+                      <a:noFill/>
+                    </a:lnB>
+                    <a:lnTlToBr w="12700" cmpd="sng">
+                      <a:noFill/>
+                      <a:prstDash val="solid"/>
+                    </a:lnTlToBr>
+                    <a:lnBlToTr w="12700" cmpd="sng">
+                      <a:noFill/>
+                      <a:prstDash val="solid"/>
+                    </a:lnBlToTr>
+                    <a:solidFill>
+                      <a:srgbClr val="1689B9"/>
+                    </a:solidFill>
+                  </a:tcPr>
+                </a:tc>
+                <a:tc>
+                  <a:txBody>
+                    <a:bodyPr/>
+                    <a:lstStyle/>
+                    <a:p>
+                      <a:pPr algn="ctr"/>
+                      <a:r>
+                        <a:rPr lang="en-US" sz="1600" b="0" dirty="0" smtClean="0">
+                          <a:solidFill>
+                            <a:srgbClr val="B5B8C4"/>
+                          </a:solidFill>
+                          <a:latin typeface="Helvetica Neue" charset="0"/>
+                          <a:ea typeface="Helvetica Neue" charset="0"/>
+                          <a:cs typeface="Helvetica Neue" charset="0"/>
+                        </a:rPr>
+                        <a:t>Conclusion</a:t>
+                      </a:r>
+                      <a:endParaRPr lang="en-US" sz="1600" b="0" dirty="0">
+                        <a:solidFill>
+                          <a:srgbClr val="B5B8C4"/>
+                        </a:solidFill>
+                        <a:latin typeface="Helvetica Neue" charset="0"/>
+                        <a:ea typeface="Helvetica Neue" charset="0"/>
+                        <a:cs typeface="Helvetica Neue" charset="0"/>
+                      </a:endParaRPr>
+                    </a:p>
+                  </a:txBody>
+                  <a:tcPr anchor="b">
+                    <a:lnL w="12700" cmpd="sng">
+                      <a:noFill/>
+                    </a:lnL>
+                    <a:lnR w="12700" cmpd="sng">
+                      <a:noFill/>
+                    </a:lnR>
+                    <a:lnT w="12700" cmpd="sng">
+                      <a:noFill/>
+                    </a:lnT>
+                    <a:lnB w="38100" cmpd="sng">
+                      <a:noFill/>
+                    </a:lnB>
+                    <a:lnTlToBr w="12700" cmpd="sng">
+                      <a:noFill/>
+                      <a:prstDash val="solid"/>
+                    </a:lnTlToBr>
+                    <a:lnBlToTr w="12700" cmpd="sng">
+                      <a:noFill/>
+                      <a:prstDash val="solid"/>
+                    </a:lnBlToTr>
+                    <a:solidFill>
+                      <a:srgbClr val="1689B9"/>
+                    </a:solidFill>
+                  </a:tcPr>
+                </a:tc>
+              </a:tr>
+            </a:tbl>
+          </a:graphicData>
+        </a:graphic>
+      </p:graphicFrame>
+    </p:spTree>
+    <p:extLst>
+      <p:ext uri="{BB962C8B-B14F-4D97-AF65-F5344CB8AC3E}">
+        <p14:creationId xmlns:p14="http://schemas.microsoft.com/office/powerpoint/2010/main" val="1873009167"/>
+      </p:ext>
+    </p:extLst>
+  </p:cSld>
+  <p:clrMapOvr>
+    <a:masterClrMapping/>
+  </p:clrMapOvr>
+</p:sld>
+</file>
+
+<file path=ppt/slides/slide27.xml><?xml version="1.0" encoding="utf-8"?>
+<p:sld xmlns:a="http://schemas.openxmlformats.org/drawingml/2006/main" xmlns:r="http://schemas.openxmlformats.org/officeDocument/2006/relationships" xmlns:p="http://schemas.openxmlformats.org/presentationml/2006/main">
+  <p:cSld>
+    <p:spTree>
+      <p:nvGrpSpPr>
+        <p:cNvPr id="1" name=""/>
+        <p:cNvGrpSpPr/>
+        <p:nvPr/>
+      </p:nvGrpSpPr>
+      <p:grpSpPr>
+        <a:xfrm>
+          <a:off x="0" y="0"/>
+          <a:ext cx="0" cy="0"/>
+          <a:chOff x="0" y="0"/>
+          <a:chExt cx="0" cy="0"/>
+        </a:xfrm>
+      </p:grpSpPr>
+      <p:sp>
+        <p:nvSpPr>
+          <p:cNvPr id="2" name="Title 1"/>
+          <p:cNvSpPr>
+            <a:spLocks noGrp="1"/>
+          </p:cNvSpPr>
+          <p:nvPr>
+            <p:ph type="title"/>
+          </p:nvPr>
+        </p:nvSpPr>
+        <p:spPr/>
+        <p:txBody>
+          <a:bodyPr>
+            <a:normAutofit/>
+          </a:bodyPr>
+          <a:lstStyle/>
+          <a:p>
+            <a:r>
+              <a:rPr lang="en-US" dirty="0" smtClean="0"/>
+              <a:t>Summary</a:t>
+            </a:r>
+            <a:endParaRPr lang="en-US" dirty="0"/>
+          </a:p>
+        </p:txBody>
+      </p:sp>
+      <p:sp>
+        <p:nvSpPr>
+          <p:cNvPr id="3" name="Content Placeholder 2"/>
+          <p:cNvSpPr>
+            <a:spLocks noGrp="1"/>
+          </p:cNvSpPr>
+          <p:nvPr>
+            <p:ph idx="1"/>
+          </p:nvPr>
+        </p:nvSpPr>
+        <p:spPr/>
+        <p:txBody>
+          <a:bodyPr>
+            <a:normAutofit/>
+          </a:bodyPr>
+          <a:lstStyle/>
+          <a:p>
+            <a:pPr marL="0" indent="0">
+              <a:buNone/>
+            </a:pPr>
+            <a:r>
+              <a:rPr lang="en-US" dirty="0" smtClean="0"/>
+              <a:t>Experience Sampling Method</a:t>
+            </a:r>
+          </a:p>
+          <a:p>
+            <a:r>
+              <a:rPr lang="en-US" dirty="0" smtClean="0"/>
+              <a:t> Affordances</a:t>
+            </a:r>
+          </a:p>
+          <a:p>
+            <a:r>
+              <a:rPr lang="en-US" dirty="0"/>
+              <a:t> </a:t>
+            </a:r>
+            <a:r>
+              <a:rPr lang="en-US" dirty="0" smtClean="0"/>
+              <a:t>Key findings</a:t>
+            </a:r>
+            <a:endParaRPr lang="en-US" dirty="0"/>
+          </a:p>
+          <a:p>
+            <a:pPr marL="0" indent="0">
+              <a:buNone/>
+            </a:pPr>
+            <a:r>
+              <a:rPr lang="en-US" dirty="0" smtClean="0"/>
+              <a:t>Networks </a:t>
+            </a:r>
+          </a:p>
+          <a:p>
+            <a:r>
+              <a:rPr lang="en-US" dirty="0" smtClean="0"/>
+              <a:t> </a:t>
+            </a:r>
+            <a:r>
+              <a:rPr lang="en-US" dirty="0"/>
+              <a:t> Affordances</a:t>
+            </a:r>
+          </a:p>
+          <a:p>
+            <a:r>
+              <a:rPr lang="en-US" dirty="0"/>
+              <a:t> Key </a:t>
+            </a:r>
+            <a:r>
+              <a:rPr lang="en-US" dirty="0" smtClean="0"/>
+              <a:t>findings</a:t>
+            </a:r>
+          </a:p>
+          <a:p>
+            <a:endParaRPr lang="en-US" dirty="0"/>
+          </a:p>
+        </p:txBody>
+      </p:sp>
+    </p:spTree>
+    <p:extLst>
+      <p:ext uri="{BB962C8B-B14F-4D97-AF65-F5344CB8AC3E}">
+        <p14:creationId xmlns:p14="http://schemas.microsoft.com/office/powerpoint/2010/main" val="226099526"/>
+      </p:ext>
+    </p:extLst>
+  </p:cSld>
+  <p:clrMapOvr>
+    <a:masterClrMapping/>
+  </p:clrMapOvr>
+</p:sld>
+</file>
+
+<file path=ppt/slides/slide28.xml><?xml version="1.0" encoding="utf-8"?>
+<p:sld xmlns:a="http://schemas.openxmlformats.org/drawingml/2006/main" xmlns:r="http://schemas.openxmlformats.org/officeDocument/2006/relationships" xmlns:p="http://schemas.openxmlformats.org/presentationml/2006/main">
+  <p:cSld>
+    <p:spTree>
+      <p:nvGrpSpPr>
+        <p:cNvPr id="1" name=""/>
+        <p:cNvGrpSpPr/>
+        <p:nvPr/>
+      </p:nvGrpSpPr>
+      <p:grpSpPr>
+        <a:xfrm>
+          <a:off x="0" y="0"/>
+          <a:ext cx="0" cy="0"/>
+          <a:chOff x="0" y="0"/>
+          <a:chExt cx="0" cy="0"/>
+        </a:xfrm>
+      </p:grpSpPr>
+      <p:sp>
+        <p:nvSpPr>
+          <p:cNvPr id="2" name="Title 1"/>
+          <p:cNvSpPr>
+            <a:spLocks noGrp="1"/>
+          </p:cNvSpPr>
+          <p:nvPr>
+            <p:ph type="title"/>
+          </p:nvPr>
+        </p:nvSpPr>
+        <p:spPr/>
+        <p:txBody>
+          <a:bodyPr>
+            <a:normAutofit/>
+          </a:bodyPr>
+          <a:lstStyle/>
+          <a:p>
+            <a:r>
+              <a:rPr lang="en-US" dirty="0" smtClean="0"/>
+              <a:t>Future Work</a:t>
+            </a:r>
+            <a:endParaRPr lang="en-US" dirty="0"/>
+          </a:p>
+        </p:txBody>
+      </p:sp>
+      <p:sp>
+        <p:nvSpPr>
+          <p:cNvPr id="3" name="Content Placeholder 2"/>
+          <p:cNvSpPr>
+            <a:spLocks noGrp="1"/>
+          </p:cNvSpPr>
+          <p:nvPr>
+            <p:ph idx="1"/>
+          </p:nvPr>
+        </p:nvSpPr>
+        <p:spPr/>
+        <p:txBody>
+          <a:bodyPr>
+            <a:normAutofit/>
+          </a:bodyPr>
+          <a:lstStyle/>
+          <a:p>
+            <a:pPr marL="0" indent="0">
+              <a:buNone/>
+            </a:pPr>
+            <a:r>
+              <a:rPr lang="en-US" dirty="0" smtClean="0"/>
+              <a:t>Supporting students to do data </a:t>
+            </a:r>
+            <a:r>
+              <a:rPr lang="en-US" dirty="0"/>
+              <a:t>s</a:t>
+            </a:r>
+            <a:r>
+              <a:rPr lang="en-US" dirty="0" smtClean="0"/>
+              <a:t>cience</a:t>
+            </a:r>
+          </a:p>
+          <a:p>
+            <a:pPr marL="0" indent="0">
+              <a:buNone/>
+            </a:pPr>
+            <a:r>
+              <a:rPr lang="en-US" dirty="0" smtClean="0"/>
+              <a:t>Combining methods and data sources to study complex phenomena</a:t>
+            </a:r>
+          </a:p>
+          <a:p>
+            <a:pPr marL="0" indent="0">
+              <a:buNone/>
+            </a:pPr>
+            <a:r>
+              <a:rPr lang="en-US" dirty="0" smtClean="0"/>
+              <a:t>Leveraging the network effect to scale innovations</a:t>
+            </a:r>
+            <a:endParaRPr lang="en-US" dirty="0"/>
+          </a:p>
+        </p:txBody>
+      </p:sp>
+    </p:spTree>
+    <p:extLst>
+      <p:ext uri="{BB962C8B-B14F-4D97-AF65-F5344CB8AC3E}">
+        <p14:creationId xmlns:p14="http://schemas.microsoft.com/office/powerpoint/2010/main" val="1460474895"/>
+      </p:ext>
+    </p:extLst>
+  </p:cSld>
+  <p:clrMapOvr>
+    <a:masterClrMapping/>
+  </p:clrMapOvr>
+</p:sld>
+</file>
+
+<file path=ppt/slides/slide29.xml><?xml version="1.0" encoding="utf-8"?>
+<p:sld xmlns:a="http://schemas.openxmlformats.org/drawingml/2006/main" xmlns:r="http://schemas.openxmlformats.org/officeDocument/2006/relationships" xmlns:p="http://schemas.openxmlformats.org/presentationml/2006/main">
+  <p:cSld>
+    <p:spTree>
+      <p:nvGrpSpPr>
+        <p:cNvPr id="1" name=""/>
+        <p:cNvGrpSpPr/>
+        <p:nvPr/>
+      </p:nvGrpSpPr>
+      <p:grpSpPr>
+        <a:xfrm>
+          <a:off x="0" y="0"/>
+          <a:ext cx="0" cy="0"/>
+          <a:chOff x="0" y="0"/>
+          <a:chExt cx="0" cy="0"/>
+        </a:xfrm>
+      </p:grpSpPr>
+      <p:sp>
+        <p:nvSpPr>
+          <p:cNvPr id="2" name="Title 1"/>
+          <p:cNvSpPr>
+            <a:spLocks noGrp="1"/>
+          </p:cNvSpPr>
+          <p:nvPr>
+            <p:ph type="title"/>
+          </p:nvPr>
+        </p:nvSpPr>
+        <p:spPr/>
+        <p:txBody>
+          <a:bodyPr>
+            <a:normAutofit fontScale="90000"/>
+          </a:bodyPr>
+          <a:lstStyle/>
+          <a:p>
+            <a:r>
+              <a:rPr lang="en-US" dirty="0"/>
+              <a:t>Supporting students to do data science</a:t>
+            </a:r>
+          </a:p>
+        </p:txBody>
+      </p:sp>
+      <p:sp>
+        <p:nvSpPr>
+          <p:cNvPr id="3" name="Content Placeholder 2"/>
+          <p:cNvSpPr>
+            <a:spLocks noGrp="1"/>
+          </p:cNvSpPr>
+          <p:nvPr>
+            <p:ph idx="1"/>
+          </p:nvPr>
+        </p:nvSpPr>
+        <p:spPr/>
+        <p:txBody>
+          <a:bodyPr>
+            <a:normAutofit/>
+          </a:bodyPr>
+          <a:lstStyle/>
+          <a:p>
+            <a:pPr marL="0" indent="0">
+              <a:buNone/>
+            </a:pPr>
+            <a:endParaRPr lang="en-US" dirty="0" smtClean="0"/>
+          </a:p>
+        </p:txBody>
+      </p:sp>
+    </p:spTree>
+    <p:extLst>
+      <p:ext uri="{BB962C8B-B14F-4D97-AF65-F5344CB8AC3E}">
+        <p14:creationId xmlns:p14="http://schemas.microsoft.com/office/powerpoint/2010/main" val="1353638022"/>
+      </p:ext>
+    </p:extLst>
+  </p:cSld>
+  <p:clrMapOvr>
+    <a:masterClrMapping/>
+  </p:clrMapOvr>
+</p:sld>
+</file>
+
+<file path=ppt/slides/slide3.xml><?xml version="1.0" encoding="utf-8"?>
 <p:sld xmlns:a="http://schemas.openxmlformats.org/drawingml/2006/main" xmlns:r="http://schemas.openxmlformats.org/officeDocument/2006/relationships" xmlns:p="http://schemas.openxmlformats.org/presentationml/2006/main">
   <p:cSld>
     <p:spTree>
@@ -4910,7 +10881,1289 @@
 </p:sld>
 </file>
 
-<file path=ppt/slides/slide3.xml><?xml version="1.0" encoding="utf-8"?>
+<file path=ppt/slides/slide30.xml><?xml version="1.0" encoding="utf-8"?>
+<p:sld xmlns:a="http://schemas.openxmlformats.org/drawingml/2006/main" xmlns:r="http://schemas.openxmlformats.org/officeDocument/2006/relationships" xmlns:p="http://schemas.openxmlformats.org/presentationml/2006/main">
+  <p:cSld>
+    <p:spTree>
+      <p:nvGrpSpPr>
+        <p:cNvPr id="1" name=""/>
+        <p:cNvGrpSpPr/>
+        <p:nvPr/>
+      </p:nvGrpSpPr>
+      <p:grpSpPr>
+        <a:xfrm>
+          <a:off x="0" y="0"/>
+          <a:ext cx="0" cy="0"/>
+          <a:chOff x="0" y="0"/>
+          <a:chExt cx="0" cy="0"/>
+        </a:xfrm>
+      </p:grpSpPr>
+      <p:sp>
+        <p:nvSpPr>
+          <p:cNvPr id="2" name="Title 1"/>
+          <p:cNvSpPr>
+            <a:spLocks noGrp="1"/>
+          </p:cNvSpPr>
+          <p:nvPr>
+            <p:ph type="title"/>
+          </p:nvPr>
+        </p:nvSpPr>
+        <p:spPr/>
+        <p:txBody>
+          <a:bodyPr>
+            <a:normAutofit fontScale="90000"/>
+          </a:bodyPr>
+          <a:lstStyle/>
+          <a:p>
+            <a:r>
+              <a:rPr lang="en-US" dirty="0"/>
+              <a:t>Supporting students to do data science</a:t>
+            </a:r>
+          </a:p>
+        </p:txBody>
+      </p:sp>
+      <p:sp>
+        <p:nvSpPr>
+          <p:cNvPr id="3" name="Content Placeholder 2"/>
+          <p:cNvSpPr>
+            <a:spLocks noGrp="1"/>
+          </p:cNvSpPr>
+          <p:nvPr>
+            <p:ph idx="1"/>
+          </p:nvPr>
+        </p:nvSpPr>
+        <p:spPr/>
+        <p:txBody>
+          <a:bodyPr>
+            <a:normAutofit/>
+          </a:bodyPr>
+          <a:lstStyle/>
+          <a:p>
+            <a:pPr marL="0" indent="0">
+              <a:buNone/>
+            </a:pPr>
+            <a:endParaRPr lang="en-US" dirty="0" smtClean="0"/>
+          </a:p>
+        </p:txBody>
+      </p:sp>
+    </p:spTree>
+    <p:extLst>
+      <p:ext uri="{BB962C8B-B14F-4D97-AF65-F5344CB8AC3E}">
+        <p14:creationId xmlns:p14="http://schemas.microsoft.com/office/powerpoint/2010/main" val="1963996167"/>
+      </p:ext>
+    </p:extLst>
+  </p:cSld>
+  <p:clrMapOvr>
+    <a:masterClrMapping/>
+  </p:clrMapOvr>
+</p:sld>
+</file>
+
+<file path=ppt/slides/slide31.xml><?xml version="1.0" encoding="utf-8"?>
+<p:sld xmlns:a="http://schemas.openxmlformats.org/drawingml/2006/main" xmlns:r="http://schemas.openxmlformats.org/officeDocument/2006/relationships" xmlns:p="http://schemas.openxmlformats.org/presentationml/2006/main">
+  <p:cSld>
+    <p:spTree>
+      <p:nvGrpSpPr>
+        <p:cNvPr id="1" name=""/>
+        <p:cNvGrpSpPr/>
+        <p:nvPr/>
+      </p:nvGrpSpPr>
+      <p:grpSpPr>
+        <a:xfrm>
+          <a:off x="0" y="0"/>
+          <a:ext cx="0" cy="0"/>
+          <a:chOff x="0" y="0"/>
+          <a:chExt cx="0" cy="0"/>
+        </a:xfrm>
+      </p:grpSpPr>
+      <p:sp>
+        <p:nvSpPr>
+          <p:cNvPr id="2" name="Title 1"/>
+          <p:cNvSpPr>
+            <a:spLocks noGrp="1"/>
+          </p:cNvSpPr>
+          <p:nvPr>
+            <p:ph type="title"/>
+          </p:nvPr>
+        </p:nvSpPr>
+        <p:spPr/>
+        <p:txBody>
+          <a:bodyPr>
+            <a:normAutofit fontScale="90000"/>
+          </a:bodyPr>
+          <a:lstStyle/>
+          <a:p>
+            <a:r>
+              <a:rPr lang="en-US" dirty="0"/>
+              <a:t>Combining methods and data sources to study complex phenomena</a:t>
+            </a:r>
+          </a:p>
+        </p:txBody>
+      </p:sp>
+      <p:sp>
+        <p:nvSpPr>
+          <p:cNvPr id="3" name="Content Placeholder 2"/>
+          <p:cNvSpPr>
+            <a:spLocks noGrp="1"/>
+          </p:cNvSpPr>
+          <p:nvPr>
+            <p:ph idx="1"/>
+          </p:nvPr>
+        </p:nvSpPr>
+        <p:spPr/>
+        <p:txBody>
+          <a:bodyPr>
+            <a:normAutofit/>
+          </a:bodyPr>
+          <a:lstStyle/>
+          <a:p>
+            <a:pPr marL="0" indent="0">
+              <a:buNone/>
+            </a:pPr>
+            <a:endParaRPr lang="en-US" dirty="0" smtClean="0"/>
+          </a:p>
+        </p:txBody>
+      </p:sp>
+    </p:spTree>
+    <p:extLst>
+      <p:ext uri="{BB962C8B-B14F-4D97-AF65-F5344CB8AC3E}">
+        <p14:creationId xmlns:p14="http://schemas.microsoft.com/office/powerpoint/2010/main" val="1801295824"/>
+      </p:ext>
+    </p:extLst>
+  </p:cSld>
+  <p:clrMapOvr>
+    <a:masterClrMapping/>
+  </p:clrMapOvr>
+</p:sld>
+</file>
+
+<file path=ppt/slides/slide32.xml><?xml version="1.0" encoding="utf-8"?>
+<p:sld xmlns:a="http://schemas.openxmlformats.org/drawingml/2006/main" xmlns:r="http://schemas.openxmlformats.org/officeDocument/2006/relationships" xmlns:p="http://schemas.openxmlformats.org/presentationml/2006/main">
+  <p:cSld>
+    <p:spTree>
+      <p:nvGrpSpPr>
+        <p:cNvPr id="1" name=""/>
+        <p:cNvGrpSpPr/>
+        <p:nvPr/>
+      </p:nvGrpSpPr>
+      <p:grpSpPr>
+        <a:xfrm>
+          <a:off x="0" y="0"/>
+          <a:ext cx="0" cy="0"/>
+          <a:chOff x="0" y="0"/>
+          <a:chExt cx="0" cy="0"/>
+        </a:xfrm>
+      </p:grpSpPr>
+      <p:sp>
+        <p:nvSpPr>
+          <p:cNvPr id="2" name="Title 1"/>
+          <p:cNvSpPr>
+            <a:spLocks noGrp="1"/>
+          </p:cNvSpPr>
+          <p:nvPr>
+            <p:ph type="title"/>
+          </p:nvPr>
+        </p:nvSpPr>
+        <p:spPr/>
+        <p:txBody>
+          <a:bodyPr>
+            <a:normAutofit fontScale="90000"/>
+          </a:bodyPr>
+          <a:lstStyle/>
+          <a:p>
+            <a:r>
+              <a:rPr lang="en-US" dirty="0"/>
+              <a:t>Combining methods and data sources to study complex phenomena</a:t>
+            </a:r>
+          </a:p>
+        </p:txBody>
+      </p:sp>
+      <p:sp>
+        <p:nvSpPr>
+          <p:cNvPr id="3" name="Content Placeholder 2"/>
+          <p:cNvSpPr>
+            <a:spLocks noGrp="1"/>
+          </p:cNvSpPr>
+          <p:nvPr>
+            <p:ph idx="1"/>
+          </p:nvPr>
+        </p:nvSpPr>
+        <p:spPr/>
+        <p:txBody>
+          <a:bodyPr>
+            <a:normAutofit/>
+          </a:bodyPr>
+          <a:lstStyle/>
+          <a:p>
+            <a:pPr marL="0" indent="0">
+              <a:buNone/>
+            </a:pPr>
+            <a:endParaRPr lang="en-US" dirty="0" smtClean="0"/>
+          </a:p>
+        </p:txBody>
+      </p:sp>
+    </p:spTree>
+    <p:extLst>
+      <p:ext uri="{BB962C8B-B14F-4D97-AF65-F5344CB8AC3E}">
+        <p14:creationId xmlns:p14="http://schemas.microsoft.com/office/powerpoint/2010/main" val="1193668659"/>
+      </p:ext>
+    </p:extLst>
+  </p:cSld>
+  <p:clrMapOvr>
+    <a:masterClrMapping/>
+  </p:clrMapOvr>
+</p:sld>
+</file>
+
+<file path=ppt/slides/slide33.xml><?xml version="1.0" encoding="utf-8"?>
+<p:sld xmlns:a="http://schemas.openxmlformats.org/drawingml/2006/main" xmlns:r="http://schemas.openxmlformats.org/officeDocument/2006/relationships" xmlns:p="http://schemas.openxmlformats.org/presentationml/2006/main">
+  <p:cSld>
+    <p:spTree>
+      <p:nvGrpSpPr>
+        <p:cNvPr id="1" name=""/>
+        <p:cNvGrpSpPr/>
+        <p:nvPr/>
+      </p:nvGrpSpPr>
+      <p:grpSpPr>
+        <a:xfrm>
+          <a:off x="0" y="0"/>
+          <a:ext cx="0" cy="0"/>
+          <a:chOff x="0" y="0"/>
+          <a:chExt cx="0" cy="0"/>
+        </a:xfrm>
+      </p:grpSpPr>
+      <p:sp>
+        <p:nvSpPr>
+          <p:cNvPr id="2" name="Title 1"/>
+          <p:cNvSpPr>
+            <a:spLocks noGrp="1"/>
+          </p:cNvSpPr>
+          <p:nvPr>
+            <p:ph type="title"/>
+          </p:nvPr>
+        </p:nvSpPr>
+        <p:spPr/>
+        <p:txBody>
+          <a:bodyPr>
+            <a:normAutofit fontScale="90000"/>
+          </a:bodyPr>
+          <a:lstStyle/>
+          <a:p>
+            <a:r>
+              <a:rPr lang="en-US" dirty="0"/>
+              <a:t>Leveraging the network effect to scale innovations</a:t>
+            </a:r>
+            <a:endParaRPr lang="en-US" dirty="0"/>
+          </a:p>
+        </p:txBody>
+      </p:sp>
+      <p:sp>
+        <p:nvSpPr>
+          <p:cNvPr id="3" name="Content Placeholder 2"/>
+          <p:cNvSpPr>
+            <a:spLocks noGrp="1"/>
+          </p:cNvSpPr>
+          <p:nvPr>
+            <p:ph idx="1"/>
+          </p:nvPr>
+        </p:nvSpPr>
+        <p:spPr/>
+        <p:txBody>
+          <a:bodyPr>
+            <a:normAutofit/>
+          </a:bodyPr>
+          <a:lstStyle/>
+          <a:p>
+            <a:pPr marL="0" indent="0">
+              <a:buNone/>
+            </a:pPr>
+            <a:endParaRPr lang="en-US" dirty="0" smtClean="0"/>
+          </a:p>
+        </p:txBody>
+      </p:sp>
+    </p:spTree>
+    <p:extLst>
+      <p:ext uri="{BB962C8B-B14F-4D97-AF65-F5344CB8AC3E}">
+        <p14:creationId xmlns:p14="http://schemas.microsoft.com/office/powerpoint/2010/main" val="1031827380"/>
+      </p:ext>
+    </p:extLst>
+  </p:cSld>
+  <p:clrMapOvr>
+    <a:masterClrMapping/>
+  </p:clrMapOvr>
+</p:sld>
+</file>
+
+<file path=ppt/slides/slide34.xml><?xml version="1.0" encoding="utf-8"?>
+<p:sld xmlns:a="http://schemas.openxmlformats.org/drawingml/2006/main" xmlns:r="http://schemas.openxmlformats.org/officeDocument/2006/relationships" xmlns:p="http://schemas.openxmlformats.org/presentationml/2006/main">
+  <p:cSld>
+    <p:spTree>
+      <p:nvGrpSpPr>
+        <p:cNvPr id="1" name=""/>
+        <p:cNvGrpSpPr/>
+        <p:nvPr/>
+      </p:nvGrpSpPr>
+      <p:grpSpPr>
+        <a:xfrm>
+          <a:off x="0" y="0"/>
+          <a:ext cx="0" cy="0"/>
+          <a:chOff x="0" y="0"/>
+          <a:chExt cx="0" cy="0"/>
+        </a:xfrm>
+      </p:grpSpPr>
+      <p:sp>
+        <p:nvSpPr>
+          <p:cNvPr id="2" name="Title 1"/>
+          <p:cNvSpPr>
+            <a:spLocks noGrp="1"/>
+          </p:cNvSpPr>
+          <p:nvPr>
+            <p:ph type="title"/>
+          </p:nvPr>
+        </p:nvSpPr>
+        <p:spPr/>
+        <p:txBody>
+          <a:bodyPr>
+            <a:normAutofit fontScale="90000"/>
+          </a:bodyPr>
+          <a:lstStyle/>
+          <a:p>
+            <a:r>
+              <a:rPr lang="en-US" dirty="0"/>
+              <a:t>Leveraging the network effect to scale innovations</a:t>
+            </a:r>
+            <a:endParaRPr lang="en-US" dirty="0"/>
+          </a:p>
+        </p:txBody>
+      </p:sp>
+      <p:sp>
+        <p:nvSpPr>
+          <p:cNvPr id="3" name="Content Placeholder 2"/>
+          <p:cNvSpPr>
+            <a:spLocks noGrp="1"/>
+          </p:cNvSpPr>
+          <p:nvPr>
+            <p:ph idx="1"/>
+          </p:nvPr>
+        </p:nvSpPr>
+        <p:spPr/>
+        <p:txBody>
+          <a:bodyPr>
+            <a:normAutofit/>
+          </a:bodyPr>
+          <a:lstStyle/>
+          <a:p>
+            <a:pPr marL="0" indent="0">
+              <a:buNone/>
+            </a:pPr>
+            <a:endParaRPr lang="en-US" dirty="0" smtClean="0"/>
+          </a:p>
+        </p:txBody>
+      </p:sp>
+    </p:spTree>
+    <p:extLst>
+      <p:ext uri="{BB962C8B-B14F-4D97-AF65-F5344CB8AC3E}">
+        <p14:creationId xmlns:p14="http://schemas.microsoft.com/office/powerpoint/2010/main" val="1455582130"/>
+      </p:ext>
+    </p:extLst>
+  </p:cSld>
+  <p:clrMapOvr>
+    <a:masterClrMapping/>
+  </p:clrMapOvr>
+</p:sld>
+</file>
+
+<file path=ppt/slides/slide35.xml><?xml version="1.0" encoding="utf-8"?>
+<p:sld xmlns:a="http://schemas.openxmlformats.org/drawingml/2006/main" xmlns:r="http://schemas.openxmlformats.org/officeDocument/2006/relationships" xmlns:p="http://schemas.openxmlformats.org/presentationml/2006/main">
+  <p:cSld>
+    <p:spTree>
+      <p:nvGrpSpPr>
+        <p:cNvPr id="1" name=""/>
+        <p:cNvGrpSpPr/>
+        <p:nvPr/>
+      </p:nvGrpSpPr>
+      <p:grpSpPr>
+        <a:xfrm>
+          <a:off x="0" y="0"/>
+          <a:ext cx="0" cy="0"/>
+          <a:chOff x="0" y="0"/>
+          <a:chExt cx="0" cy="0"/>
+        </a:xfrm>
+      </p:grpSpPr>
+      <p:sp>
+        <p:nvSpPr>
+          <p:cNvPr id="3" name="Content Placeholder 2"/>
+          <p:cNvSpPr>
+            <a:spLocks noGrp="1"/>
+          </p:cNvSpPr>
+          <p:nvPr>
+            <p:ph idx="1"/>
+          </p:nvPr>
+        </p:nvSpPr>
+        <p:spPr>
+          <a:xfrm>
+            <a:off x="457200" y="765313"/>
+            <a:ext cx="8229600" cy="5711687"/>
+          </a:xfrm>
+        </p:spPr>
+        <p:txBody>
+          <a:bodyPr anchor="ctr"/>
+          <a:lstStyle/>
+          <a:p>
+            <a:pPr marL="0" indent="0">
+              <a:buNone/>
+            </a:pPr>
+            <a:r>
+              <a:rPr lang="en-US" dirty="0" smtClean="0">
+                <a:solidFill>
+                  <a:srgbClr val="B5B8C4"/>
+                </a:solidFill>
+              </a:rPr>
+              <a:t>Introduction</a:t>
+            </a:r>
+          </a:p>
+          <a:p>
+            <a:pPr marL="0" indent="0">
+              <a:buNone/>
+            </a:pPr>
+            <a:r>
+              <a:rPr lang="en-US" dirty="0" smtClean="0">
+                <a:solidFill>
+                  <a:srgbClr val="B5B8C4"/>
+                </a:solidFill>
+              </a:rPr>
+              <a:t>Experience </a:t>
+            </a:r>
+            <a:r>
+              <a:rPr lang="en-US" dirty="0">
+                <a:solidFill>
+                  <a:srgbClr val="B5B8C4"/>
+                </a:solidFill>
+              </a:rPr>
+              <a:t>Sampling </a:t>
+            </a:r>
+            <a:endParaRPr lang="en-US" dirty="0" smtClean="0">
+              <a:solidFill>
+                <a:srgbClr val="B5B8C4"/>
+              </a:solidFill>
+            </a:endParaRPr>
+          </a:p>
+          <a:p>
+            <a:pPr marL="0" indent="0">
+              <a:buNone/>
+            </a:pPr>
+            <a:r>
+              <a:rPr lang="en-US" dirty="0" smtClean="0">
+                <a:solidFill>
+                  <a:srgbClr val="B5B8C4"/>
+                </a:solidFill>
+              </a:rPr>
+              <a:t>Networks</a:t>
+            </a:r>
+          </a:p>
+          <a:p>
+            <a:pPr marL="0" indent="0">
+              <a:buNone/>
+            </a:pPr>
+            <a:r>
+              <a:rPr lang="en-US" dirty="0" smtClean="0">
+                <a:solidFill>
+                  <a:srgbClr val="B5B8C4"/>
+                </a:solidFill>
+              </a:rPr>
+              <a:t>Future Work</a:t>
+            </a:r>
+          </a:p>
+          <a:p>
+            <a:pPr marL="0" indent="0">
+              <a:buNone/>
+            </a:pPr>
+            <a:r>
+              <a:rPr lang="en-US" dirty="0" smtClean="0"/>
+              <a:t>Conclusions</a:t>
+            </a:r>
+            <a:endParaRPr lang="en-US" dirty="0"/>
+          </a:p>
+        </p:txBody>
+      </p:sp>
+      <p:graphicFrame>
+        <p:nvGraphicFramePr>
+          <p:cNvPr id="4" name="Table 3"/>
+          <p:cNvGraphicFramePr>
+            <a:graphicFrameLocks noGrp="1"/>
+          </p:cNvGraphicFramePr>
+          <p:nvPr>
+            <p:extLst/>
+          </p:nvPr>
+        </p:nvGraphicFramePr>
+        <p:xfrm>
+          <a:off x="-2" y="-31433"/>
+          <a:ext cx="9144000" cy="409947"/>
+        </p:xfrm>
+        <a:graphic>
+          <a:graphicData uri="http://schemas.openxmlformats.org/drawingml/2006/table">
+            <a:tbl>
+              <a:tblPr firstRow="1" bandRow="1">
+                <a:tableStyleId>{5C22544A-7EE6-4342-B048-85BDC9FD1C3A}</a:tableStyleId>
+              </a:tblPr>
+              <a:tblGrid>
+                <a:gridCol w="1828800"/>
+                <a:gridCol w="1828800"/>
+                <a:gridCol w="1828800"/>
+                <a:gridCol w="1828800"/>
+                <a:gridCol w="1828800"/>
+              </a:tblGrid>
+              <a:tr h="409947">
+                <a:tc>
+                  <a:txBody>
+                    <a:bodyPr/>
+                    <a:lstStyle/>
+                    <a:p>
+                      <a:pPr algn="ctr"/>
+                      <a:r>
+                        <a:rPr lang="en-US" sz="1600" b="0" dirty="0" smtClean="0">
+                          <a:solidFill>
+                            <a:schemeClr val="tx1"/>
+                          </a:solidFill>
+                          <a:latin typeface="Helvetica Neue" charset="0"/>
+                          <a:ea typeface="Helvetica Neue" charset="0"/>
+                          <a:cs typeface="Helvetica Neue" charset="0"/>
+                        </a:rPr>
+                        <a:t>Introduction</a:t>
+                      </a:r>
+                      <a:endParaRPr lang="en-US" sz="1600" b="0" dirty="0">
+                        <a:solidFill>
+                          <a:schemeClr val="tx1"/>
+                        </a:solidFill>
+                        <a:latin typeface="Helvetica Neue" charset="0"/>
+                        <a:ea typeface="Helvetica Neue" charset="0"/>
+                        <a:cs typeface="Helvetica Neue" charset="0"/>
+                      </a:endParaRPr>
+                    </a:p>
+                  </a:txBody>
+                  <a:tcPr anchor="b">
+                    <a:lnL w="12700" cmpd="sng">
+                      <a:noFill/>
+                    </a:lnL>
+                    <a:lnR w="12700" cmpd="sng">
+                      <a:noFill/>
+                    </a:lnR>
+                    <a:lnT w="12700" cmpd="sng">
+                      <a:noFill/>
+                    </a:lnT>
+                    <a:lnB w="38100" cmpd="sng">
+                      <a:noFill/>
+                    </a:lnB>
+                    <a:lnTlToBr w="12700" cmpd="sng">
+                      <a:noFill/>
+                      <a:prstDash val="solid"/>
+                    </a:lnTlToBr>
+                    <a:lnBlToTr w="12700" cmpd="sng">
+                      <a:noFill/>
+                      <a:prstDash val="solid"/>
+                    </a:lnBlToTr>
+                    <a:solidFill>
+                      <a:srgbClr val="1689B9"/>
+                    </a:solidFill>
+                  </a:tcPr>
+                </a:tc>
+                <a:tc>
+                  <a:txBody>
+                    <a:bodyPr/>
+                    <a:lstStyle/>
+                    <a:p>
+                      <a:pPr algn="ctr"/>
+                      <a:r>
+                        <a:rPr lang="en-US" sz="1600" b="0" dirty="0" smtClean="0">
+                          <a:solidFill>
+                            <a:srgbClr val="B5B8C4"/>
+                          </a:solidFill>
+                          <a:latin typeface="Helvetica Neue" charset="0"/>
+                          <a:ea typeface="Helvetica Neue" charset="0"/>
+                          <a:cs typeface="Helvetica Neue" charset="0"/>
+                        </a:rPr>
+                        <a:t>ESM</a:t>
+                      </a:r>
+                      <a:endParaRPr lang="en-US" sz="1600" b="0" dirty="0">
+                        <a:solidFill>
+                          <a:srgbClr val="B5B8C4"/>
+                        </a:solidFill>
+                        <a:latin typeface="Helvetica Neue" charset="0"/>
+                        <a:ea typeface="Helvetica Neue" charset="0"/>
+                        <a:cs typeface="Helvetica Neue" charset="0"/>
+                      </a:endParaRPr>
+                    </a:p>
+                  </a:txBody>
+                  <a:tcPr anchor="b">
+                    <a:lnL w="12700" cmpd="sng">
+                      <a:noFill/>
+                    </a:lnL>
+                    <a:lnR w="12700" cmpd="sng">
+                      <a:noFill/>
+                    </a:lnR>
+                    <a:lnT w="12700" cmpd="sng">
+                      <a:noFill/>
+                    </a:lnT>
+                    <a:lnB w="38100" cmpd="sng">
+                      <a:noFill/>
+                    </a:lnB>
+                    <a:lnTlToBr w="12700" cmpd="sng">
+                      <a:noFill/>
+                      <a:prstDash val="solid"/>
+                    </a:lnTlToBr>
+                    <a:lnBlToTr w="12700" cmpd="sng">
+                      <a:noFill/>
+                      <a:prstDash val="solid"/>
+                    </a:lnBlToTr>
+                    <a:solidFill>
+                      <a:srgbClr val="1689B9"/>
+                    </a:solidFill>
+                  </a:tcPr>
+                </a:tc>
+                <a:tc>
+                  <a:txBody>
+                    <a:bodyPr/>
+                    <a:lstStyle/>
+                    <a:p>
+                      <a:pPr algn="ctr"/>
+                      <a:r>
+                        <a:rPr lang="en-US" sz="1600" b="0" dirty="0" smtClean="0">
+                          <a:solidFill>
+                            <a:srgbClr val="B5B8C4"/>
+                          </a:solidFill>
+                          <a:latin typeface="Helvetica Neue" charset="0"/>
+                          <a:ea typeface="Helvetica Neue" charset="0"/>
+                          <a:cs typeface="Helvetica Neue" charset="0"/>
+                        </a:rPr>
+                        <a:t>Networks</a:t>
+                      </a:r>
+                      <a:endParaRPr lang="en-US" sz="1600" b="0" dirty="0">
+                        <a:solidFill>
+                          <a:srgbClr val="B5B8C4"/>
+                        </a:solidFill>
+                        <a:latin typeface="Helvetica Neue" charset="0"/>
+                        <a:ea typeface="Helvetica Neue" charset="0"/>
+                        <a:cs typeface="Helvetica Neue" charset="0"/>
+                      </a:endParaRPr>
+                    </a:p>
+                  </a:txBody>
+                  <a:tcPr anchor="b">
+                    <a:lnL w="12700" cmpd="sng">
+                      <a:noFill/>
+                    </a:lnL>
+                    <a:lnR w="12700" cmpd="sng">
+                      <a:noFill/>
+                    </a:lnR>
+                    <a:lnT w="12700" cmpd="sng">
+                      <a:noFill/>
+                    </a:lnT>
+                    <a:lnB w="38100" cmpd="sng">
+                      <a:noFill/>
+                    </a:lnB>
+                    <a:lnTlToBr w="12700" cmpd="sng">
+                      <a:noFill/>
+                      <a:prstDash val="solid"/>
+                    </a:lnTlToBr>
+                    <a:lnBlToTr w="12700" cmpd="sng">
+                      <a:noFill/>
+                      <a:prstDash val="solid"/>
+                    </a:lnBlToTr>
+                    <a:solidFill>
+                      <a:srgbClr val="1689B9"/>
+                    </a:solidFill>
+                  </a:tcPr>
+                </a:tc>
+                <a:tc>
+                  <a:txBody>
+                    <a:bodyPr/>
+                    <a:lstStyle/>
+                    <a:p>
+                      <a:pPr algn="ctr"/>
+                      <a:r>
+                        <a:rPr lang="en-US" sz="1600" b="0" dirty="0" smtClean="0">
+                          <a:solidFill>
+                            <a:srgbClr val="B5B8C4"/>
+                          </a:solidFill>
+                          <a:latin typeface="Helvetica Neue" charset="0"/>
+                          <a:ea typeface="Helvetica Neue" charset="0"/>
+                          <a:cs typeface="Helvetica Neue" charset="0"/>
+                        </a:rPr>
+                        <a:t>Future Work</a:t>
+                      </a:r>
+                      <a:endParaRPr lang="en-US" sz="1600" b="0" dirty="0">
+                        <a:solidFill>
+                          <a:srgbClr val="B5B8C4"/>
+                        </a:solidFill>
+                        <a:latin typeface="Helvetica Neue" charset="0"/>
+                        <a:ea typeface="Helvetica Neue" charset="0"/>
+                        <a:cs typeface="Helvetica Neue" charset="0"/>
+                      </a:endParaRPr>
+                    </a:p>
+                  </a:txBody>
+                  <a:tcPr anchor="b">
+                    <a:lnL w="12700" cmpd="sng">
+                      <a:noFill/>
+                    </a:lnL>
+                    <a:lnR w="12700" cmpd="sng">
+                      <a:noFill/>
+                    </a:lnR>
+                    <a:lnT w="12700" cmpd="sng">
+                      <a:noFill/>
+                    </a:lnT>
+                    <a:lnB w="38100" cmpd="sng">
+                      <a:noFill/>
+                    </a:lnB>
+                    <a:lnTlToBr w="12700" cmpd="sng">
+                      <a:noFill/>
+                      <a:prstDash val="solid"/>
+                    </a:lnTlToBr>
+                    <a:lnBlToTr w="12700" cmpd="sng">
+                      <a:noFill/>
+                      <a:prstDash val="solid"/>
+                    </a:lnBlToTr>
+                    <a:solidFill>
+                      <a:srgbClr val="1689B9"/>
+                    </a:solidFill>
+                  </a:tcPr>
+                </a:tc>
+                <a:tc>
+                  <a:txBody>
+                    <a:bodyPr/>
+                    <a:lstStyle/>
+                    <a:p>
+                      <a:pPr algn="ctr"/>
+                      <a:r>
+                        <a:rPr lang="en-US" sz="1600" b="0" dirty="0" smtClean="0">
+                          <a:solidFill>
+                            <a:srgbClr val="B5B8C4"/>
+                          </a:solidFill>
+                          <a:latin typeface="Helvetica Neue" charset="0"/>
+                          <a:ea typeface="Helvetica Neue" charset="0"/>
+                          <a:cs typeface="Helvetica Neue" charset="0"/>
+                        </a:rPr>
+                        <a:t>Conclusion</a:t>
+                      </a:r>
+                      <a:endParaRPr lang="en-US" sz="1600" b="0" dirty="0">
+                        <a:solidFill>
+                          <a:srgbClr val="B5B8C4"/>
+                        </a:solidFill>
+                        <a:latin typeface="Helvetica Neue" charset="0"/>
+                        <a:ea typeface="Helvetica Neue" charset="0"/>
+                        <a:cs typeface="Helvetica Neue" charset="0"/>
+                      </a:endParaRPr>
+                    </a:p>
+                  </a:txBody>
+                  <a:tcPr anchor="b">
+                    <a:lnL w="12700" cmpd="sng">
+                      <a:noFill/>
+                    </a:lnL>
+                    <a:lnR w="12700" cmpd="sng">
+                      <a:noFill/>
+                    </a:lnR>
+                    <a:lnT w="12700" cmpd="sng">
+                      <a:noFill/>
+                    </a:lnT>
+                    <a:lnB w="38100" cmpd="sng">
+                      <a:noFill/>
+                    </a:lnB>
+                    <a:lnTlToBr w="12700" cmpd="sng">
+                      <a:noFill/>
+                      <a:prstDash val="solid"/>
+                    </a:lnTlToBr>
+                    <a:lnBlToTr w="12700" cmpd="sng">
+                      <a:noFill/>
+                      <a:prstDash val="solid"/>
+                    </a:lnBlToTr>
+                    <a:solidFill>
+                      <a:srgbClr val="1689B9"/>
+                    </a:solidFill>
+                  </a:tcPr>
+                </a:tc>
+              </a:tr>
+            </a:tbl>
+          </a:graphicData>
+        </a:graphic>
+      </p:graphicFrame>
+    </p:spTree>
+    <p:extLst>
+      <p:ext uri="{BB962C8B-B14F-4D97-AF65-F5344CB8AC3E}">
+        <p14:creationId xmlns:p14="http://schemas.microsoft.com/office/powerpoint/2010/main" val="1805859079"/>
+      </p:ext>
+    </p:extLst>
+  </p:cSld>
+  <p:clrMapOvr>
+    <a:masterClrMapping/>
+  </p:clrMapOvr>
+</p:sld>
+</file>
+
+<file path=ppt/slides/slide36.xml><?xml version="1.0" encoding="utf-8"?>
+<p:sld xmlns:a="http://schemas.openxmlformats.org/drawingml/2006/main" xmlns:r="http://schemas.openxmlformats.org/officeDocument/2006/relationships" xmlns:p="http://schemas.openxmlformats.org/presentationml/2006/main">
+  <p:cSld>
+    <p:spTree>
+      <p:nvGrpSpPr>
+        <p:cNvPr id="1" name=""/>
+        <p:cNvGrpSpPr/>
+        <p:nvPr/>
+      </p:nvGrpSpPr>
+      <p:grpSpPr>
+        <a:xfrm>
+          <a:off x="0" y="0"/>
+          <a:ext cx="0" cy="0"/>
+          <a:chOff x="0" y="0"/>
+          <a:chExt cx="0" cy="0"/>
+        </a:xfrm>
+      </p:grpSpPr>
+      <p:sp>
+        <p:nvSpPr>
+          <p:cNvPr id="2" name="Title 1"/>
+          <p:cNvSpPr>
+            <a:spLocks noGrp="1"/>
+          </p:cNvSpPr>
+          <p:nvPr>
+            <p:ph type="title"/>
+          </p:nvPr>
+        </p:nvSpPr>
+        <p:spPr/>
+        <p:txBody>
+          <a:bodyPr>
+            <a:normAutofit/>
+          </a:bodyPr>
+          <a:lstStyle/>
+          <a:p>
+            <a:r>
+              <a:rPr lang="en-US" dirty="0" smtClean="0"/>
+              <a:t>Future Work</a:t>
+            </a:r>
+            <a:endParaRPr lang="en-US" dirty="0"/>
+          </a:p>
+        </p:txBody>
+      </p:sp>
+      <p:sp>
+        <p:nvSpPr>
+          <p:cNvPr id="3" name="Content Placeholder 2"/>
+          <p:cNvSpPr>
+            <a:spLocks noGrp="1"/>
+          </p:cNvSpPr>
+          <p:nvPr>
+            <p:ph idx="1"/>
+          </p:nvPr>
+        </p:nvSpPr>
+        <p:spPr/>
+        <p:txBody>
+          <a:bodyPr>
+            <a:normAutofit/>
+          </a:bodyPr>
+          <a:lstStyle/>
+          <a:p>
+            <a:pPr marL="0" indent="0">
+              <a:buNone/>
+            </a:pPr>
+            <a:r>
+              <a:rPr lang="en-US" dirty="0" smtClean="0"/>
+              <a:t>Supporting students to do data </a:t>
+            </a:r>
+            <a:r>
+              <a:rPr lang="en-US" dirty="0"/>
+              <a:t>s</a:t>
+            </a:r>
+            <a:r>
+              <a:rPr lang="en-US" dirty="0" smtClean="0"/>
+              <a:t>cience</a:t>
+            </a:r>
+          </a:p>
+          <a:p>
+            <a:pPr marL="0" indent="0">
+              <a:buNone/>
+            </a:pPr>
+            <a:r>
+              <a:rPr lang="en-US" dirty="0" smtClean="0"/>
+              <a:t>Combining methods and data sources to study complex phenomena</a:t>
+            </a:r>
+          </a:p>
+          <a:p>
+            <a:pPr marL="0" indent="0">
+              <a:buNone/>
+            </a:pPr>
+            <a:r>
+              <a:rPr lang="en-US" dirty="0" smtClean="0"/>
+              <a:t>Leveraging the network effect to scale innovations</a:t>
+            </a:r>
+            <a:endParaRPr lang="en-US" dirty="0"/>
+          </a:p>
+        </p:txBody>
+      </p:sp>
+    </p:spTree>
+    <p:extLst>
+      <p:ext uri="{BB962C8B-B14F-4D97-AF65-F5344CB8AC3E}">
+        <p14:creationId xmlns:p14="http://schemas.microsoft.com/office/powerpoint/2010/main" val="887229060"/>
+      </p:ext>
+    </p:extLst>
+  </p:cSld>
+  <p:clrMapOvr>
+    <a:masterClrMapping/>
+  </p:clrMapOvr>
+</p:sld>
+</file>
+
+<file path=ppt/slides/slide37.xml><?xml version="1.0" encoding="utf-8"?>
+<p:sld xmlns:a="http://schemas.openxmlformats.org/drawingml/2006/main" xmlns:r="http://schemas.openxmlformats.org/officeDocument/2006/relationships" xmlns:p="http://schemas.openxmlformats.org/presentationml/2006/main">
+  <p:cSld>
+    <p:spTree>
+      <p:nvGrpSpPr>
+        <p:cNvPr id="1" name=""/>
+        <p:cNvGrpSpPr/>
+        <p:nvPr/>
+      </p:nvGrpSpPr>
+      <p:grpSpPr>
+        <a:xfrm>
+          <a:off x="0" y="0"/>
+          <a:ext cx="0" cy="0"/>
+          <a:chOff x="0" y="0"/>
+          <a:chExt cx="0" cy="0"/>
+        </a:xfrm>
+      </p:grpSpPr>
+      <p:sp>
+        <p:nvSpPr>
+          <p:cNvPr id="2" name="Title 1"/>
+          <p:cNvSpPr>
+            <a:spLocks noGrp="1"/>
+          </p:cNvSpPr>
+          <p:nvPr>
+            <p:ph type="title"/>
+          </p:nvPr>
+        </p:nvSpPr>
+        <p:spPr/>
+        <p:txBody>
+          <a:bodyPr/>
+          <a:lstStyle/>
+          <a:p>
+            <a:r>
+              <a:rPr lang="en-US" dirty="0" smtClean="0"/>
+              <a:t>Guiding research questions</a:t>
+            </a:r>
+            <a:endParaRPr lang="en-US" dirty="0"/>
+          </a:p>
+        </p:txBody>
+      </p:sp>
+      <p:sp>
+        <p:nvSpPr>
+          <p:cNvPr id="3" name="Content Placeholder 2"/>
+          <p:cNvSpPr>
+            <a:spLocks noGrp="1"/>
+          </p:cNvSpPr>
+          <p:nvPr>
+            <p:ph idx="1"/>
+          </p:nvPr>
+        </p:nvSpPr>
+        <p:spPr/>
+        <p:txBody>
+          <a:bodyPr/>
+          <a:lstStyle/>
+          <a:p>
+            <a:r>
+              <a:rPr lang="en-US" dirty="0" smtClean="0"/>
+              <a:t>What </a:t>
+            </a:r>
+            <a:r>
+              <a:rPr lang="en-US" dirty="0"/>
+              <a:t>are the affordances of </a:t>
+            </a:r>
+            <a:r>
+              <a:rPr lang="en-US" dirty="0" smtClean="0"/>
+              <a:t>thinking of and with new </a:t>
+            </a:r>
+            <a:r>
+              <a:rPr lang="en-US" dirty="0"/>
+              <a:t>types of data in STEM education</a:t>
+            </a:r>
+            <a:r>
+              <a:rPr lang="en-US" dirty="0" smtClean="0"/>
+              <a:t>?</a:t>
+            </a:r>
+          </a:p>
+          <a:p>
+            <a:pPr lvl="1"/>
+            <a:r>
+              <a:rPr lang="en-US" dirty="0" smtClean="0"/>
+              <a:t>Experience sampling method:</a:t>
+            </a:r>
+          </a:p>
+          <a:p>
+            <a:pPr lvl="1"/>
+            <a:r>
+              <a:rPr lang="en-US" dirty="0" smtClean="0"/>
+              <a:t>Digital traces and network data:</a:t>
+            </a:r>
+          </a:p>
+          <a:p>
+            <a:r>
+              <a:rPr lang="en-US" dirty="0" smtClean="0"/>
+              <a:t>How do these new types of data </a:t>
+            </a:r>
+            <a:r>
+              <a:rPr lang="en-US" dirty="0"/>
+              <a:t>help </a:t>
+            </a:r>
+            <a:r>
+              <a:rPr lang="en-US" dirty="0" smtClean="0"/>
+              <a:t>us to </a:t>
+            </a:r>
+            <a:r>
+              <a:rPr lang="en-US" dirty="0"/>
+              <a:t>understand teaching and learning in STEM</a:t>
+            </a:r>
+            <a:r>
+              <a:rPr lang="en-US" dirty="0" smtClean="0"/>
+              <a:t>?</a:t>
+            </a:r>
+          </a:p>
+          <a:p>
+            <a:pPr lvl="1"/>
+            <a:r>
+              <a:rPr lang="en-US" dirty="0"/>
+              <a:t>Experience sampling method:</a:t>
+            </a:r>
+          </a:p>
+          <a:p>
+            <a:pPr lvl="1"/>
+            <a:r>
+              <a:rPr lang="en-US" dirty="0"/>
+              <a:t>Digital traces and network </a:t>
+            </a:r>
+            <a:r>
+              <a:rPr lang="en-US" dirty="0" smtClean="0"/>
+              <a:t>data</a:t>
+            </a:r>
+            <a:r>
+              <a:rPr lang="en-US" dirty="0"/>
+              <a:t>:</a:t>
+            </a:r>
+          </a:p>
+        </p:txBody>
+      </p:sp>
+    </p:spTree>
+    <p:extLst>
+      <p:ext uri="{BB962C8B-B14F-4D97-AF65-F5344CB8AC3E}">
+        <p14:creationId xmlns:p14="http://schemas.microsoft.com/office/powerpoint/2010/main" val="1450109760"/>
+      </p:ext>
+    </p:extLst>
+  </p:cSld>
+  <p:clrMapOvr>
+    <a:masterClrMapping/>
+  </p:clrMapOvr>
+</p:sld>
+</file>
+
+<file path=ppt/slides/slide38.xml><?xml version="1.0" encoding="utf-8"?>
+<p:sld xmlns:a="http://schemas.openxmlformats.org/drawingml/2006/main" xmlns:r="http://schemas.openxmlformats.org/officeDocument/2006/relationships" xmlns:p="http://schemas.openxmlformats.org/presentationml/2006/main">
+  <p:cSld>
+    <p:spTree>
+      <p:nvGrpSpPr>
+        <p:cNvPr id="1" name=""/>
+        <p:cNvGrpSpPr/>
+        <p:nvPr/>
+      </p:nvGrpSpPr>
+      <p:grpSpPr>
+        <a:xfrm>
+          <a:off x="0" y="0"/>
+          <a:ext cx="0" cy="0"/>
+          <a:chOff x="0" y="0"/>
+          <a:chExt cx="0" cy="0"/>
+        </a:xfrm>
+      </p:grpSpPr>
+      <p:sp>
+        <p:nvSpPr>
+          <p:cNvPr id="2" name="Title 1"/>
+          <p:cNvSpPr>
+            <a:spLocks noGrp="1"/>
+          </p:cNvSpPr>
+          <p:nvPr>
+            <p:ph type="title"/>
+          </p:nvPr>
+        </p:nvSpPr>
+        <p:spPr/>
+        <p:txBody>
+          <a:bodyPr>
+            <a:normAutofit/>
+          </a:bodyPr>
+          <a:lstStyle/>
+          <a:p>
+            <a:r>
+              <a:rPr lang="en-US" dirty="0" smtClean="0"/>
+              <a:t>Who gets to use data?</a:t>
+            </a:r>
+            <a:endParaRPr lang="en-US" dirty="0"/>
+          </a:p>
+        </p:txBody>
+      </p:sp>
+      <p:sp>
+        <p:nvSpPr>
+          <p:cNvPr id="3" name="Content Placeholder 2"/>
+          <p:cNvSpPr>
+            <a:spLocks noGrp="1"/>
+          </p:cNvSpPr>
+          <p:nvPr>
+            <p:ph idx="1"/>
+          </p:nvPr>
+        </p:nvSpPr>
+        <p:spPr/>
+        <p:txBody>
+          <a:bodyPr>
+            <a:normAutofit/>
+          </a:bodyPr>
+          <a:lstStyle/>
+          <a:p>
+            <a:pPr marL="0" indent="0">
+              <a:buNone/>
+            </a:pPr>
+            <a:endParaRPr lang="en-US" dirty="0" smtClean="0"/>
+          </a:p>
+        </p:txBody>
+      </p:sp>
+    </p:spTree>
+    <p:extLst>
+      <p:ext uri="{BB962C8B-B14F-4D97-AF65-F5344CB8AC3E}">
+        <p14:creationId xmlns:p14="http://schemas.microsoft.com/office/powerpoint/2010/main" val="2039927595"/>
+      </p:ext>
+    </p:extLst>
+  </p:cSld>
+  <p:clrMapOvr>
+    <a:masterClrMapping/>
+  </p:clrMapOvr>
+</p:sld>
+</file>
+
+<file path=ppt/slides/slide39.xml><?xml version="1.0" encoding="utf-8"?>
+<p:sld xmlns:a="http://schemas.openxmlformats.org/drawingml/2006/main" xmlns:r="http://schemas.openxmlformats.org/officeDocument/2006/relationships" xmlns:p="http://schemas.openxmlformats.org/presentationml/2006/main">
+  <p:cSld>
+    <p:spTree>
+      <p:nvGrpSpPr>
+        <p:cNvPr id="1" name=""/>
+        <p:cNvGrpSpPr/>
+        <p:nvPr/>
+      </p:nvGrpSpPr>
+      <p:grpSpPr>
+        <a:xfrm>
+          <a:off x="0" y="0"/>
+          <a:ext cx="0" cy="0"/>
+          <a:chOff x="0" y="0"/>
+          <a:chExt cx="0" cy="0"/>
+        </a:xfrm>
+      </p:grpSpPr>
+      <p:sp>
+        <p:nvSpPr>
+          <p:cNvPr id="2" name="Title 1"/>
+          <p:cNvSpPr>
+            <a:spLocks noGrp="1"/>
+          </p:cNvSpPr>
+          <p:nvPr>
+            <p:ph type="title"/>
+          </p:nvPr>
+        </p:nvSpPr>
+        <p:spPr/>
+        <p:txBody>
+          <a:bodyPr>
+            <a:normAutofit/>
+          </a:bodyPr>
+          <a:lstStyle/>
+          <a:p>
+            <a:r>
+              <a:rPr lang="en-US" dirty="0" smtClean="0"/>
+              <a:t>Acknowledgments</a:t>
+            </a:r>
+          </a:p>
+        </p:txBody>
+      </p:sp>
+      <p:sp>
+        <p:nvSpPr>
+          <p:cNvPr id="3" name="Content Placeholder 2"/>
+          <p:cNvSpPr>
+            <a:spLocks noGrp="1"/>
+          </p:cNvSpPr>
+          <p:nvPr>
+            <p:ph idx="1"/>
+          </p:nvPr>
+        </p:nvSpPr>
+        <p:spPr/>
+        <p:txBody>
+          <a:bodyPr>
+            <a:normAutofit/>
+          </a:bodyPr>
+          <a:lstStyle/>
+          <a:p>
+            <a:pPr marL="0" indent="0">
+              <a:buNone/>
+            </a:pPr>
+            <a:r>
+              <a:rPr lang="en-US" dirty="0" smtClean="0"/>
+              <a:t>Thank you to collaborators and participating teachers and students</a:t>
+            </a:r>
+          </a:p>
+          <a:p>
+            <a:pPr marL="0" indent="0">
+              <a:buNone/>
+            </a:pPr>
+            <a:endParaRPr lang="en-US" dirty="0" smtClean="0"/>
+          </a:p>
+          <a:p>
+            <a:pPr marL="0" indent="0">
+              <a:buNone/>
+            </a:pPr>
+            <a:r>
+              <a:rPr lang="en-US" dirty="0" smtClean="0"/>
+              <a:t>Thank you to Mehmet </a:t>
+            </a:r>
+            <a:r>
+              <a:rPr lang="en-US" dirty="0" err="1" smtClean="0"/>
+              <a:t>Aydeniz</a:t>
+            </a:r>
+            <a:r>
+              <a:rPr lang="en-US" dirty="0" smtClean="0"/>
+              <a:t> and the search committee for inviting me on behalf of the </a:t>
+            </a:r>
+            <a:r>
+              <a:rPr lang="en-US" i="1" dirty="0" smtClean="0"/>
+              <a:t>TPTE </a:t>
+            </a:r>
+            <a:r>
+              <a:rPr lang="en-US" dirty="0" smtClean="0"/>
+              <a:t>department</a:t>
+            </a:r>
+            <a:endParaRPr lang="en-US" dirty="0"/>
+          </a:p>
+          <a:p>
+            <a:pPr marL="0" indent="0">
+              <a:buNone/>
+            </a:pPr>
+            <a:endParaRPr lang="en-US" dirty="0" smtClean="0"/>
+          </a:p>
+          <a:p>
+            <a:pPr marL="0" indent="0">
+              <a:buNone/>
+            </a:pPr>
+            <a:r>
+              <a:rPr lang="en-US" dirty="0" smtClean="0"/>
+              <a:t>Time for questions from the audience</a:t>
+            </a:r>
+            <a:endParaRPr lang="en-US" dirty="0"/>
+          </a:p>
+        </p:txBody>
+      </p:sp>
+    </p:spTree>
+    <p:extLst>
+      <p:ext uri="{BB962C8B-B14F-4D97-AF65-F5344CB8AC3E}">
+        <p14:creationId xmlns:p14="http://schemas.microsoft.com/office/powerpoint/2010/main" val="1983950026"/>
+      </p:ext>
+    </p:extLst>
+  </p:cSld>
+  <p:clrMapOvr>
+    <a:masterClrMapping/>
+  </p:clrMapOvr>
+</p:sld>
+</file>
+
+<file path=ppt/slides/slide4.xml><?xml version="1.0" encoding="utf-8"?>
 <p:sld xmlns:a="http://schemas.openxmlformats.org/drawingml/2006/main" xmlns:r="http://schemas.openxmlformats.org/officeDocument/2006/relationships" xmlns:p="http://schemas.openxmlformats.org/presentationml/2006/main">
   <p:cSld>
     <p:spTree>
@@ -5438,7 +12691,7 @@
 </p:sld>
 </file>
 
-<file path=ppt/slides/slide4.xml><?xml version="1.0" encoding="utf-8"?>
+<file path=ppt/slides/slide40.xml><?xml version="1.0" encoding="utf-8"?>
 <p:sld xmlns:a="http://schemas.openxmlformats.org/drawingml/2006/main" xmlns:r="http://schemas.openxmlformats.org/officeDocument/2006/relationships" xmlns:p="http://schemas.openxmlformats.org/presentationml/2006/main">
   <p:cSld>
     <p:spTree>
@@ -5467,82 +12720,372 @@
         </p:nvSpPr>
         <p:spPr/>
         <p:txBody>
-          <a:bodyPr/>
-          <a:lstStyle/>
-          <a:p>
-            <a:r>
-              <a:rPr lang="en-US" smtClean="0"/>
-              <a:t>Guiding research questions</a:t>
+          <a:bodyPr>
+            <a:normAutofit/>
+          </a:bodyPr>
+          <a:lstStyle/>
+          <a:p>
+            <a:r>
+              <a:rPr lang="en-US" dirty="0" smtClean="0"/>
+              <a:t>References</a:t>
+            </a:r>
+          </a:p>
+        </p:txBody>
+      </p:sp>
+      <p:sp>
+        <p:nvSpPr>
+          <p:cNvPr id="3" name="Content Placeholder 2"/>
+          <p:cNvSpPr>
+            <a:spLocks noGrp="1"/>
+          </p:cNvSpPr>
+          <p:nvPr>
+            <p:ph idx="1"/>
+          </p:nvPr>
+        </p:nvSpPr>
+        <p:spPr/>
+        <p:txBody>
+          <a:bodyPr>
+            <a:normAutofit fontScale="92500" lnSpcReduction="10000"/>
+          </a:bodyPr>
+          <a:lstStyle/>
+          <a:p>
+            <a:pPr marL="0" indent="0">
+              <a:buNone/>
+            </a:pPr>
+            <a:r>
+              <a:rPr lang="en-US" dirty="0"/>
+              <a:t>Cobb et al., 2003</a:t>
+            </a:r>
+          </a:p>
+          <a:p>
+            <a:pPr marL="0" indent="0">
+              <a:buNone/>
+            </a:pPr>
+            <a:r>
+              <a:rPr lang="en-US" dirty="0"/>
+              <a:t>Turner &amp; </a:t>
+            </a:r>
+            <a:r>
+              <a:rPr lang="en-US" dirty="0" err="1"/>
+              <a:t>Noley</a:t>
+            </a:r>
+            <a:r>
+              <a:rPr lang="en-US" dirty="0"/>
+              <a:t>, 2015</a:t>
+            </a:r>
+          </a:p>
+          <a:p>
+            <a:pPr marL="0" indent="0">
+              <a:buNone/>
+            </a:pPr>
+            <a:r>
+              <a:rPr lang="en-US" dirty="0"/>
+              <a:t>Mishra, Koehler, &amp; Greenhow, 2016</a:t>
+            </a:r>
+          </a:p>
+          <a:p>
+            <a:pPr marL="0" indent="0">
+              <a:buNone/>
+            </a:pPr>
+            <a:r>
+              <a:rPr lang="en-US" dirty="0"/>
+              <a:t>NGSS Lead States, 2015</a:t>
+            </a:r>
+          </a:p>
+          <a:p>
+            <a:pPr marL="0" indent="0">
+              <a:buNone/>
+            </a:pPr>
+            <a:r>
+              <a:rPr lang="en-US" dirty="0"/>
+              <a:t>National Research Council, 2012</a:t>
+            </a:r>
+          </a:p>
+          <a:p>
+            <a:pPr marL="0" indent="0">
+              <a:buNone/>
+            </a:pPr>
+            <a:r>
+              <a:rPr lang="en-US" dirty="0"/>
+              <a:t>Severance et al., 2012</a:t>
+            </a:r>
+          </a:p>
+          <a:p>
+            <a:pPr marL="0" indent="0">
+              <a:buNone/>
+            </a:pPr>
+            <a:r>
+              <a:rPr lang="en-US" dirty="0"/>
+              <a:t>Wilkerson-</a:t>
+            </a:r>
+            <a:r>
+              <a:rPr lang="en-US" dirty="0" err="1"/>
+              <a:t>Jerde</a:t>
+            </a:r>
+            <a:r>
+              <a:rPr lang="en-US" dirty="0"/>
+              <a:t> &amp; </a:t>
+            </a:r>
+            <a:r>
+              <a:rPr lang="en-US" dirty="0" err="1"/>
+              <a:t>Wilensky</a:t>
+            </a:r>
+            <a:r>
+              <a:rPr lang="en-US" dirty="0"/>
+              <a:t>, 2015</a:t>
+            </a:r>
+          </a:p>
+          <a:p>
+            <a:pPr marL="0" indent="0">
+              <a:buNone/>
+            </a:pPr>
+            <a:r>
+              <a:rPr lang="en-US" dirty="0"/>
+              <a:t>Rosenberg &amp; Koehler, 2015</a:t>
+            </a:r>
+          </a:p>
+          <a:p>
+            <a:pPr marL="0" indent="0">
+              <a:buNone/>
+            </a:pPr>
+            <a:r>
+              <a:rPr lang="en-US" dirty="0"/>
+              <a:t>Rosenberg et al., 2016</a:t>
+            </a:r>
+          </a:p>
+          <a:p>
+            <a:pPr marL="0" indent="0">
+              <a:buNone/>
+            </a:pPr>
+            <a:r>
+              <a:rPr lang="en-US" dirty="0"/>
+              <a:t>Koehler et al., 2016</a:t>
+            </a:r>
+          </a:p>
+          <a:p>
+            <a:pPr marL="0" indent="0">
+              <a:buNone/>
+            </a:pPr>
+            <a:r>
+              <a:rPr lang="en-US" dirty="0"/>
+              <a:t>Schmidt, Rosenberg, &amp; </a:t>
+            </a:r>
+            <a:r>
+              <a:rPr lang="en-US" dirty="0" err="1"/>
+              <a:t>Beymer</a:t>
+            </a:r>
+            <a:r>
+              <a:rPr lang="en-US" dirty="0"/>
+              <a:t>, 2018</a:t>
+            </a:r>
+          </a:p>
+          <a:p>
+            <a:pPr marL="0" indent="0">
+              <a:buNone/>
+            </a:pPr>
+            <a:r>
+              <a:rPr lang="en-US" dirty="0" err="1"/>
+              <a:t>Beymer</a:t>
+            </a:r>
+            <a:r>
+              <a:rPr lang="en-US" dirty="0"/>
+              <a:t>, Rosenberg, &amp; Schmidt, in press</a:t>
+            </a:r>
+          </a:p>
+          <a:p>
+            <a:pPr marL="0" indent="0">
+              <a:buNone/>
+            </a:pPr>
+            <a:r>
+              <a:rPr lang="en-US" dirty="0" err="1"/>
+              <a:t>Akcaoglu</a:t>
+            </a:r>
+            <a:r>
+              <a:rPr lang="en-US" dirty="0"/>
+              <a:t>, Rosenberg, </a:t>
+            </a:r>
+            <a:r>
+              <a:rPr lang="en-US" dirty="0" err="1"/>
+              <a:t>Ranellucci</a:t>
+            </a:r>
+            <a:r>
+              <a:rPr lang="en-US" dirty="0"/>
+              <a:t>, &amp; Schwarz, </a:t>
+            </a:r>
+            <a:r>
+              <a:rPr lang="en-US" dirty="0" smtClean="0"/>
+              <a:t>2018</a:t>
             </a:r>
             <a:endParaRPr lang="en-US" dirty="0"/>
-          </a:p>
-        </p:txBody>
-      </p:sp>
-      <p:sp>
-        <p:nvSpPr>
-          <p:cNvPr id="3" name="Content Placeholder 2"/>
-          <p:cNvSpPr>
-            <a:spLocks noGrp="1"/>
-          </p:cNvSpPr>
-          <p:nvPr>
-            <p:ph idx="1"/>
-          </p:nvPr>
-        </p:nvSpPr>
-        <p:spPr/>
-        <p:txBody>
-          <a:bodyPr/>
-          <a:lstStyle/>
-          <a:p>
-            <a:pPr marL="0" indent="0">
-              <a:buNone/>
-            </a:pPr>
-            <a:r>
-              <a:rPr lang="en-US" dirty="0"/>
-              <a:t>Students, teachers, and researchers’ </a:t>
-            </a:r>
-            <a:r>
-              <a:rPr lang="en-US" dirty="0" smtClean="0"/>
-              <a:t>thinking </a:t>
-            </a:r>
-            <a:r>
-              <a:rPr lang="en-US" dirty="0"/>
-              <a:t>of and with </a:t>
-            </a:r>
-            <a:r>
-              <a:rPr lang="en-US" dirty="0" smtClean="0"/>
-              <a:t>data</a:t>
-            </a:r>
-          </a:p>
-          <a:p>
-            <a:r>
-              <a:rPr lang="en-US" dirty="0" smtClean="0"/>
-              <a:t>What </a:t>
-            </a:r>
-            <a:r>
-              <a:rPr lang="en-US" dirty="0"/>
-              <a:t>are the affordances of new types of data in STEM education</a:t>
-            </a:r>
-            <a:r>
-              <a:rPr lang="en-US" dirty="0" smtClean="0"/>
-              <a:t>?</a:t>
-            </a:r>
-          </a:p>
-          <a:p>
-            <a:r>
-              <a:rPr lang="en-US" dirty="0" smtClean="0"/>
-              <a:t>How </a:t>
-            </a:r>
-            <a:r>
-              <a:rPr lang="en-US" dirty="0"/>
-              <a:t>does this data help us understand teaching and learning in STEM?</a:t>
-            </a:r>
           </a:p>
         </p:txBody>
       </p:sp>
     </p:spTree>
     <p:extLst>
       <p:ext uri="{BB962C8B-B14F-4D97-AF65-F5344CB8AC3E}">
-        <p14:creationId xmlns:p14="http://schemas.microsoft.com/office/powerpoint/2010/main" val="1338125609"/>
+        <p14:creationId xmlns:p14="http://schemas.microsoft.com/office/powerpoint/2010/main" val="304270862"/>
+      </p:ext>
+    </p:extLst>
+  </p:cSld>
+  <p:clrMapOvr>
+    <a:masterClrMapping/>
+  </p:clrMapOvr>
+</p:sld>
+</file>
+
+<file path=ppt/slides/slide41.xml><?xml version="1.0" encoding="utf-8"?>
+<p:sld xmlns:a="http://schemas.openxmlformats.org/drawingml/2006/main" xmlns:r="http://schemas.openxmlformats.org/officeDocument/2006/relationships" xmlns:p="http://schemas.openxmlformats.org/presentationml/2006/main">
+  <p:cSld>
+    <p:spTree>
+      <p:nvGrpSpPr>
+        <p:cNvPr id="1" name=""/>
+        <p:cNvGrpSpPr/>
+        <p:nvPr/>
+      </p:nvGrpSpPr>
+      <p:grpSpPr>
+        <a:xfrm>
+          <a:off x="0" y="0"/>
+          <a:ext cx="0" cy="0"/>
+          <a:chOff x="0" y="0"/>
+          <a:chExt cx="0" cy="0"/>
+        </a:xfrm>
+      </p:grpSpPr>
+      <p:sp>
+        <p:nvSpPr>
+          <p:cNvPr id="3" name="Content Placeholder 2"/>
+          <p:cNvSpPr>
+            <a:spLocks noGrp="1"/>
+          </p:cNvSpPr>
+          <p:nvPr>
+            <p:ph idx="1"/>
+          </p:nvPr>
+        </p:nvSpPr>
+        <p:spPr/>
+        <p:txBody>
+          <a:bodyPr/>
+          <a:lstStyle/>
+          <a:p>
+            <a:r>
+              <a:rPr lang="en-US" dirty="0" smtClean="0"/>
+              <a:t>sf</a:t>
+            </a:r>
+            <a:endParaRPr lang="en-US" dirty="0"/>
+          </a:p>
+        </p:txBody>
+      </p:sp>
+      <p:sp>
+        <p:nvSpPr>
+          <p:cNvPr id="8" name="Rectangle 7"/>
+          <p:cNvSpPr/>
+          <p:nvPr/>
+        </p:nvSpPr>
+        <p:spPr>
+          <a:xfrm>
+            <a:off x="0" y="298173"/>
+            <a:ext cx="9144000" cy="1107470"/>
+          </a:xfrm>
+          <a:prstGeom prst="rect">
+            <a:avLst/>
+          </a:prstGeom>
+          <a:solidFill>
+            <a:srgbClr val="1689B9"/>
+          </a:solidFill>
+          <a:ln>
+            <a:noFill/>
+          </a:ln>
+          <a:effectLst/>
+        </p:spPr>
+        <p:style>
+          <a:lnRef idx="1">
+            <a:schemeClr val="accent1"/>
+          </a:lnRef>
+          <a:fillRef idx="3">
+            <a:schemeClr val="accent1"/>
+          </a:fillRef>
+          <a:effectRef idx="2">
+            <a:schemeClr val="accent1"/>
+          </a:effectRef>
+          <a:fontRef idx="minor">
+            <a:schemeClr val="lt1"/>
+          </a:fontRef>
+        </p:style>
+        <p:txBody>
+          <a:bodyPr rtlCol="0" anchor="ctr"/>
+          <a:lstStyle/>
+          <a:p>
+            <a:pPr algn="ctr"/>
+            <a:endParaRPr lang="en-US">
+              <a:solidFill>
+                <a:srgbClr val="1689B9"/>
+              </a:solidFill>
+            </a:endParaRPr>
+          </a:p>
+        </p:txBody>
+      </p:sp>
+      <p:sp>
+        <p:nvSpPr>
+          <p:cNvPr id="7" name="TextBox 6"/>
+          <p:cNvSpPr txBox="1"/>
+          <p:nvPr/>
+        </p:nvSpPr>
+        <p:spPr>
+          <a:xfrm>
+            <a:off x="4740965" y="298173"/>
+            <a:ext cx="4403035" cy="830997"/>
+          </a:xfrm>
+          <a:prstGeom prst="rect">
+            <a:avLst/>
+          </a:prstGeom>
+          <a:solidFill>
+            <a:srgbClr val="EDF8FF"/>
+          </a:solidFill>
+        </p:spPr>
+        <p:txBody>
+          <a:bodyPr wrap="square" rtlCol="0">
+            <a:spAutoFit/>
+          </a:bodyPr>
+          <a:lstStyle/>
+          <a:p>
+            <a:pPr algn="r"/>
+            <a:r>
+              <a:rPr lang="en-US" sz="2400" dirty="0" smtClean="0">
+                <a:latin typeface="Helvetica Neue" charset="0"/>
+                <a:ea typeface="Helvetica Neue" charset="0"/>
+                <a:cs typeface="Helvetica Neue" charset="0"/>
+              </a:rPr>
+              <a:t>I think my model is </a:t>
+            </a:r>
+          </a:p>
+          <a:p>
+            <a:pPr algn="r"/>
+            <a:r>
+              <a:rPr lang="en-US" sz="2400" dirty="0">
+                <a:latin typeface="Helvetica Neue" charset="0"/>
+                <a:ea typeface="Helvetica Neue" charset="0"/>
+                <a:cs typeface="Helvetica Neue" charset="0"/>
+              </a:rPr>
+              <a:t>f</a:t>
+            </a:r>
+            <a:r>
+              <a:rPr lang="en-US" sz="2400" dirty="0" smtClean="0">
+                <a:latin typeface="Helvetica Neue" charset="0"/>
+                <a:ea typeface="Helvetica Neue" charset="0"/>
+                <a:cs typeface="Helvetica Neue" charset="0"/>
+              </a:rPr>
+              <a:t>or other students</a:t>
+            </a:r>
+            <a:endParaRPr lang="en-US" sz="2400" dirty="0">
+              <a:latin typeface="Helvetica Neue" charset="0"/>
+              <a:ea typeface="Helvetica Neue" charset="0"/>
+              <a:cs typeface="Helvetica Neue" charset="0"/>
+            </a:endParaRPr>
+          </a:p>
+        </p:txBody>
+      </p:sp>
+    </p:spTree>
+    <p:extLst>
+      <p:ext uri="{BB962C8B-B14F-4D97-AF65-F5344CB8AC3E}">
+        <p14:creationId xmlns:p14="http://schemas.microsoft.com/office/powerpoint/2010/main" val="2026754100"/>
       </p:ext>
     </p:extLst>
   </p:cSld>
@@ -5571,6 +13114,434 @@
       </p:grpSpPr>
       <p:sp>
         <p:nvSpPr>
+          <p:cNvPr id="2" name="Title 1"/>
+          <p:cNvSpPr>
+            <a:spLocks noGrp="1"/>
+          </p:cNvSpPr>
+          <p:nvPr>
+            <p:ph type="title"/>
+          </p:nvPr>
+        </p:nvSpPr>
+        <p:spPr/>
+        <p:txBody>
+          <a:bodyPr/>
+          <a:lstStyle/>
+          <a:p>
+            <a:r>
+              <a:rPr lang="en-US" dirty="0" smtClean="0"/>
+              <a:t>Guiding research questions</a:t>
+            </a:r>
+            <a:endParaRPr lang="en-US" dirty="0"/>
+          </a:p>
+        </p:txBody>
+      </p:sp>
+      <p:sp>
+        <p:nvSpPr>
+          <p:cNvPr id="3" name="Content Placeholder 2"/>
+          <p:cNvSpPr>
+            <a:spLocks noGrp="1"/>
+          </p:cNvSpPr>
+          <p:nvPr>
+            <p:ph idx="1"/>
+          </p:nvPr>
+        </p:nvSpPr>
+        <p:spPr/>
+        <p:txBody>
+          <a:bodyPr/>
+          <a:lstStyle/>
+          <a:p>
+            <a:r>
+              <a:rPr lang="en-US" dirty="0" smtClean="0"/>
+              <a:t>What </a:t>
+            </a:r>
+            <a:r>
+              <a:rPr lang="en-US" dirty="0"/>
+              <a:t>are the affordances of </a:t>
+            </a:r>
+            <a:r>
+              <a:rPr lang="en-US" dirty="0" smtClean="0"/>
+              <a:t>thinking of and with new </a:t>
+            </a:r>
+            <a:r>
+              <a:rPr lang="en-US" dirty="0"/>
+              <a:t>types of data in STEM education</a:t>
+            </a:r>
+            <a:r>
+              <a:rPr lang="en-US" dirty="0" smtClean="0"/>
+              <a:t>?</a:t>
+            </a:r>
+          </a:p>
+          <a:p>
+            <a:r>
+              <a:rPr lang="en-US" dirty="0" smtClean="0"/>
+              <a:t>How do these new types of data </a:t>
+            </a:r>
+            <a:r>
+              <a:rPr lang="en-US" dirty="0"/>
+              <a:t>help </a:t>
+            </a:r>
+            <a:r>
+              <a:rPr lang="en-US" dirty="0" smtClean="0"/>
+              <a:t>us to </a:t>
+            </a:r>
+            <a:r>
+              <a:rPr lang="en-US" dirty="0"/>
+              <a:t>understand teaching and learning in STEM?</a:t>
+            </a:r>
+          </a:p>
+        </p:txBody>
+      </p:sp>
+    </p:spTree>
+    <p:extLst>
+      <p:ext uri="{BB962C8B-B14F-4D97-AF65-F5344CB8AC3E}">
+        <p14:creationId xmlns:p14="http://schemas.microsoft.com/office/powerpoint/2010/main" val="1338125609"/>
+      </p:ext>
+    </p:extLst>
+  </p:cSld>
+  <p:clrMapOvr>
+    <a:masterClrMapping/>
+  </p:clrMapOvr>
+</p:sld>
+</file>
+
+<file path=ppt/slides/slide6.xml><?xml version="1.0" encoding="utf-8"?>
+<p:sld xmlns:a="http://schemas.openxmlformats.org/drawingml/2006/main" xmlns:r="http://schemas.openxmlformats.org/officeDocument/2006/relationships" xmlns:p="http://schemas.openxmlformats.org/presentationml/2006/main">
+  <p:cSld>
+    <p:spTree>
+      <p:nvGrpSpPr>
+        <p:cNvPr id="1" name=""/>
+        <p:cNvGrpSpPr/>
+        <p:nvPr/>
+      </p:nvGrpSpPr>
+      <p:grpSpPr>
+        <a:xfrm>
+          <a:off x="0" y="0"/>
+          <a:ext cx="0" cy="0"/>
+          <a:chOff x="0" y="0"/>
+          <a:chExt cx="0" cy="0"/>
+        </a:xfrm>
+      </p:grpSpPr>
+      <p:sp>
+        <p:nvSpPr>
+          <p:cNvPr id="2" name="Title 1"/>
+          <p:cNvSpPr>
+            <a:spLocks noGrp="1"/>
+          </p:cNvSpPr>
+          <p:nvPr>
+            <p:ph type="title"/>
+          </p:nvPr>
+        </p:nvSpPr>
+        <p:spPr/>
+        <p:txBody>
+          <a:bodyPr>
+            <a:normAutofit fontScale="90000"/>
+          </a:bodyPr>
+          <a:lstStyle/>
+          <a:p>
+            <a:r>
+              <a:rPr lang="en-US" dirty="0"/>
+              <a:t>What are the affordances of new types of data in STEM education?</a:t>
+            </a:r>
+          </a:p>
+        </p:txBody>
+      </p:sp>
+      <p:sp>
+        <p:nvSpPr>
+          <p:cNvPr id="3" name="Content Placeholder 2"/>
+          <p:cNvSpPr>
+            <a:spLocks noGrp="1"/>
+          </p:cNvSpPr>
+          <p:nvPr>
+            <p:ph idx="1"/>
+          </p:nvPr>
+        </p:nvSpPr>
+        <p:spPr/>
+        <p:txBody>
+          <a:bodyPr/>
+          <a:lstStyle/>
+          <a:p>
+            <a:r>
+              <a:rPr lang="en-US" dirty="0" smtClean="0"/>
+              <a:t>Study </a:t>
+            </a:r>
+            <a:r>
+              <a:rPr lang="en-US" dirty="0"/>
+              <a:t>phenomena in-context and study teaching and learning processes (Cobb, </a:t>
+            </a:r>
+            <a:r>
+              <a:rPr lang="en-US" dirty="0" err="1"/>
+              <a:t>Confrey</a:t>
+            </a:r>
+            <a:r>
+              <a:rPr lang="en-US" dirty="0"/>
+              <a:t>, </a:t>
+            </a:r>
+            <a:r>
+              <a:rPr lang="en-US" dirty="0" err="1"/>
+              <a:t>DiSessa</a:t>
+            </a:r>
+            <a:r>
+              <a:rPr lang="en-US" dirty="0"/>
+              <a:t>, Lehrer, &amp; </a:t>
+            </a:r>
+            <a:r>
+              <a:rPr lang="en-US" dirty="0" err="1"/>
+              <a:t>Schauble</a:t>
+            </a:r>
+            <a:r>
+              <a:rPr lang="en-US" dirty="0"/>
+              <a:t>, 2003; </a:t>
+            </a:r>
+            <a:r>
+              <a:rPr lang="en-US" dirty="0" err="1"/>
+              <a:t>Tabak</a:t>
+            </a:r>
+            <a:r>
+              <a:rPr lang="en-US" dirty="0"/>
+              <a:t>, 2004</a:t>
+            </a:r>
+            <a:r>
+              <a:rPr lang="en-US" dirty="0" smtClean="0"/>
+              <a:t>)</a:t>
+            </a:r>
+          </a:p>
+          <a:p>
+            <a:r>
+              <a:rPr lang="en-US" dirty="0" smtClean="0"/>
+              <a:t>Develop </a:t>
+            </a:r>
+            <a:r>
+              <a:rPr lang="en-US" dirty="0"/>
+              <a:t>a rich understanding of phenomena using multiple data sources (Hatch, 2002; </a:t>
+            </a:r>
+            <a:r>
+              <a:rPr lang="en-US" dirty="0" err="1"/>
+              <a:t>Salganik</a:t>
+            </a:r>
+            <a:r>
+              <a:rPr lang="en-US" dirty="0"/>
+              <a:t>, 2017</a:t>
+            </a:r>
+            <a:r>
+              <a:rPr lang="en-US" dirty="0" smtClean="0"/>
+              <a:t>)</a:t>
+            </a:r>
+          </a:p>
+          <a:p>
+            <a:r>
+              <a:rPr lang="en-US" dirty="0" smtClean="0"/>
+              <a:t>Build </a:t>
+            </a:r>
+            <a:r>
+              <a:rPr lang="en-US" dirty="0"/>
+              <a:t>the capacity of researchers to carry-out data-intensive research (</a:t>
+            </a:r>
+            <a:r>
+              <a:rPr lang="en-US" dirty="0" err="1"/>
+              <a:t>Hodis</a:t>
+            </a:r>
+            <a:r>
+              <a:rPr lang="en-US" dirty="0"/>
+              <a:t> &amp; Hancock, 2015)</a:t>
+            </a:r>
+          </a:p>
+        </p:txBody>
+      </p:sp>
+    </p:spTree>
+    <p:extLst>
+      <p:ext uri="{BB962C8B-B14F-4D97-AF65-F5344CB8AC3E}">
+        <p14:creationId xmlns:p14="http://schemas.microsoft.com/office/powerpoint/2010/main" val="1683318359"/>
+      </p:ext>
+    </p:extLst>
+  </p:cSld>
+  <p:clrMapOvr>
+    <a:masterClrMapping/>
+  </p:clrMapOvr>
+</p:sld>
+</file>
+
+<file path=ppt/slides/slide7.xml><?xml version="1.0" encoding="utf-8"?>
+<p:sld xmlns:a="http://schemas.openxmlformats.org/drawingml/2006/main" xmlns:r="http://schemas.openxmlformats.org/officeDocument/2006/relationships" xmlns:p="http://schemas.openxmlformats.org/presentationml/2006/main">
+  <p:cSld>
+    <p:spTree>
+      <p:nvGrpSpPr>
+        <p:cNvPr id="1" name=""/>
+        <p:cNvGrpSpPr/>
+        <p:nvPr/>
+      </p:nvGrpSpPr>
+      <p:grpSpPr>
+        <a:xfrm>
+          <a:off x="0" y="0"/>
+          <a:ext cx="0" cy="0"/>
+          <a:chOff x="0" y="0"/>
+          <a:chExt cx="0" cy="0"/>
+        </a:xfrm>
+      </p:grpSpPr>
+      <p:sp>
+        <p:nvSpPr>
+          <p:cNvPr id="2" name="Title 1"/>
+          <p:cNvSpPr>
+            <a:spLocks noGrp="1"/>
+          </p:cNvSpPr>
+          <p:nvPr>
+            <p:ph type="title"/>
+          </p:nvPr>
+        </p:nvSpPr>
+        <p:spPr/>
+        <p:txBody>
+          <a:bodyPr>
+            <a:normAutofit fontScale="90000"/>
+          </a:bodyPr>
+          <a:lstStyle/>
+          <a:p>
+            <a:r>
+              <a:rPr lang="en-US" dirty="0"/>
+              <a:t>How does this data help us understand teaching and learning in STEM</a:t>
+            </a:r>
+            <a:r>
+              <a:rPr lang="en-US" dirty="0" smtClean="0"/>
+              <a:t>?</a:t>
+            </a:r>
+            <a:endParaRPr lang="en-US" dirty="0"/>
+          </a:p>
+        </p:txBody>
+      </p:sp>
+      <p:sp>
+        <p:nvSpPr>
+          <p:cNvPr id="3" name="Content Placeholder 2"/>
+          <p:cNvSpPr>
+            <a:spLocks noGrp="1"/>
+          </p:cNvSpPr>
+          <p:nvPr>
+            <p:ph idx="1"/>
+          </p:nvPr>
+        </p:nvSpPr>
+        <p:spPr/>
+        <p:txBody>
+          <a:bodyPr>
+            <a:normAutofit/>
+          </a:bodyPr>
+          <a:lstStyle/>
+          <a:p>
+            <a:r>
+              <a:rPr lang="en-US" dirty="0" smtClean="0"/>
+              <a:t>Go </a:t>
+            </a:r>
+            <a:r>
+              <a:rPr lang="en-US" dirty="0"/>
+              <a:t>beyond doing school to asking questions based on interests (</a:t>
+            </a:r>
+            <a:r>
+              <a:rPr lang="en-US" dirty="0" err="1"/>
+              <a:t>Berland</a:t>
+            </a:r>
+            <a:r>
+              <a:rPr lang="en-US" dirty="0"/>
+              <a:t>, Schwarz, </a:t>
+            </a:r>
+            <a:r>
+              <a:rPr lang="en-US" dirty="0" err="1"/>
+              <a:t>Krist</a:t>
+            </a:r>
+            <a:r>
+              <a:rPr lang="en-US" dirty="0"/>
+              <a:t>, Lo, &amp; </a:t>
+            </a:r>
+            <a:r>
+              <a:rPr lang="en-US" dirty="0" err="1"/>
+              <a:t>Reiser</a:t>
+            </a:r>
+            <a:r>
+              <a:rPr lang="en-US" dirty="0"/>
+              <a:t>, 2016</a:t>
+            </a:r>
+            <a:r>
+              <a:rPr lang="en-US" dirty="0" smtClean="0"/>
+              <a:t>)</a:t>
+            </a:r>
+          </a:p>
+          <a:p>
+            <a:r>
+              <a:rPr lang="en-US" dirty="0" smtClean="0"/>
+              <a:t>Provide </a:t>
+            </a:r>
+            <a:r>
+              <a:rPr lang="en-US" dirty="0"/>
+              <a:t>positive feedback loops with other school subjects (Lehrer &amp; </a:t>
+            </a:r>
+            <a:r>
+              <a:rPr lang="en-US" dirty="0" err="1"/>
+              <a:t>Schauble</a:t>
+            </a:r>
+            <a:r>
+              <a:rPr lang="en-US" dirty="0"/>
+              <a:t>, 2015</a:t>
+            </a:r>
+            <a:r>
+              <a:rPr lang="en-US" dirty="0" smtClean="0"/>
+              <a:t>)</a:t>
+            </a:r>
+          </a:p>
+          <a:p>
+            <a:r>
+              <a:rPr lang="en-US" dirty="0" smtClean="0"/>
+              <a:t>Empower </a:t>
+            </a:r>
+            <a:r>
+              <a:rPr lang="en-US" dirty="0"/>
+              <a:t>students to think of and with data in their day-to-day lives (Horton &amp; Hardin, 2015; Nolan &amp; Temple Lang, 2015; </a:t>
+            </a:r>
+            <a:r>
+              <a:rPr lang="en-US" dirty="0" err="1"/>
+              <a:t>Zeiffler</a:t>
+            </a:r>
+            <a:r>
+              <a:rPr lang="en-US" dirty="0"/>
+              <a:t>, Garfield, </a:t>
+            </a:r>
+            <a:r>
+              <a:rPr lang="en-US" dirty="0" err="1"/>
+              <a:t>delMas</a:t>
+            </a:r>
+            <a:r>
+              <a:rPr lang="en-US" dirty="0"/>
+              <a:t>, &amp; Gould, 2007) </a:t>
+            </a:r>
+          </a:p>
+        </p:txBody>
+      </p:sp>
+    </p:spTree>
+    <p:extLst>
+      <p:ext uri="{BB962C8B-B14F-4D97-AF65-F5344CB8AC3E}">
+        <p14:creationId xmlns:p14="http://schemas.microsoft.com/office/powerpoint/2010/main" val="1726005994"/>
+      </p:ext>
+    </p:extLst>
+  </p:cSld>
+  <p:clrMapOvr>
+    <a:masterClrMapping/>
+  </p:clrMapOvr>
+</p:sld>
+</file>
+
+<file path=ppt/slides/slide8.xml><?xml version="1.0" encoding="utf-8"?>
+<p:sld xmlns:a="http://schemas.openxmlformats.org/drawingml/2006/main" xmlns:r="http://schemas.openxmlformats.org/officeDocument/2006/relationships" xmlns:p="http://schemas.openxmlformats.org/presentationml/2006/main">
+  <p:cSld>
+    <p:spTree>
+      <p:nvGrpSpPr>
+        <p:cNvPr id="1" name=""/>
+        <p:cNvGrpSpPr/>
+        <p:nvPr/>
+      </p:nvGrpSpPr>
+      <p:grpSpPr>
+        <a:xfrm>
+          <a:off x="0" y="0"/>
+          <a:ext cx="0" cy="0"/>
+          <a:chOff x="0" y="0"/>
+          <a:chExt cx="0" cy="0"/>
+        </a:xfrm>
+      </p:grpSpPr>
+      <p:sp>
+        <p:nvSpPr>
           <p:cNvPr id="3" name="Content Placeholder 2"/>
           <p:cNvSpPr>
             <a:spLocks noGrp="1"/>
@@ -5593,35 +13564,27 @@
               <a:buNone/>
             </a:pPr>
             <a:r>
-              <a:rPr lang="en-US" dirty="0" smtClean="0"/>
-              <a:t>Introduction</a:t>
-            </a:r>
-          </a:p>
-          <a:p>
-            <a:pPr marL="0" indent="0">
-              <a:buNone/>
-            </a:pPr>
-            <a:r>
               <a:rPr lang="en-US" dirty="0" smtClean="0">
                 <a:solidFill>
                   <a:srgbClr val="B5B8C4"/>
                 </a:solidFill>
               </a:rPr>
+              <a:t>Introduction</a:t>
+            </a:r>
+          </a:p>
+          <a:p>
+            <a:pPr marL="0" indent="0">
+              <a:buNone/>
+            </a:pPr>
+            <a:r>
+              <a:rPr lang="en-US" dirty="0" smtClean="0"/>
               <a:t>Experience </a:t>
             </a:r>
             <a:r>
-              <a:rPr lang="en-US" dirty="0">
-                <a:solidFill>
-                  <a:srgbClr val="B5B8C4"/>
-                </a:solidFill>
-              </a:rPr>
+              <a:rPr lang="en-US" dirty="0"/>
               <a:t>Sampling </a:t>
             </a:r>
-            <a:endParaRPr lang="en-US" dirty="0" smtClean="0">
-              <a:solidFill>
-                <a:srgbClr val="B5B8C4"/>
-              </a:solidFill>
-            </a:endParaRPr>
+            <a:endParaRPr lang="en-US" dirty="0" smtClean="0"/>
           </a:p>
           <a:p>
             <a:pPr marL="0" indent="0">
@@ -5980,602 +13943,6 @@
 </p:sld>
 </file>
 
-<file path=ppt/slides/slide6.xml><?xml version="1.0" encoding="utf-8"?>
-<p:sld xmlns:a="http://schemas.openxmlformats.org/drawingml/2006/main" xmlns:r="http://schemas.openxmlformats.org/officeDocument/2006/relationships" xmlns:p="http://schemas.openxmlformats.org/presentationml/2006/main">
-  <p:cSld>
-    <p:spTree>
-      <p:nvGrpSpPr>
-        <p:cNvPr id="1" name=""/>
-        <p:cNvGrpSpPr/>
-        <p:nvPr/>
-      </p:nvGrpSpPr>
-      <p:grpSpPr>
-        <a:xfrm>
-          <a:off x="0" y="0"/>
-          <a:ext cx="0" cy="0"/>
-          <a:chOff x="0" y="0"/>
-          <a:chExt cx="0" cy="0"/>
-        </a:xfrm>
-      </p:grpSpPr>
-      <p:sp>
-        <p:nvSpPr>
-          <p:cNvPr id="3" name="Content Placeholder 2"/>
-          <p:cNvSpPr>
-            <a:spLocks noGrp="1"/>
-          </p:cNvSpPr>
-          <p:nvPr>
-            <p:ph idx="1"/>
-          </p:nvPr>
-        </p:nvSpPr>
-        <p:spPr/>
-        <p:txBody>
-          <a:bodyPr/>
-          <a:lstStyle/>
-          <a:p>
-            <a:r>
-              <a:rPr lang="en-US" dirty="0" smtClean="0"/>
-              <a:t>sf</a:t>
-            </a:r>
-            <a:endParaRPr lang="en-US" dirty="0"/>
-          </a:p>
-        </p:txBody>
-      </p:sp>
-      <p:sp>
-        <p:nvSpPr>
-          <p:cNvPr id="8" name="Rectangle 7"/>
-          <p:cNvSpPr/>
-          <p:nvPr/>
-        </p:nvSpPr>
-        <p:spPr>
-          <a:xfrm>
-            <a:off x="0" y="298173"/>
-            <a:ext cx="9144000" cy="1107470"/>
-          </a:xfrm>
-          <a:prstGeom prst="rect">
-            <a:avLst/>
-          </a:prstGeom>
-          <a:solidFill>
-            <a:srgbClr val="1689B9"/>
-          </a:solidFill>
-          <a:ln>
-            <a:noFill/>
-          </a:ln>
-          <a:effectLst/>
-        </p:spPr>
-        <p:style>
-          <a:lnRef idx="1">
-            <a:schemeClr val="accent1"/>
-          </a:lnRef>
-          <a:fillRef idx="3">
-            <a:schemeClr val="accent1"/>
-          </a:fillRef>
-          <a:effectRef idx="2">
-            <a:schemeClr val="accent1"/>
-          </a:effectRef>
-          <a:fontRef idx="minor">
-            <a:schemeClr val="lt1"/>
-          </a:fontRef>
-        </p:style>
-        <p:txBody>
-          <a:bodyPr rtlCol="0" anchor="ctr"/>
-          <a:lstStyle/>
-          <a:p>
-            <a:pPr algn="ctr"/>
-            <a:endParaRPr lang="en-US">
-              <a:solidFill>
-                <a:srgbClr val="1689B9"/>
-              </a:solidFill>
-            </a:endParaRPr>
-          </a:p>
-        </p:txBody>
-      </p:sp>
-      <p:sp>
-        <p:nvSpPr>
-          <p:cNvPr id="7" name="TextBox 6"/>
-          <p:cNvSpPr txBox="1"/>
-          <p:nvPr/>
-        </p:nvSpPr>
-        <p:spPr>
-          <a:xfrm>
-            <a:off x="4740965" y="298173"/>
-            <a:ext cx="4403035" cy="830997"/>
-          </a:xfrm>
-          <a:prstGeom prst="rect">
-            <a:avLst/>
-          </a:prstGeom>
-          <a:solidFill>
-            <a:srgbClr val="EDF8FF"/>
-          </a:solidFill>
-        </p:spPr>
-        <p:txBody>
-          <a:bodyPr wrap="square" rtlCol="0">
-            <a:spAutoFit/>
-          </a:bodyPr>
-          <a:lstStyle/>
-          <a:p>
-            <a:pPr algn="r"/>
-            <a:r>
-              <a:rPr lang="en-US" sz="2400" dirty="0" smtClean="0">
-                <a:latin typeface="Helvetica Neue" charset="0"/>
-                <a:ea typeface="Helvetica Neue" charset="0"/>
-                <a:cs typeface="Helvetica Neue" charset="0"/>
-              </a:rPr>
-              <a:t>I think my model is </a:t>
-            </a:r>
-          </a:p>
-          <a:p>
-            <a:pPr algn="r"/>
-            <a:r>
-              <a:rPr lang="en-US" sz="2400" dirty="0">
-                <a:latin typeface="Helvetica Neue" charset="0"/>
-                <a:ea typeface="Helvetica Neue" charset="0"/>
-                <a:cs typeface="Helvetica Neue" charset="0"/>
-              </a:rPr>
-              <a:t>f</a:t>
-            </a:r>
-            <a:r>
-              <a:rPr lang="en-US" sz="2400" dirty="0" smtClean="0">
-                <a:latin typeface="Helvetica Neue" charset="0"/>
-                <a:ea typeface="Helvetica Neue" charset="0"/>
-                <a:cs typeface="Helvetica Neue" charset="0"/>
-              </a:rPr>
-              <a:t>or other students</a:t>
-            </a:r>
-            <a:endParaRPr lang="en-US" sz="2400" dirty="0">
-              <a:latin typeface="Helvetica Neue" charset="0"/>
-              <a:ea typeface="Helvetica Neue" charset="0"/>
-              <a:cs typeface="Helvetica Neue" charset="0"/>
-            </a:endParaRPr>
-          </a:p>
-        </p:txBody>
-      </p:sp>
-    </p:spTree>
-    <p:extLst>
-      <p:ext uri="{BB962C8B-B14F-4D97-AF65-F5344CB8AC3E}">
-        <p14:creationId xmlns:p14="http://schemas.microsoft.com/office/powerpoint/2010/main" val="2026754100"/>
-      </p:ext>
-    </p:extLst>
-  </p:cSld>
-  <p:clrMapOvr>
-    <a:masterClrMapping/>
-  </p:clrMapOvr>
-</p:sld>
-</file>
-
-<file path=ppt/slides/slide7.xml><?xml version="1.0" encoding="utf-8"?>
-<p:sld xmlns:a="http://schemas.openxmlformats.org/drawingml/2006/main" xmlns:r="http://schemas.openxmlformats.org/officeDocument/2006/relationships" xmlns:p="http://schemas.openxmlformats.org/presentationml/2006/main">
-  <p:cSld>
-    <p:spTree>
-      <p:nvGrpSpPr>
-        <p:cNvPr id="1" name=""/>
-        <p:cNvGrpSpPr/>
-        <p:nvPr/>
-      </p:nvGrpSpPr>
-      <p:grpSpPr>
-        <a:xfrm>
-          <a:off x="0" y="0"/>
-          <a:ext cx="0" cy="0"/>
-          <a:chOff x="0" y="0"/>
-          <a:chExt cx="0" cy="0"/>
-        </a:xfrm>
-      </p:grpSpPr>
-      <p:sp>
-        <p:nvSpPr>
-          <p:cNvPr id="2" name="Title 1"/>
-          <p:cNvSpPr>
-            <a:spLocks noGrp="1"/>
-          </p:cNvSpPr>
-          <p:nvPr>
-            <p:ph type="title"/>
-          </p:nvPr>
-        </p:nvSpPr>
-        <p:spPr/>
-        <p:txBody>
-          <a:bodyPr/>
-          <a:lstStyle/>
-          <a:p>
-            <a:endParaRPr lang="en-US"/>
-          </a:p>
-        </p:txBody>
-      </p:sp>
-      <p:sp>
-        <p:nvSpPr>
-          <p:cNvPr id="3" name="Content Placeholder 2"/>
-          <p:cNvSpPr>
-            <a:spLocks noGrp="1"/>
-          </p:cNvSpPr>
-          <p:nvPr>
-            <p:ph idx="1"/>
-          </p:nvPr>
-        </p:nvSpPr>
-        <p:spPr/>
-        <p:txBody>
-          <a:bodyPr/>
-          <a:lstStyle/>
-          <a:p>
-            <a:endParaRPr lang="en-US"/>
-          </a:p>
-        </p:txBody>
-      </p:sp>
-      <p:graphicFrame>
-        <p:nvGraphicFramePr>
-          <p:cNvPr id="4" name="Table 3"/>
-          <p:cNvGraphicFramePr>
-            <a:graphicFrameLocks noGrp="1"/>
-          </p:cNvGraphicFramePr>
-          <p:nvPr>
-            <p:extLst/>
-          </p:nvPr>
-        </p:nvGraphicFramePr>
-        <p:xfrm>
-          <a:off x="-2" y="-31433"/>
-          <a:ext cx="9144000" cy="409947"/>
-        </p:xfrm>
-        <a:graphic>
-          <a:graphicData uri="http://schemas.openxmlformats.org/drawingml/2006/table">
-            <a:tbl>
-              <a:tblPr firstRow="1" bandRow="1">
-                <a:tableStyleId>{5C22544A-7EE6-4342-B048-85BDC9FD1C3A}</a:tableStyleId>
-              </a:tblPr>
-              <a:tblGrid>
-                <a:gridCol w="1828800"/>
-                <a:gridCol w="1828800"/>
-                <a:gridCol w="1828800"/>
-                <a:gridCol w="1828800"/>
-                <a:gridCol w="1828800"/>
-              </a:tblGrid>
-              <a:tr h="409947">
-                <a:tc>
-                  <a:txBody>
-                    <a:bodyPr/>
-                    <a:lstStyle/>
-                    <a:p>
-                      <a:pPr algn="ctr"/>
-                      <a:r>
-                        <a:rPr lang="en-US" sz="1600" b="0" dirty="0" smtClean="0">
-                          <a:solidFill>
-                            <a:schemeClr val="tx1"/>
-                          </a:solidFill>
-                          <a:latin typeface="Helvetica Neue" charset="0"/>
-                          <a:ea typeface="Helvetica Neue" charset="0"/>
-                          <a:cs typeface="Helvetica Neue" charset="0"/>
-                        </a:rPr>
-                        <a:t>Introduction</a:t>
-                      </a:r>
-                      <a:endParaRPr lang="en-US" sz="1600" b="0" dirty="0">
-                        <a:solidFill>
-                          <a:schemeClr val="tx1"/>
-                        </a:solidFill>
-                        <a:latin typeface="Helvetica Neue" charset="0"/>
-                        <a:ea typeface="Helvetica Neue" charset="0"/>
-                        <a:cs typeface="Helvetica Neue" charset="0"/>
-                      </a:endParaRPr>
-                    </a:p>
-                  </a:txBody>
-                  <a:tcPr anchor="b">
-                    <a:lnL w="12700" cmpd="sng">
-                      <a:noFill/>
-                    </a:lnL>
-                    <a:lnR w="12700" cmpd="sng">
-                      <a:noFill/>
-                    </a:lnR>
-                    <a:lnT w="12700" cmpd="sng">
-                      <a:noFill/>
-                    </a:lnT>
-                    <a:lnB w="38100" cmpd="sng">
-                      <a:noFill/>
-                    </a:lnB>
-                    <a:lnTlToBr w="12700" cmpd="sng">
-                      <a:noFill/>
-                      <a:prstDash val="solid"/>
-                    </a:lnTlToBr>
-                    <a:lnBlToTr w="12700" cmpd="sng">
-                      <a:noFill/>
-                      <a:prstDash val="solid"/>
-                    </a:lnBlToTr>
-                    <a:solidFill>
-                      <a:srgbClr val="1689B9"/>
-                    </a:solidFill>
-                  </a:tcPr>
-                </a:tc>
-                <a:tc>
-                  <a:txBody>
-                    <a:bodyPr/>
-                    <a:lstStyle/>
-                    <a:p>
-                      <a:pPr algn="ctr"/>
-                      <a:r>
-                        <a:rPr lang="en-US" sz="1600" b="0" dirty="0" smtClean="0">
-                          <a:solidFill>
-                            <a:srgbClr val="B5B8C4"/>
-                          </a:solidFill>
-                          <a:latin typeface="Helvetica Neue" charset="0"/>
-                          <a:ea typeface="Helvetica Neue" charset="0"/>
-                          <a:cs typeface="Helvetica Neue" charset="0"/>
-                        </a:rPr>
-                        <a:t>ESM</a:t>
-                      </a:r>
-                      <a:endParaRPr lang="en-US" sz="1600" b="0" dirty="0">
-                        <a:solidFill>
-                          <a:srgbClr val="B5B8C4"/>
-                        </a:solidFill>
-                        <a:latin typeface="Helvetica Neue" charset="0"/>
-                        <a:ea typeface="Helvetica Neue" charset="0"/>
-                        <a:cs typeface="Helvetica Neue" charset="0"/>
-                      </a:endParaRPr>
-                    </a:p>
-                  </a:txBody>
-                  <a:tcPr anchor="b">
-                    <a:lnL w="12700" cmpd="sng">
-                      <a:noFill/>
-                    </a:lnL>
-                    <a:lnR w="12700" cmpd="sng">
-                      <a:noFill/>
-                    </a:lnR>
-                    <a:lnT w="12700" cmpd="sng">
-                      <a:noFill/>
-                    </a:lnT>
-                    <a:lnB w="38100" cmpd="sng">
-                      <a:noFill/>
-                    </a:lnB>
-                    <a:lnTlToBr w="12700" cmpd="sng">
-                      <a:noFill/>
-                      <a:prstDash val="solid"/>
-                    </a:lnTlToBr>
-                    <a:lnBlToTr w="12700" cmpd="sng">
-                      <a:noFill/>
-                      <a:prstDash val="solid"/>
-                    </a:lnBlToTr>
-                    <a:solidFill>
-                      <a:srgbClr val="1689B9"/>
-                    </a:solidFill>
-                  </a:tcPr>
-                </a:tc>
-                <a:tc>
-                  <a:txBody>
-                    <a:bodyPr/>
-                    <a:lstStyle/>
-                    <a:p>
-                      <a:pPr algn="ctr"/>
-                      <a:r>
-                        <a:rPr lang="en-US" sz="1600" b="0" dirty="0" smtClean="0">
-                          <a:solidFill>
-                            <a:srgbClr val="B5B8C4"/>
-                          </a:solidFill>
-                          <a:latin typeface="Helvetica Neue" charset="0"/>
-                          <a:ea typeface="Helvetica Neue" charset="0"/>
-                          <a:cs typeface="Helvetica Neue" charset="0"/>
-                        </a:rPr>
-                        <a:t>Networks</a:t>
-                      </a:r>
-                      <a:endParaRPr lang="en-US" sz="1600" b="0" dirty="0">
-                        <a:solidFill>
-                          <a:srgbClr val="B5B8C4"/>
-                        </a:solidFill>
-                        <a:latin typeface="Helvetica Neue" charset="0"/>
-                        <a:ea typeface="Helvetica Neue" charset="0"/>
-                        <a:cs typeface="Helvetica Neue" charset="0"/>
-                      </a:endParaRPr>
-                    </a:p>
-                  </a:txBody>
-                  <a:tcPr anchor="b">
-                    <a:lnL w="12700" cmpd="sng">
-                      <a:noFill/>
-                    </a:lnL>
-                    <a:lnR w="12700" cmpd="sng">
-                      <a:noFill/>
-                    </a:lnR>
-                    <a:lnT w="12700" cmpd="sng">
-                      <a:noFill/>
-                    </a:lnT>
-                    <a:lnB w="38100" cmpd="sng">
-                      <a:noFill/>
-                    </a:lnB>
-                    <a:lnTlToBr w="12700" cmpd="sng">
-                      <a:noFill/>
-                      <a:prstDash val="solid"/>
-                    </a:lnTlToBr>
-                    <a:lnBlToTr w="12700" cmpd="sng">
-                      <a:noFill/>
-                      <a:prstDash val="solid"/>
-                    </a:lnBlToTr>
-                    <a:solidFill>
-                      <a:srgbClr val="1689B9"/>
-                    </a:solidFill>
-                  </a:tcPr>
-                </a:tc>
-                <a:tc>
-                  <a:txBody>
-                    <a:bodyPr/>
-                    <a:lstStyle/>
-                    <a:p>
-                      <a:pPr algn="ctr"/>
-                      <a:r>
-                        <a:rPr lang="en-US" sz="1600" b="0" dirty="0" smtClean="0">
-                          <a:solidFill>
-                            <a:srgbClr val="B5B8C4"/>
-                          </a:solidFill>
-                          <a:latin typeface="Helvetica Neue" charset="0"/>
-                          <a:ea typeface="Helvetica Neue" charset="0"/>
-                          <a:cs typeface="Helvetica Neue" charset="0"/>
-                        </a:rPr>
-                        <a:t>Future Work</a:t>
-                      </a:r>
-                      <a:endParaRPr lang="en-US" sz="1600" b="0" dirty="0">
-                        <a:solidFill>
-                          <a:srgbClr val="B5B8C4"/>
-                        </a:solidFill>
-                        <a:latin typeface="Helvetica Neue" charset="0"/>
-                        <a:ea typeface="Helvetica Neue" charset="0"/>
-                        <a:cs typeface="Helvetica Neue" charset="0"/>
-                      </a:endParaRPr>
-                    </a:p>
-                  </a:txBody>
-                  <a:tcPr anchor="b">
-                    <a:lnL w="12700" cmpd="sng">
-                      <a:noFill/>
-                    </a:lnL>
-                    <a:lnR w="12700" cmpd="sng">
-                      <a:noFill/>
-                    </a:lnR>
-                    <a:lnT w="12700" cmpd="sng">
-                      <a:noFill/>
-                    </a:lnT>
-                    <a:lnB w="38100" cmpd="sng">
-                      <a:noFill/>
-                    </a:lnB>
-                    <a:lnTlToBr w="12700" cmpd="sng">
-                      <a:noFill/>
-                      <a:prstDash val="solid"/>
-                    </a:lnTlToBr>
-                    <a:lnBlToTr w="12700" cmpd="sng">
-                      <a:noFill/>
-                      <a:prstDash val="solid"/>
-                    </a:lnBlToTr>
-                    <a:solidFill>
-                      <a:srgbClr val="1689B9"/>
-                    </a:solidFill>
-                  </a:tcPr>
-                </a:tc>
-                <a:tc>
-                  <a:txBody>
-                    <a:bodyPr/>
-                    <a:lstStyle/>
-                    <a:p>
-                      <a:pPr algn="ctr"/>
-                      <a:r>
-                        <a:rPr lang="en-US" sz="1600" b="0" dirty="0" smtClean="0">
-                          <a:solidFill>
-                            <a:srgbClr val="B5B8C4"/>
-                          </a:solidFill>
-                          <a:latin typeface="Helvetica Neue" charset="0"/>
-                          <a:ea typeface="Helvetica Neue" charset="0"/>
-                          <a:cs typeface="Helvetica Neue" charset="0"/>
-                        </a:rPr>
-                        <a:t>Conclusion</a:t>
-                      </a:r>
-                      <a:endParaRPr lang="en-US" sz="1600" b="0" dirty="0">
-                        <a:solidFill>
-                          <a:srgbClr val="B5B8C4"/>
-                        </a:solidFill>
-                        <a:latin typeface="Helvetica Neue" charset="0"/>
-                        <a:ea typeface="Helvetica Neue" charset="0"/>
-                        <a:cs typeface="Helvetica Neue" charset="0"/>
-                      </a:endParaRPr>
-                    </a:p>
-                  </a:txBody>
-                  <a:tcPr anchor="b">
-                    <a:lnL w="12700" cmpd="sng">
-                      <a:noFill/>
-                    </a:lnL>
-                    <a:lnR w="12700" cmpd="sng">
-                      <a:noFill/>
-                    </a:lnR>
-                    <a:lnT w="12700" cmpd="sng">
-                      <a:noFill/>
-                    </a:lnT>
-                    <a:lnB w="38100" cmpd="sng">
-                      <a:noFill/>
-                    </a:lnB>
-                    <a:lnTlToBr w="12700" cmpd="sng">
-                      <a:noFill/>
-                      <a:prstDash val="solid"/>
-                    </a:lnTlToBr>
-                    <a:lnBlToTr w="12700" cmpd="sng">
-                      <a:noFill/>
-                      <a:prstDash val="solid"/>
-                    </a:lnBlToTr>
-                    <a:solidFill>
-                      <a:srgbClr val="1689B9"/>
-                    </a:solidFill>
-                  </a:tcPr>
-                </a:tc>
-              </a:tr>
-            </a:tbl>
-          </a:graphicData>
-        </a:graphic>
-      </p:graphicFrame>
-    </p:spTree>
-    <p:extLst>
-      <p:ext uri="{BB962C8B-B14F-4D97-AF65-F5344CB8AC3E}">
-        <p14:creationId xmlns:p14="http://schemas.microsoft.com/office/powerpoint/2010/main" val="1807406799"/>
-      </p:ext>
-    </p:extLst>
-  </p:cSld>
-  <p:clrMapOvr>
-    <a:masterClrMapping/>
-  </p:clrMapOvr>
-</p:sld>
-</file>
-
-<file path=ppt/slides/slide8.xml><?xml version="1.0" encoding="utf-8"?>
-<p:sld xmlns:a="http://schemas.openxmlformats.org/drawingml/2006/main" xmlns:r="http://schemas.openxmlformats.org/officeDocument/2006/relationships" xmlns:p="http://schemas.openxmlformats.org/presentationml/2006/main">
-  <p:cSld>
-    <p:spTree>
-      <p:nvGrpSpPr>
-        <p:cNvPr id="1" name=""/>
-        <p:cNvGrpSpPr/>
-        <p:nvPr/>
-      </p:nvGrpSpPr>
-      <p:grpSpPr>
-        <a:xfrm>
-          <a:off x="0" y="0"/>
-          <a:ext cx="0" cy="0"/>
-          <a:chOff x="0" y="0"/>
-          <a:chExt cx="0" cy="0"/>
-        </a:xfrm>
-      </p:grpSpPr>
-      <p:sp>
-        <p:nvSpPr>
-          <p:cNvPr id="2" name="Title 1"/>
-          <p:cNvSpPr>
-            <a:spLocks noGrp="1"/>
-          </p:cNvSpPr>
-          <p:nvPr>
-            <p:ph type="title"/>
-          </p:nvPr>
-        </p:nvSpPr>
-        <p:spPr/>
-        <p:txBody>
-          <a:bodyPr/>
-          <a:lstStyle/>
-          <a:p>
-            <a:endParaRPr lang="en-US"/>
-          </a:p>
-        </p:txBody>
-      </p:sp>
-      <p:sp>
-        <p:nvSpPr>
-          <p:cNvPr id="3" name="Content Placeholder 2"/>
-          <p:cNvSpPr>
-            <a:spLocks noGrp="1"/>
-          </p:cNvSpPr>
-          <p:nvPr>
-            <p:ph idx="1"/>
-          </p:nvPr>
-        </p:nvSpPr>
-        <p:spPr/>
-        <p:txBody>
-          <a:bodyPr/>
-          <a:lstStyle/>
-          <a:p>
-            <a:endParaRPr lang="en-US" dirty="0"/>
-          </a:p>
-        </p:txBody>
-      </p:sp>
-    </p:spTree>
-    <p:extLst>
-      <p:ext uri="{BB962C8B-B14F-4D97-AF65-F5344CB8AC3E}">
-        <p14:creationId xmlns:p14="http://schemas.microsoft.com/office/powerpoint/2010/main" val="1610685493"/>
-      </p:ext>
-    </p:extLst>
-  </p:cSld>
-  <p:clrMapOvr>
-    <a:masterClrMapping/>
-  </p:clrMapOvr>
-</p:sld>
-</file>
-
 <file path=ppt/slides/slide9.xml><?xml version="1.0" encoding="utf-8"?>
 <p:sld xmlns:a="http://schemas.openxmlformats.org/drawingml/2006/main" xmlns:r="http://schemas.openxmlformats.org/officeDocument/2006/relationships" xmlns:p="http://schemas.openxmlformats.org/presentationml/2006/main">
   <p:cSld>
@@ -6605,12 +13972,14 @@
         </p:nvSpPr>
         <p:spPr/>
         <p:txBody>
-          <a:bodyPr/>
+          <a:bodyPr>
+            <a:normAutofit/>
+          </a:bodyPr>
           <a:lstStyle/>
           <a:p>
             <a:r>
               <a:rPr lang="en-US" dirty="0" smtClean="0"/>
-              <a:t>Outline</a:t>
+              <a:t>Experience sampling method</a:t>
             </a:r>
             <a:endParaRPr lang="en-US" dirty="0"/>
           </a:p>
@@ -6628,17 +13997,62 @@
         </p:nvSpPr>
         <p:spPr/>
         <p:txBody>
-          <a:bodyPr/>
-          <a:lstStyle/>
-          <a:p>
-            <a:endParaRPr lang="en-US"/>
+          <a:bodyPr>
+            <a:normAutofit/>
+          </a:bodyPr>
+          <a:lstStyle/>
+          <a:p>
+            <a:pPr marL="0" indent="0">
+              <a:buNone/>
+            </a:pPr>
+            <a:r>
+              <a:rPr lang="en-US" dirty="0" smtClean="0"/>
+              <a:t>Affordances:</a:t>
+            </a:r>
+          </a:p>
+          <a:p>
+            <a:r>
+              <a:rPr lang="en-US" dirty="0" smtClean="0"/>
+              <a:t> </a:t>
+            </a:r>
+          </a:p>
+          <a:p>
+            <a:pPr marL="0" indent="0">
+              <a:buNone/>
+            </a:pPr>
+            <a:r>
+              <a:rPr lang="en-US" dirty="0" smtClean="0"/>
+              <a:t>Past research</a:t>
+            </a:r>
+          </a:p>
+          <a:p>
+            <a:r>
+              <a:rPr lang="en-US" dirty="0" smtClean="0"/>
+              <a:t>Importance (but under-emphasis on) context in research on teacher knowledge (Rosenberg &amp; Koehler, 2015)</a:t>
+            </a:r>
+          </a:p>
+          <a:p>
+            <a:r>
+              <a:rPr lang="en-US" dirty="0" smtClean="0"/>
+              <a:t>Role of context in explaining processes around teaching and learning with technology (Phillips, Koehler, &amp; Rosenberg, 2016)</a:t>
+            </a:r>
+            <a:endParaRPr lang="en-US" dirty="0"/>
+          </a:p>
+          <a:p>
+            <a:pPr marL="0" indent="0">
+              <a:buNone/>
+            </a:pPr>
+            <a:endParaRPr lang="en-US" dirty="0" smtClean="0"/>
+          </a:p>
+          <a:p>
+            <a:endParaRPr lang="en-US" dirty="0"/>
           </a:p>
         </p:txBody>
       </p:sp>
     </p:spTree>
     <p:extLst>
       <p:ext uri="{BB962C8B-B14F-4D97-AF65-F5344CB8AC3E}">
-        <p14:creationId xmlns:p14="http://schemas.microsoft.com/office/powerpoint/2010/main" val="27000777"/>
+        <p14:creationId xmlns:p14="http://schemas.microsoft.com/office/powerpoint/2010/main" val="1518159592"/>
       </p:ext>
     </p:extLst>
   </p:cSld>
